--- a/Présentation/Presentation.pptx
+++ b/Présentation/Presentation.pptx
@@ -17,7 +17,9 @@
     <p:sldId id="266" r:id="rId11"/>
     <p:sldId id="260" r:id="rId12"/>
     <p:sldId id="261" r:id="rId13"/>
-    <p:sldId id="272" r:id="rId14"/>
+    <p:sldId id="276" r:id="rId14"/>
+    <p:sldId id="277" r:id="rId15"/>
+    <p:sldId id="272" r:id="rId16"/>
   </p:sldIdLst>
   <p:sldSz cx="12192000" cy="6858000"/>
   <p:notesSz cx="6858000" cy="9144000"/>
@@ -310,7 +312,7 @@
           <a:p>
             <a:fld id="{3ECE0937-EB16-4FB7-83E4-051A3D147AE6}" type="datetimeFigureOut">
               <a:rPr lang="fr-FR" smtClean="0"/>
-              <a:t>10/04/2024</a:t>
+              <a:t>11/04/2024</a:t>
             </a:fld>
             <a:endParaRPr lang="fr-FR"/>
           </a:p>
@@ -585,7 +587,7 @@
           <a:p>
             <a:fld id="{3ECE0937-EB16-4FB7-83E4-051A3D147AE6}" type="datetimeFigureOut">
               <a:rPr lang="fr-FR" smtClean="0"/>
-              <a:t>10/04/2024</a:t>
+              <a:t>11/04/2024</a:t>
             </a:fld>
             <a:endParaRPr lang="fr-FR"/>
           </a:p>
@@ -779,7 +781,7 @@
           <a:p>
             <a:fld id="{3ECE0937-EB16-4FB7-83E4-051A3D147AE6}" type="datetimeFigureOut">
               <a:rPr lang="fr-FR" smtClean="0"/>
-              <a:t>10/04/2024</a:t>
+              <a:t>11/04/2024</a:t>
             </a:fld>
             <a:endParaRPr lang="fr-FR"/>
           </a:p>
@@ -1052,7 +1054,7 @@
           <a:p>
             <a:fld id="{3ECE0937-EB16-4FB7-83E4-051A3D147AE6}" type="datetimeFigureOut">
               <a:rPr lang="fr-FR" smtClean="0"/>
-              <a:t>10/04/2024</a:t>
+              <a:t>11/04/2024</a:t>
             </a:fld>
             <a:endParaRPr lang="fr-FR"/>
           </a:p>
@@ -1393,7 +1395,7 @@
           <a:p>
             <a:fld id="{3ECE0937-EB16-4FB7-83E4-051A3D147AE6}" type="datetimeFigureOut">
               <a:rPr lang="fr-FR" smtClean="0"/>
-              <a:t>10/04/2024</a:t>
+              <a:t>11/04/2024</a:t>
             </a:fld>
             <a:endParaRPr lang="fr-FR"/>
           </a:p>
@@ -2016,7 +2018,7 @@
           <a:p>
             <a:fld id="{3ECE0937-EB16-4FB7-83E4-051A3D147AE6}" type="datetimeFigureOut">
               <a:rPr lang="fr-FR" smtClean="0"/>
-              <a:t>10/04/2024</a:t>
+              <a:t>11/04/2024</a:t>
             </a:fld>
             <a:endParaRPr lang="fr-FR"/>
           </a:p>
@@ -2876,7 +2878,7 @@
           <a:p>
             <a:fld id="{3ECE0937-EB16-4FB7-83E4-051A3D147AE6}" type="datetimeFigureOut">
               <a:rPr lang="fr-FR" smtClean="0"/>
-              <a:t>10/04/2024</a:t>
+              <a:t>11/04/2024</a:t>
             </a:fld>
             <a:endParaRPr lang="fr-FR"/>
           </a:p>
@@ -3046,7 +3048,7 @@
           <a:p>
             <a:fld id="{3ECE0937-EB16-4FB7-83E4-051A3D147AE6}" type="datetimeFigureOut">
               <a:rPr lang="fr-FR" smtClean="0"/>
-              <a:t>10/04/2024</a:t>
+              <a:t>11/04/2024</a:t>
             </a:fld>
             <a:endParaRPr lang="fr-FR"/>
           </a:p>
@@ -3226,7 +3228,7 @@
           <a:p>
             <a:fld id="{3ECE0937-EB16-4FB7-83E4-051A3D147AE6}" type="datetimeFigureOut">
               <a:rPr lang="fr-FR" smtClean="0"/>
-              <a:t>10/04/2024</a:t>
+              <a:t>11/04/2024</a:t>
             </a:fld>
             <a:endParaRPr lang="fr-FR"/>
           </a:p>
@@ -3396,7 +3398,7 @@
           <a:p>
             <a:fld id="{3ECE0937-EB16-4FB7-83E4-051A3D147AE6}" type="datetimeFigureOut">
               <a:rPr lang="fr-FR" smtClean="0"/>
-              <a:t>10/04/2024</a:t>
+              <a:t>11/04/2024</a:t>
             </a:fld>
             <a:endParaRPr lang="fr-FR"/>
           </a:p>
@@ -3643,7 +3645,7 @@
           <a:p>
             <a:fld id="{3ECE0937-EB16-4FB7-83E4-051A3D147AE6}" type="datetimeFigureOut">
               <a:rPr lang="fr-FR" smtClean="0"/>
-              <a:t>10/04/2024</a:t>
+              <a:t>11/04/2024</a:t>
             </a:fld>
             <a:endParaRPr lang="fr-FR"/>
           </a:p>
@@ -3935,7 +3937,7 @@
           <a:p>
             <a:fld id="{3ECE0937-EB16-4FB7-83E4-051A3D147AE6}" type="datetimeFigureOut">
               <a:rPr lang="fr-FR" smtClean="0"/>
-              <a:t>10/04/2024</a:t>
+              <a:t>11/04/2024</a:t>
             </a:fld>
             <a:endParaRPr lang="fr-FR"/>
           </a:p>
@@ -4379,7 +4381,7 @@
           <a:p>
             <a:fld id="{3ECE0937-EB16-4FB7-83E4-051A3D147AE6}" type="datetimeFigureOut">
               <a:rPr lang="fr-FR" smtClean="0"/>
-              <a:t>10/04/2024</a:t>
+              <a:t>11/04/2024</a:t>
             </a:fld>
             <a:endParaRPr lang="fr-FR"/>
           </a:p>
@@ -4497,7 +4499,7 @@
           <a:p>
             <a:fld id="{3ECE0937-EB16-4FB7-83E4-051A3D147AE6}" type="datetimeFigureOut">
               <a:rPr lang="fr-FR" smtClean="0"/>
-              <a:t>10/04/2024</a:t>
+              <a:t>11/04/2024</a:t>
             </a:fld>
             <a:endParaRPr lang="fr-FR"/>
           </a:p>
@@ -4592,7 +4594,7 @@
           <a:p>
             <a:fld id="{3ECE0937-EB16-4FB7-83E4-051A3D147AE6}" type="datetimeFigureOut">
               <a:rPr lang="fr-FR" smtClean="0"/>
-              <a:t>10/04/2024</a:t>
+              <a:t>11/04/2024</a:t>
             </a:fld>
             <a:endParaRPr lang="fr-FR"/>
           </a:p>
@@ -4871,7 +4873,7 @@
           <a:p>
             <a:fld id="{3ECE0937-EB16-4FB7-83E4-051A3D147AE6}" type="datetimeFigureOut">
               <a:rPr lang="fr-FR" smtClean="0"/>
-              <a:t>10/04/2024</a:t>
+              <a:t>11/04/2024</a:t>
             </a:fld>
             <a:endParaRPr lang="fr-FR"/>
           </a:p>
@@ -5146,7 +5148,7 @@
           <a:p>
             <a:fld id="{3ECE0937-EB16-4FB7-83E4-051A3D147AE6}" type="datetimeFigureOut">
               <a:rPr lang="fr-FR" smtClean="0"/>
-              <a:t>10/04/2024</a:t>
+              <a:t>11/04/2024</a:t>
             </a:fld>
             <a:endParaRPr lang="fr-FR"/>
           </a:p>
@@ -5575,7 +5577,7 @@
           <a:p>
             <a:fld id="{3ECE0937-EB16-4FB7-83E4-051A3D147AE6}" type="datetimeFigureOut">
               <a:rPr lang="fr-FR" smtClean="0"/>
-              <a:t>10/04/2024</a:t>
+              <a:t>11/04/2024</a:t>
             </a:fld>
             <a:endParaRPr lang="fr-FR"/>
           </a:p>
@@ -6521,8 +6523,8 @@
         </p:nvSpPr>
         <p:spPr>
           <a:xfrm>
-            <a:off x="1103311" y="1311966"/>
-            <a:ext cx="10950866" cy="4936434"/>
+            <a:off x="467205" y="1534602"/>
+            <a:ext cx="11380237" cy="4936434"/>
           </a:xfrm>
         </p:spPr>
         <p:txBody>
@@ -6605,11 +6607,7 @@
             </a:r>
             <a:r>
               <a:rPr lang="fr-FR" dirty="0" smtClean="0"/>
-              <a:t>) </a:t>
-            </a:r>
-            <a:r>
-              <a:rPr lang="fr-FR" dirty="0" smtClean="0"/>
-              <a:t>qu’on lui donne.</a:t>
+              <a:t>) qu’on lui donne.</a:t>
             </a:r>
             <a:endParaRPr lang="fr-FR" dirty="0"/>
           </a:p>
@@ -6778,13 +6776,13 @@
         </p:nvSpPr>
         <p:spPr>
           <a:xfrm>
-            <a:off x="1103313" y="1248356"/>
-            <a:ext cx="8478010" cy="5000044"/>
+            <a:off x="548421" y="1272209"/>
+            <a:ext cx="8883526" cy="3935895"/>
           </a:xfrm>
         </p:spPr>
         <p:txBody>
           <a:bodyPr>
-            <a:normAutofit fontScale="85000" lnSpcReduction="20000"/>
+            <a:normAutofit/>
           </a:bodyPr>
           <a:lstStyle/>
           <a:p>
@@ -6902,73 +6900,6 @@
             <a:r>
               <a:rPr lang="fr-FR" dirty="0" smtClean="0"/>
               <a:t>.</a:t>
-            </a:r>
-          </a:p>
-          <a:p>
-            <a:r>
-              <a:rPr lang="fr-FR" dirty="0" smtClean="0"/>
-              <a:t>Entraînement d'un réseau neuronal :</a:t>
-            </a:r>
-          </a:p>
-          <a:p>
-            <a:pPr lvl="1"/>
-            <a:r>
-              <a:rPr lang="fr-FR" dirty="0" smtClean="0"/>
-              <a:t>L'entraînement </a:t>
-            </a:r>
-            <a:r>
-              <a:rPr lang="fr-FR" dirty="0"/>
-              <a:t>d'un réseau neuronal consiste </a:t>
-            </a:r>
-            <a:r>
-              <a:rPr lang="fr-FR" dirty="0" smtClean="0"/>
-              <a:t>à montrer au réseau, un très </a:t>
-            </a:r>
-            <a:r>
-              <a:rPr lang="fr-FR" dirty="0" err="1" smtClean="0"/>
-              <a:t>très</a:t>
-            </a:r>
-            <a:r>
-              <a:rPr lang="fr-FR" dirty="0" smtClean="0"/>
-              <a:t> grand nombre d’exemples (</a:t>
-            </a:r>
-            <a:r>
-              <a:rPr lang="fr-FR" i="1" dirty="0" smtClean="0">
-                <a:solidFill>
-                  <a:srgbClr val="FFFF00"/>
-                </a:solidFill>
-              </a:rPr>
-              <a:t>des millions ou même des milliards</a:t>
-            </a:r>
-            <a:r>
-              <a:rPr lang="fr-FR" dirty="0" smtClean="0"/>
-              <a:t>) qui donnent les bons résultats, puis à ajuster à chaque fois les coefficients.</a:t>
-            </a:r>
-          </a:p>
-          <a:p>
-            <a:pPr lvl="1"/>
-            <a:r>
-              <a:rPr lang="fr-FR" dirty="0" smtClean="0"/>
-              <a:t>Ensuite, le réseau peut être capable de répondre aux questions s’approchant à ce qui a été entraîné.</a:t>
-            </a:r>
-            <a:endParaRPr lang="fr-FR" dirty="0"/>
-          </a:p>
-          <a:p>
-            <a:r>
-              <a:rPr lang="fr-FR" dirty="0"/>
-              <a:t>En conclusion, </a:t>
-            </a:r>
-            <a:endParaRPr lang="fr-FR" dirty="0" smtClean="0"/>
-          </a:p>
-          <a:p>
-            <a:pPr lvl="1"/>
-            <a:r>
-              <a:rPr lang="fr-FR" dirty="0" smtClean="0"/>
-              <a:t>les </a:t>
-            </a:r>
-            <a:r>
-              <a:rPr lang="fr-FR" dirty="0"/>
-              <a:t>réseaux neuronaux sont des outils puissants pour résoudre une grande variété de problèmes, grâce à leur capacité à apprendre à partir de données et à généraliser à de nouvelles situations. </a:t>
             </a:r>
             <a:endParaRPr lang="fr-FR" dirty="0" smtClean="0"/>
           </a:p>
@@ -6990,7 +6921,7 @@
         </p:blipFill>
         <p:spPr>
           <a:xfrm>
-            <a:off x="9362094" y="2380926"/>
+            <a:off x="9362094" y="2023118"/>
             <a:ext cx="2562225" cy="1781175"/>
           </a:xfrm>
           <a:prstGeom prst="rect">
@@ -6998,6 +6929,296 @@
           </a:prstGeom>
         </p:spPr>
       </p:pic>
+      <p:sp>
+        <p:nvSpPr>
+          <p:cNvPr id="6" name="Espace réservé du contenu 2"/>
+          <p:cNvSpPr txBox="1">
+            <a:spLocks/>
+          </p:cNvSpPr>
+          <p:nvPr/>
+        </p:nvSpPr>
+        <p:spPr>
+          <a:xfrm>
+            <a:off x="548421" y="4505472"/>
+            <a:ext cx="11481902" cy="2078203"/>
+          </a:xfrm>
+          <a:prstGeom prst="rect">
+            <a:avLst/>
+          </a:prstGeom>
+        </p:spPr>
+        <p:txBody>
+          <a:bodyPr vert="horz" lIns="91440" tIns="45720" rIns="91440" bIns="45720" rtlCol="0">
+            <a:normAutofit/>
+          </a:bodyPr>
+          <a:lstStyle>
+            <a:lvl1pPr marL="342900" indent="-342900" algn="l" defTabSz="457200" rtl="0" eaLnBrk="1" latinLnBrk="0" hangingPunct="1">
+              <a:spcBef>
+                <a:spcPts val="1000"/>
+              </a:spcBef>
+              <a:spcAft>
+                <a:spcPts val="0"/>
+              </a:spcAft>
+              <a:buClr>
+                <a:schemeClr val="bg2">
+                  <a:lumMod val="40000"/>
+                  <a:lumOff val="60000"/>
+                </a:schemeClr>
+              </a:buClr>
+              <a:buSzPct val="80000"/>
+              <a:buFont typeface="Wingdings 3" charset="2"/>
+              <a:buChar char=""/>
+              <a:defRPr sz="2000" b="0" i="0" kern="1200">
+                <a:solidFill>
+                  <a:schemeClr val="tx1"/>
+                </a:solidFill>
+                <a:latin typeface="+mj-lt"/>
+                <a:ea typeface="+mj-ea"/>
+                <a:cs typeface="+mj-cs"/>
+              </a:defRPr>
+            </a:lvl1pPr>
+            <a:lvl2pPr marL="742950" indent="-285750" algn="l" defTabSz="457200" rtl="0" eaLnBrk="1" latinLnBrk="0" hangingPunct="1">
+              <a:spcBef>
+                <a:spcPts val="1000"/>
+              </a:spcBef>
+              <a:spcAft>
+                <a:spcPts val="0"/>
+              </a:spcAft>
+              <a:buClr>
+                <a:schemeClr val="bg2">
+                  <a:lumMod val="40000"/>
+                  <a:lumOff val="60000"/>
+                </a:schemeClr>
+              </a:buClr>
+              <a:buSzPct val="80000"/>
+              <a:buFont typeface="Wingdings 3" charset="2"/>
+              <a:buChar char=""/>
+              <a:defRPr sz="1800" b="0" i="0" kern="1200">
+                <a:solidFill>
+                  <a:schemeClr val="tx1"/>
+                </a:solidFill>
+                <a:latin typeface="+mj-lt"/>
+                <a:ea typeface="+mj-ea"/>
+                <a:cs typeface="+mj-cs"/>
+              </a:defRPr>
+            </a:lvl2pPr>
+            <a:lvl3pPr marL="1143000" indent="-228600" algn="l" defTabSz="457200" rtl="0" eaLnBrk="1" latinLnBrk="0" hangingPunct="1">
+              <a:spcBef>
+                <a:spcPts val="1000"/>
+              </a:spcBef>
+              <a:spcAft>
+                <a:spcPts val="0"/>
+              </a:spcAft>
+              <a:buClr>
+                <a:schemeClr val="bg2">
+                  <a:lumMod val="40000"/>
+                  <a:lumOff val="60000"/>
+                </a:schemeClr>
+              </a:buClr>
+              <a:buSzPct val="80000"/>
+              <a:buFont typeface="Wingdings 3" charset="2"/>
+              <a:buChar char=""/>
+              <a:defRPr sz="1600" b="0" i="0" kern="1200">
+                <a:solidFill>
+                  <a:schemeClr val="tx1"/>
+                </a:solidFill>
+                <a:latin typeface="+mj-lt"/>
+                <a:ea typeface="+mj-ea"/>
+                <a:cs typeface="+mj-cs"/>
+              </a:defRPr>
+            </a:lvl3pPr>
+            <a:lvl4pPr marL="1600200" indent="-228600" algn="l" defTabSz="457200" rtl="0" eaLnBrk="1" latinLnBrk="0" hangingPunct="1">
+              <a:spcBef>
+                <a:spcPts val="1000"/>
+              </a:spcBef>
+              <a:spcAft>
+                <a:spcPts val="0"/>
+              </a:spcAft>
+              <a:buClr>
+                <a:schemeClr val="bg2">
+                  <a:lumMod val="40000"/>
+                  <a:lumOff val="60000"/>
+                </a:schemeClr>
+              </a:buClr>
+              <a:buSzPct val="80000"/>
+              <a:buFont typeface="Wingdings 3" charset="2"/>
+              <a:buChar char=""/>
+              <a:defRPr sz="1400" b="0" i="0" kern="1200">
+                <a:solidFill>
+                  <a:schemeClr val="tx1"/>
+                </a:solidFill>
+                <a:latin typeface="+mj-lt"/>
+                <a:ea typeface="+mj-ea"/>
+                <a:cs typeface="+mj-cs"/>
+              </a:defRPr>
+            </a:lvl4pPr>
+            <a:lvl5pPr marL="2057400" indent="-228600" algn="l" defTabSz="457200" rtl="0" eaLnBrk="1" latinLnBrk="0" hangingPunct="1">
+              <a:spcBef>
+                <a:spcPts val="1000"/>
+              </a:spcBef>
+              <a:spcAft>
+                <a:spcPts val="0"/>
+              </a:spcAft>
+              <a:buClr>
+                <a:schemeClr val="bg2">
+                  <a:lumMod val="40000"/>
+                  <a:lumOff val="60000"/>
+                </a:schemeClr>
+              </a:buClr>
+              <a:buSzPct val="80000"/>
+              <a:buFont typeface="Wingdings 3" charset="2"/>
+              <a:buChar char=""/>
+              <a:defRPr sz="1400" b="0" i="0" kern="1200">
+                <a:solidFill>
+                  <a:schemeClr val="tx1"/>
+                </a:solidFill>
+                <a:latin typeface="+mj-lt"/>
+                <a:ea typeface="+mj-ea"/>
+                <a:cs typeface="+mj-cs"/>
+              </a:defRPr>
+            </a:lvl5pPr>
+            <a:lvl6pPr marL="2506000" indent="-228600" algn="l" defTabSz="457200" rtl="0" eaLnBrk="1" latinLnBrk="0" hangingPunct="1">
+              <a:spcBef>
+                <a:spcPts val="1000"/>
+              </a:spcBef>
+              <a:spcAft>
+                <a:spcPts val="0"/>
+              </a:spcAft>
+              <a:buClr>
+                <a:schemeClr val="bg2">
+                  <a:lumMod val="40000"/>
+                  <a:lumOff val="60000"/>
+                </a:schemeClr>
+              </a:buClr>
+              <a:buSzPct val="80000"/>
+              <a:buFont typeface="Wingdings 3" charset="2"/>
+              <a:buChar char=""/>
+              <a:defRPr sz="1400" b="0" i="0" kern="1200">
+                <a:solidFill>
+                  <a:schemeClr val="tx1"/>
+                </a:solidFill>
+                <a:latin typeface="+mj-lt"/>
+                <a:ea typeface="+mj-ea"/>
+                <a:cs typeface="+mj-cs"/>
+              </a:defRPr>
+            </a:lvl6pPr>
+            <a:lvl7pPr marL="2971800" indent="-228600" algn="l" defTabSz="457200" rtl="0" eaLnBrk="1" latinLnBrk="0" hangingPunct="1">
+              <a:spcBef>
+                <a:spcPts val="1000"/>
+              </a:spcBef>
+              <a:spcAft>
+                <a:spcPts val="0"/>
+              </a:spcAft>
+              <a:buClr>
+                <a:schemeClr val="bg2">
+                  <a:lumMod val="40000"/>
+                  <a:lumOff val="60000"/>
+                </a:schemeClr>
+              </a:buClr>
+              <a:buSzPct val="80000"/>
+              <a:buFont typeface="Wingdings 3" charset="2"/>
+              <a:buChar char=""/>
+              <a:defRPr sz="1400" b="0" i="0" kern="1200">
+                <a:solidFill>
+                  <a:schemeClr val="tx1"/>
+                </a:solidFill>
+                <a:latin typeface="+mj-lt"/>
+                <a:ea typeface="+mj-ea"/>
+                <a:cs typeface="+mj-cs"/>
+              </a:defRPr>
+            </a:lvl7pPr>
+            <a:lvl8pPr marL="3429000" indent="-228600" algn="l" defTabSz="457200" rtl="0" eaLnBrk="1" latinLnBrk="0" hangingPunct="1">
+              <a:spcBef>
+                <a:spcPts val="1000"/>
+              </a:spcBef>
+              <a:spcAft>
+                <a:spcPts val="0"/>
+              </a:spcAft>
+              <a:buClr>
+                <a:schemeClr val="bg2">
+                  <a:lumMod val="40000"/>
+                  <a:lumOff val="60000"/>
+                </a:schemeClr>
+              </a:buClr>
+              <a:buSzPct val="80000"/>
+              <a:buFont typeface="Wingdings 3" charset="2"/>
+              <a:buChar char=""/>
+              <a:defRPr sz="1400" b="0" i="0" kern="1200">
+                <a:solidFill>
+                  <a:schemeClr val="tx1"/>
+                </a:solidFill>
+                <a:latin typeface="+mj-lt"/>
+                <a:ea typeface="+mj-ea"/>
+                <a:cs typeface="+mj-cs"/>
+              </a:defRPr>
+            </a:lvl8pPr>
+            <a:lvl9pPr marL="3886200" indent="-228600" algn="l" defTabSz="457200" rtl="0" eaLnBrk="1" latinLnBrk="0" hangingPunct="1">
+              <a:spcBef>
+                <a:spcPts val="1000"/>
+              </a:spcBef>
+              <a:spcAft>
+                <a:spcPts val="0"/>
+              </a:spcAft>
+              <a:buClr>
+                <a:schemeClr val="bg2">
+                  <a:lumMod val="40000"/>
+                  <a:lumOff val="60000"/>
+                </a:schemeClr>
+              </a:buClr>
+              <a:buSzPct val="80000"/>
+              <a:buFont typeface="Wingdings 3" charset="2"/>
+              <a:buChar char=""/>
+              <a:defRPr sz="1400" b="0" i="0" kern="1200">
+                <a:solidFill>
+                  <a:schemeClr val="tx1"/>
+                </a:solidFill>
+                <a:latin typeface="+mj-lt"/>
+                <a:ea typeface="+mj-ea"/>
+                <a:cs typeface="+mj-cs"/>
+              </a:defRPr>
+            </a:lvl9pPr>
+          </a:lstStyle>
+          <a:p>
+            <a:r>
+              <a:rPr lang="fr-FR" dirty="0" smtClean="0"/>
+              <a:t>Entraînement d'un réseau neuronal :</a:t>
+            </a:r>
+          </a:p>
+          <a:p>
+            <a:pPr lvl="1"/>
+            <a:r>
+              <a:rPr lang="fr-FR" dirty="0" smtClean="0"/>
+              <a:t>L'entraînement d'un réseau neuronal consiste à montrer au réseau, un très </a:t>
+            </a:r>
+            <a:r>
+              <a:rPr lang="fr-FR" dirty="0" err="1" smtClean="0"/>
+              <a:t>très</a:t>
+            </a:r>
+            <a:r>
+              <a:rPr lang="fr-FR" dirty="0" smtClean="0"/>
+              <a:t> grand nombre d’exemples (</a:t>
+            </a:r>
+            <a:r>
+              <a:rPr lang="fr-FR" i="1" dirty="0" smtClean="0">
+                <a:solidFill>
+                  <a:srgbClr val="FFFF00"/>
+                </a:solidFill>
+              </a:rPr>
+              <a:t>des millions ou même des milliards</a:t>
+            </a:r>
+            <a:r>
+              <a:rPr lang="fr-FR" dirty="0" smtClean="0"/>
+              <a:t>) qui donnent les bons résultats, puis à ajuster à chaque fois les coefficients.</a:t>
+            </a:r>
+          </a:p>
+          <a:p>
+            <a:pPr lvl="1"/>
+            <a:r>
+              <a:rPr lang="fr-FR" dirty="0" smtClean="0"/>
+              <a:t>Ensuite, le réseau peut être capable de répondre aux questions s’approchant à ce qui a été entraîné.</a:t>
+            </a:r>
+          </a:p>
+        </p:txBody>
+      </p:sp>
     </p:spTree>
     <p:extLst>
       <p:ext uri="{BB962C8B-B14F-4D97-AF65-F5344CB8AC3E}">
@@ -7012,6 +7233,4304 @@
 </file>
 
 <file path=ppt/slides/slide13.xml><?xml version="1.0" encoding="utf-8"?>
+<p:sld xmlns:a="http://schemas.openxmlformats.org/drawingml/2006/main" xmlns:r="http://schemas.openxmlformats.org/officeDocument/2006/relationships" xmlns:p="http://schemas.openxmlformats.org/presentationml/2006/main">
+  <p:cSld>
+    <p:spTree>
+      <p:nvGrpSpPr>
+        <p:cNvPr id="1" name=""/>
+        <p:cNvGrpSpPr/>
+        <p:nvPr/>
+      </p:nvGrpSpPr>
+      <p:grpSpPr>
+        <a:xfrm>
+          <a:off x="0" y="0"/>
+          <a:ext cx="0" cy="0"/>
+          <a:chOff x="0" y="0"/>
+          <a:chExt cx="0" cy="0"/>
+        </a:xfrm>
+      </p:grpSpPr>
+      <p:sp>
+        <p:nvSpPr>
+          <p:cNvPr id="2" name="Titre 1"/>
+          <p:cNvSpPr>
+            <a:spLocks noGrp="1"/>
+          </p:cNvSpPr>
+          <p:nvPr>
+            <p:ph type="title"/>
+          </p:nvPr>
+        </p:nvSpPr>
+        <p:spPr>
+          <a:xfrm>
+            <a:off x="646111" y="452718"/>
+            <a:ext cx="9404723" cy="1400530"/>
+          </a:xfrm>
+        </p:spPr>
+        <p:txBody>
+          <a:bodyPr/>
+          <a:lstStyle/>
+          <a:p>
+            <a:r>
+              <a:rPr lang="fr-FR" b="1" dirty="0" smtClean="0">
+                <a:solidFill>
+                  <a:schemeClr val="tx1"/>
+                </a:solidFill>
+              </a:rPr>
+              <a:t>Un peu de mathématiques…</a:t>
+            </a:r>
+            <a:endParaRPr lang="fr-FR" b="1" dirty="0">
+              <a:solidFill>
+                <a:schemeClr val="tx1"/>
+              </a:solidFill>
+            </a:endParaRPr>
+          </a:p>
+        </p:txBody>
+      </p:sp>
+      <p:sp>
+        <p:nvSpPr>
+          <p:cNvPr id="3" name="Espace réservé du contenu 2"/>
+          <p:cNvSpPr>
+            <a:spLocks noGrp="1"/>
+          </p:cNvSpPr>
+          <p:nvPr>
+            <p:ph idx="1"/>
+          </p:nvPr>
+        </p:nvSpPr>
+        <p:spPr>
+          <a:xfrm>
+            <a:off x="513079" y="1510665"/>
+            <a:ext cx="5739131" cy="3660775"/>
+          </a:xfrm>
+        </p:spPr>
+        <p:txBody>
+          <a:bodyPr/>
+          <a:lstStyle/>
+          <a:p>
+            <a:r>
+              <a:rPr lang="fr-FR" dirty="0" smtClean="0"/>
+              <a:t>Un neurone contient:</a:t>
+            </a:r>
+          </a:p>
+          <a:p>
+            <a:pPr lvl="1"/>
+            <a:r>
+              <a:rPr lang="fr-FR" dirty="0" smtClean="0">
+                <a:solidFill>
+                  <a:srgbClr val="FFFF00"/>
+                </a:solidFill>
+              </a:rPr>
+              <a:t>N entrées </a:t>
+            </a:r>
+            <a:r>
+              <a:rPr lang="fr-FR" i="1" dirty="0" smtClean="0">
+                <a:solidFill>
+                  <a:srgbClr val="FFFF00"/>
+                </a:solidFill>
+                <a:latin typeface="Times New Roman" panose="02020603050405020304" pitchFamily="18" charset="0"/>
+                <a:cs typeface="Times New Roman" panose="02020603050405020304" pitchFamily="18" charset="0"/>
+              </a:rPr>
+              <a:t>x</a:t>
+            </a:r>
+            <a:r>
+              <a:rPr lang="fr-FR" i="1" baseline="-25000" dirty="0" smtClean="0">
+                <a:solidFill>
+                  <a:srgbClr val="FFFF00"/>
+                </a:solidFill>
+                <a:latin typeface="Times New Roman" panose="02020603050405020304" pitchFamily="18" charset="0"/>
+                <a:cs typeface="Times New Roman" panose="02020603050405020304" pitchFamily="18" charset="0"/>
+              </a:rPr>
+              <a:t>i</a:t>
+            </a:r>
+            <a:endParaRPr lang="fr-FR" dirty="0" smtClean="0">
+              <a:solidFill>
+                <a:srgbClr val="FFFF00"/>
+              </a:solidFill>
+            </a:endParaRPr>
+          </a:p>
+          <a:p>
+            <a:pPr lvl="2"/>
+            <a:r>
+              <a:rPr lang="fr-FR" dirty="0" smtClean="0">
+                <a:solidFill>
+                  <a:srgbClr val="00B050"/>
+                </a:solidFill>
+              </a:rPr>
+              <a:t>Associées à N </a:t>
+            </a:r>
+            <a:r>
+              <a:rPr lang="fr-FR" dirty="0">
+                <a:solidFill>
+                  <a:srgbClr val="00B050"/>
+                </a:solidFill>
+              </a:rPr>
+              <a:t>coefficients </a:t>
+            </a:r>
+            <a:r>
+              <a:rPr lang="fr-FR" dirty="0" smtClean="0">
+                <a:solidFill>
+                  <a:srgbClr val="00B050"/>
+                </a:solidFill>
+              </a:rPr>
+              <a:t>multiplicatifs</a:t>
+            </a:r>
+          </a:p>
+          <a:p>
+            <a:pPr lvl="1"/>
+            <a:r>
+              <a:rPr lang="fr-FR" dirty="0" smtClean="0">
+                <a:solidFill>
+                  <a:srgbClr val="FFFF00"/>
+                </a:solidFill>
+              </a:rPr>
+              <a:t>Une fonction de transfert non linéaire</a:t>
+            </a:r>
+          </a:p>
+          <a:p>
+            <a:pPr lvl="2"/>
+            <a:r>
+              <a:rPr lang="fr-FR" dirty="0"/>
+              <a:t> </a:t>
+            </a:r>
+            <a:endParaRPr lang="fr-FR" dirty="0" smtClean="0"/>
+          </a:p>
+          <a:p>
+            <a:pPr lvl="1"/>
+            <a:r>
+              <a:rPr lang="fr-FR" dirty="0" smtClean="0">
+                <a:solidFill>
+                  <a:srgbClr val="FFFF00"/>
+                </a:solidFill>
+              </a:rPr>
+              <a:t>M sorties </a:t>
+            </a:r>
+            <a:r>
+              <a:rPr lang="fr-FR" i="1" dirty="0" err="1" smtClean="0">
+                <a:solidFill>
+                  <a:srgbClr val="FFFF00"/>
+                </a:solidFill>
+                <a:latin typeface="Times New Roman" panose="02020603050405020304" pitchFamily="18" charset="0"/>
+                <a:cs typeface="Times New Roman" panose="02020603050405020304" pitchFamily="18" charset="0"/>
+              </a:rPr>
+              <a:t>y</a:t>
+            </a:r>
+            <a:r>
+              <a:rPr lang="fr-FR" i="1" baseline="-25000" dirty="0" err="1" smtClean="0">
+                <a:solidFill>
+                  <a:srgbClr val="FFFF00"/>
+                </a:solidFill>
+                <a:latin typeface="Times New Roman" panose="02020603050405020304" pitchFamily="18" charset="0"/>
+                <a:cs typeface="Times New Roman" panose="02020603050405020304" pitchFamily="18" charset="0"/>
+              </a:rPr>
+              <a:t>j</a:t>
+            </a:r>
+            <a:endParaRPr lang="fr-FR" i="1" baseline="-25000" dirty="0" smtClean="0">
+              <a:solidFill>
+                <a:srgbClr val="FFFF00"/>
+              </a:solidFill>
+              <a:latin typeface="Times New Roman" panose="02020603050405020304" pitchFamily="18" charset="0"/>
+              <a:cs typeface="Times New Roman" panose="02020603050405020304" pitchFamily="18" charset="0"/>
+            </a:endParaRPr>
+          </a:p>
+          <a:p>
+            <a:r>
+              <a:rPr lang="fr-FR" dirty="0" smtClean="0"/>
+              <a:t>Le réseau connecte </a:t>
+            </a:r>
+            <a:r>
+              <a:rPr lang="fr-FR" i="1" dirty="0" smtClean="0">
+                <a:solidFill>
+                  <a:srgbClr val="FFFF00"/>
+                </a:solidFill>
+              </a:rPr>
+              <a:t>toutes</a:t>
+            </a:r>
+            <a:r>
+              <a:rPr lang="fr-FR" dirty="0" smtClean="0">
+                <a:solidFill>
+                  <a:srgbClr val="FFFF00"/>
+                </a:solidFill>
+              </a:rPr>
+              <a:t> </a:t>
+            </a:r>
+            <a:r>
+              <a:rPr lang="fr-FR" dirty="0" smtClean="0"/>
+              <a:t>les sorties des neurones, aux entrées des </a:t>
+            </a:r>
+            <a:r>
+              <a:rPr lang="fr-FR" i="1" dirty="0" smtClean="0">
+                <a:solidFill>
+                  <a:srgbClr val="FFFF00"/>
+                </a:solidFill>
+              </a:rPr>
+              <a:t>autres</a:t>
+            </a:r>
+            <a:r>
+              <a:rPr lang="fr-FR" dirty="0" smtClean="0">
+                <a:solidFill>
+                  <a:srgbClr val="FFFF00"/>
+                </a:solidFill>
+              </a:rPr>
+              <a:t> </a:t>
+            </a:r>
+            <a:r>
+              <a:rPr lang="fr-FR" dirty="0" smtClean="0"/>
+              <a:t>neurones</a:t>
+            </a:r>
+          </a:p>
+          <a:p>
+            <a:pPr lvl="1"/>
+            <a:endParaRPr lang="fr-FR" dirty="0"/>
+          </a:p>
+        </p:txBody>
+      </p:sp>
+      <p:grpSp>
+        <p:nvGrpSpPr>
+          <p:cNvPr id="4" name="Groupe 3"/>
+          <p:cNvGrpSpPr/>
+          <p:nvPr/>
+        </p:nvGrpSpPr>
+        <p:grpSpPr>
+          <a:xfrm>
+            <a:off x="6223000" y="1597660"/>
+            <a:ext cx="5618480" cy="3228340"/>
+            <a:chOff x="1823720" y="1597660"/>
+            <a:chExt cx="5618480" cy="3228340"/>
+          </a:xfrm>
+        </p:grpSpPr>
+        <p:grpSp>
+          <p:nvGrpSpPr>
+            <p:cNvPr id="9" name="Groupe 8"/>
+            <p:cNvGrpSpPr/>
+            <p:nvPr/>
+          </p:nvGrpSpPr>
+          <p:grpSpPr>
+            <a:xfrm>
+              <a:off x="2946400" y="2001520"/>
+              <a:ext cx="3312160" cy="2133600"/>
+              <a:chOff x="2946400" y="2001520"/>
+              <a:chExt cx="3312160" cy="2133600"/>
+            </a:xfrm>
+          </p:grpSpPr>
+          <p:sp>
+            <p:nvSpPr>
+              <p:cNvPr id="48" name="Rectangle à coins arrondis 47"/>
+              <p:cNvSpPr/>
+              <p:nvPr/>
+            </p:nvSpPr>
+            <p:spPr>
+              <a:xfrm>
+                <a:off x="2946400" y="2001520"/>
+                <a:ext cx="3190240" cy="2133600"/>
+              </a:xfrm>
+              <a:prstGeom prst="roundRect">
+                <a:avLst/>
+              </a:prstGeom>
+            </p:spPr>
+            <p:style>
+              <a:lnRef idx="2">
+                <a:schemeClr val="accent4">
+                  <a:shade val="50000"/>
+                </a:schemeClr>
+              </a:lnRef>
+              <a:fillRef idx="1">
+                <a:schemeClr val="accent4"/>
+              </a:fillRef>
+              <a:effectRef idx="0">
+                <a:schemeClr val="accent4"/>
+              </a:effectRef>
+              <a:fontRef idx="minor">
+                <a:schemeClr val="lt1"/>
+              </a:fontRef>
+            </p:style>
+            <p:txBody>
+              <a:bodyPr rtlCol="0" anchor="ctr"/>
+              <a:lstStyle/>
+              <a:p>
+                <a:pPr algn="ctr"/>
+                <a:endParaRPr lang="fr-FR"/>
+              </a:p>
+            </p:txBody>
+          </p:sp>
+          <p:sp>
+            <p:nvSpPr>
+              <p:cNvPr id="49" name="Ellipse 48"/>
+              <p:cNvSpPr/>
+              <p:nvPr/>
+            </p:nvSpPr>
+            <p:spPr>
+              <a:xfrm>
+                <a:off x="4561840" y="2763520"/>
+                <a:ext cx="782320" cy="762000"/>
+              </a:xfrm>
+              <a:prstGeom prst="ellipse">
+                <a:avLst/>
+              </a:prstGeom>
+            </p:spPr>
+            <p:style>
+              <a:lnRef idx="2">
+                <a:schemeClr val="accent3">
+                  <a:shade val="50000"/>
+                </a:schemeClr>
+              </a:lnRef>
+              <a:fillRef idx="1">
+                <a:schemeClr val="accent3"/>
+              </a:fillRef>
+              <a:effectRef idx="0">
+                <a:schemeClr val="accent3"/>
+              </a:effectRef>
+              <a:fontRef idx="minor">
+                <a:schemeClr val="lt1"/>
+              </a:fontRef>
+            </p:style>
+            <p:txBody>
+              <a:bodyPr rtlCol="0" anchor="ctr"/>
+              <a:lstStyle/>
+              <a:p>
+                <a:pPr algn="ctr"/>
+                <a:endParaRPr lang="fr-FR"/>
+              </a:p>
+            </p:txBody>
+          </p:sp>
+          <p:sp>
+            <p:nvSpPr>
+              <p:cNvPr id="50" name="Forme libre 49"/>
+              <p:cNvSpPr/>
+              <p:nvPr/>
+            </p:nvSpPr>
+            <p:spPr>
+              <a:xfrm>
+                <a:off x="4775200" y="3007360"/>
+                <a:ext cx="386080" cy="299846"/>
+              </a:xfrm>
+              <a:custGeom>
+                <a:avLst/>
+                <a:gdLst>
+                  <a:gd name="connsiteX0" fmla="*/ 0 w 1290320"/>
+                  <a:gd name="connsiteY0" fmla="*/ 1056640 h 1132966"/>
+                  <a:gd name="connsiteX1" fmla="*/ 467360 w 1290320"/>
+                  <a:gd name="connsiteY1" fmla="*/ 1046480 h 1132966"/>
+                  <a:gd name="connsiteX2" fmla="*/ 782320 w 1290320"/>
+                  <a:gd name="connsiteY2" fmla="*/ 182880 h 1132966"/>
+                  <a:gd name="connsiteX3" fmla="*/ 1290320 w 1290320"/>
+                  <a:gd name="connsiteY3" fmla="*/ 0 h 1132966"/>
+                  <a:gd name="connsiteX4" fmla="*/ 1290320 w 1290320"/>
+                  <a:gd name="connsiteY4" fmla="*/ 0 h 1132966"/>
+                  <a:gd name="connsiteX5" fmla="*/ 1290320 w 1290320"/>
+                  <a:gd name="connsiteY5" fmla="*/ 0 h 1132966"/>
+                </a:gdLst>
+                <a:ahLst/>
+                <a:cxnLst>
+                  <a:cxn ang="0">
+                    <a:pos x="connsiteX0" y="connsiteY0"/>
+                  </a:cxn>
+                  <a:cxn ang="0">
+                    <a:pos x="connsiteX1" y="connsiteY1"/>
+                  </a:cxn>
+                  <a:cxn ang="0">
+                    <a:pos x="connsiteX2" y="connsiteY2"/>
+                  </a:cxn>
+                  <a:cxn ang="0">
+                    <a:pos x="connsiteX3" y="connsiteY3"/>
+                  </a:cxn>
+                  <a:cxn ang="0">
+                    <a:pos x="connsiteX4" y="connsiteY4"/>
+                  </a:cxn>
+                  <a:cxn ang="0">
+                    <a:pos x="connsiteX5" y="connsiteY5"/>
+                  </a:cxn>
+                </a:cxnLst>
+                <a:rect l="l" t="t" r="r" b="b"/>
+                <a:pathLst>
+                  <a:path w="1290320" h="1132966">
+                    <a:moveTo>
+                      <a:pt x="0" y="1056640"/>
+                    </a:moveTo>
+                    <a:cubicBezTo>
+                      <a:pt x="168486" y="1124373"/>
+                      <a:pt x="336973" y="1192107"/>
+                      <a:pt x="467360" y="1046480"/>
+                    </a:cubicBezTo>
+                    <a:cubicBezTo>
+                      <a:pt x="597747" y="900853"/>
+                      <a:pt x="645160" y="357293"/>
+                      <a:pt x="782320" y="182880"/>
+                    </a:cubicBezTo>
+                    <a:cubicBezTo>
+                      <a:pt x="919480" y="8467"/>
+                      <a:pt x="1290320" y="0"/>
+                      <a:pt x="1290320" y="0"/>
+                    </a:cubicBezTo>
+                    <a:lnTo>
+                      <a:pt x="1290320" y="0"/>
+                    </a:lnTo>
+                    <a:lnTo>
+                      <a:pt x="1290320" y="0"/>
+                    </a:lnTo>
+                  </a:path>
+                </a:pathLst>
+              </a:custGeom>
+              <a:noFill/>
+              <a:ln w="28575">
+                <a:solidFill>
+                  <a:schemeClr val="accent2"/>
+                </a:solidFill>
+              </a:ln>
+            </p:spPr>
+            <p:style>
+              <a:lnRef idx="2">
+                <a:schemeClr val="accent1">
+                  <a:shade val="50000"/>
+                </a:schemeClr>
+              </a:lnRef>
+              <a:fillRef idx="1">
+                <a:schemeClr val="accent1"/>
+              </a:fillRef>
+              <a:effectRef idx="0">
+                <a:schemeClr val="accent1"/>
+              </a:effectRef>
+              <a:fontRef idx="minor">
+                <a:schemeClr val="lt1"/>
+              </a:fontRef>
+            </p:style>
+            <p:txBody>
+              <a:bodyPr rtlCol="0" anchor="ctr"/>
+              <a:lstStyle/>
+              <a:p>
+                <a:pPr algn="ctr"/>
+                <a:r>
+                  <a:rPr lang="fr-FR" dirty="0" smtClean="0"/>
+                  <a:t> </a:t>
+                </a:r>
+                <a:endParaRPr lang="fr-FR" dirty="0"/>
+              </a:p>
+            </p:txBody>
+          </p:sp>
+          <p:sp>
+            <p:nvSpPr>
+              <p:cNvPr id="51" name="Ellipse 50"/>
+              <p:cNvSpPr/>
+              <p:nvPr/>
+            </p:nvSpPr>
+            <p:spPr>
+              <a:xfrm>
+                <a:off x="3327400" y="2407920"/>
+                <a:ext cx="304800" cy="284480"/>
+              </a:xfrm>
+              <a:prstGeom prst="ellipse">
+                <a:avLst/>
+              </a:prstGeom>
+              <a:solidFill>
+                <a:schemeClr val="accent4">
+                  <a:lumMod val="20000"/>
+                  <a:lumOff val="80000"/>
+                </a:schemeClr>
+              </a:solidFill>
+            </p:spPr>
+            <p:style>
+              <a:lnRef idx="2">
+                <a:schemeClr val="accent1">
+                  <a:shade val="50000"/>
+                </a:schemeClr>
+              </a:lnRef>
+              <a:fillRef idx="1">
+                <a:schemeClr val="accent1"/>
+              </a:fillRef>
+              <a:effectRef idx="0">
+                <a:schemeClr val="accent1"/>
+              </a:effectRef>
+              <a:fontRef idx="minor">
+                <a:schemeClr val="lt1"/>
+              </a:fontRef>
+            </p:style>
+            <p:txBody>
+              <a:bodyPr rtlCol="0" anchor="ctr"/>
+              <a:lstStyle/>
+              <a:p>
+                <a:pPr algn="ctr"/>
+                <a:r>
+                  <a:rPr lang="fr-FR" dirty="0">
+                    <a:solidFill>
+                      <a:srgbClr val="0070C0"/>
+                    </a:solidFill>
+                  </a:rPr>
+                  <a:t>k</a:t>
+                </a:r>
+              </a:p>
+            </p:txBody>
+          </p:sp>
+          <p:sp>
+            <p:nvSpPr>
+              <p:cNvPr id="52" name="Ellipse 51"/>
+              <p:cNvSpPr/>
+              <p:nvPr/>
+            </p:nvSpPr>
+            <p:spPr>
+              <a:xfrm>
+                <a:off x="3327400" y="2824480"/>
+                <a:ext cx="304800" cy="284480"/>
+              </a:xfrm>
+              <a:prstGeom prst="ellipse">
+                <a:avLst/>
+              </a:prstGeom>
+              <a:solidFill>
+                <a:schemeClr val="accent4">
+                  <a:lumMod val="20000"/>
+                  <a:lumOff val="80000"/>
+                </a:schemeClr>
+              </a:solidFill>
+            </p:spPr>
+            <p:style>
+              <a:lnRef idx="2">
+                <a:schemeClr val="accent1">
+                  <a:shade val="50000"/>
+                </a:schemeClr>
+              </a:lnRef>
+              <a:fillRef idx="1">
+                <a:schemeClr val="accent1"/>
+              </a:fillRef>
+              <a:effectRef idx="0">
+                <a:schemeClr val="accent1"/>
+              </a:effectRef>
+              <a:fontRef idx="minor">
+                <a:schemeClr val="lt1"/>
+              </a:fontRef>
+            </p:style>
+            <p:txBody>
+              <a:bodyPr rtlCol="0" anchor="ctr"/>
+              <a:lstStyle/>
+              <a:p>
+                <a:pPr algn="ctr"/>
+                <a:r>
+                  <a:rPr lang="fr-FR" dirty="0" smtClean="0">
+                    <a:solidFill>
+                      <a:srgbClr val="0070C0"/>
+                    </a:solidFill>
+                  </a:rPr>
+                  <a:t>k</a:t>
+                </a:r>
+                <a:endParaRPr lang="fr-FR" dirty="0">
+                  <a:solidFill>
+                    <a:srgbClr val="0070C0"/>
+                  </a:solidFill>
+                </a:endParaRPr>
+              </a:p>
+            </p:txBody>
+          </p:sp>
+          <p:sp>
+            <p:nvSpPr>
+              <p:cNvPr id="53" name="Ellipse 52"/>
+              <p:cNvSpPr/>
+              <p:nvPr/>
+            </p:nvSpPr>
+            <p:spPr>
+              <a:xfrm>
+                <a:off x="3327400" y="3241040"/>
+                <a:ext cx="304800" cy="284480"/>
+              </a:xfrm>
+              <a:prstGeom prst="ellipse">
+                <a:avLst/>
+              </a:prstGeom>
+              <a:solidFill>
+                <a:schemeClr val="accent4">
+                  <a:lumMod val="20000"/>
+                  <a:lumOff val="80000"/>
+                </a:schemeClr>
+              </a:solidFill>
+            </p:spPr>
+            <p:style>
+              <a:lnRef idx="2">
+                <a:schemeClr val="accent1">
+                  <a:shade val="50000"/>
+                </a:schemeClr>
+              </a:lnRef>
+              <a:fillRef idx="1">
+                <a:schemeClr val="accent1"/>
+              </a:fillRef>
+              <a:effectRef idx="0">
+                <a:schemeClr val="accent1"/>
+              </a:effectRef>
+              <a:fontRef idx="minor">
+                <a:schemeClr val="lt1"/>
+              </a:fontRef>
+            </p:style>
+            <p:txBody>
+              <a:bodyPr rtlCol="0" anchor="ctr"/>
+              <a:lstStyle/>
+              <a:p>
+                <a:pPr algn="ctr"/>
+                <a:r>
+                  <a:rPr lang="fr-FR" dirty="0" smtClean="0">
+                    <a:solidFill>
+                      <a:srgbClr val="0070C0"/>
+                    </a:solidFill>
+                  </a:rPr>
+                  <a:t>k</a:t>
+                </a:r>
+                <a:endParaRPr lang="fr-FR" dirty="0">
+                  <a:solidFill>
+                    <a:srgbClr val="0070C0"/>
+                  </a:solidFill>
+                </a:endParaRPr>
+              </a:p>
+            </p:txBody>
+          </p:sp>
+          <p:sp>
+            <p:nvSpPr>
+              <p:cNvPr id="54" name="Ellipse 53"/>
+              <p:cNvSpPr/>
+              <p:nvPr/>
+            </p:nvSpPr>
+            <p:spPr>
+              <a:xfrm>
+                <a:off x="3327400" y="3657600"/>
+                <a:ext cx="304800" cy="284480"/>
+              </a:xfrm>
+              <a:prstGeom prst="ellipse">
+                <a:avLst/>
+              </a:prstGeom>
+              <a:solidFill>
+                <a:schemeClr val="accent4">
+                  <a:lumMod val="20000"/>
+                  <a:lumOff val="80000"/>
+                </a:schemeClr>
+              </a:solidFill>
+            </p:spPr>
+            <p:style>
+              <a:lnRef idx="2">
+                <a:schemeClr val="accent1">
+                  <a:shade val="50000"/>
+                </a:schemeClr>
+              </a:lnRef>
+              <a:fillRef idx="1">
+                <a:schemeClr val="accent1"/>
+              </a:fillRef>
+              <a:effectRef idx="0">
+                <a:schemeClr val="accent1"/>
+              </a:effectRef>
+              <a:fontRef idx="minor">
+                <a:schemeClr val="lt1"/>
+              </a:fontRef>
+            </p:style>
+            <p:txBody>
+              <a:bodyPr rtlCol="0" anchor="ctr"/>
+              <a:lstStyle/>
+              <a:p>
+                <a:pPr algn="ctr"/>
+                <a:r>
+                  <a:rPr lang="fr-FR" dirty="0" smtClean="0">
+                    <a:solidFill>
+                      <a:srgbClr val="0070C0"/>
+                    </a:solidFill>
+                  </a:rPr>
+                  <a:t>k</a:t>
+                </a:r>
+                <a:endParaRPr lang="fr-FR" dirty="0">
+                  <a:solidFill>
+                    <a:srgbClr val="0070C0"/>
+                  </a:solidFill>
+                </a:endParaRPr>
+              </a:p>
+            </p:txBody>
+          </p:sp>
+          <mc:AlternateContent xmlns:mc="http://schemas.openxmlformats.org/markup-compatibility/2006" xmlns:a14="http://schemas.microsoft.com/office/drawing/2010/main">
+            <mc:Choice Requires="a14">
+              <p:sp>
+                <p:nvSpPr>
+                  <p:cNvPr id="55" name="ZoneTexte 54"/>
+                  <p:cNvSpPr txBox="1"/>
+                  <p:nvPr/>
+                </p:nvSpPr>
+                <p:spPr>
+                  <a:xfrm>
+                    <a:off x="4033520" y="2839720"/>
+                    <a:ext cx="527773" cy="672172"/>
+                  </a:xfrm>
+                  <a:prstGeom prst="rect">
+                    <a:avLst/>
+                  </a:prstGeom>
+                  <a:noFill/>
+                </p:spPr>
+                <p:txBody>
+                  <a:bodyPr wrap="none" lIns="0" tIns="0" rIns="0" bIns="0" rtlCol="0">
+                    <a:spAutoFit/>
+                  </a:bodyPr>
+                  <a:lstStyle/>
+                  <a:p>
+                    <a:pPr/>
+                    <a14:m>
+                      <m:oMathPara xmlns:m="http://schemas.openxmlformats.org/officeDocument/2006/math">
+                        <m:oMathParaPr>
+                          <m:jc m:val="centerGroup"/>
+                        </m:oMathParaPr>
+                        <m:oMath xmlns:m="http://schemas.openxmlformats.org/officeDocument/2006/math">
+                          <m:nary>
+                            <m:naryPr>
+                              <m:chr m:val="∑"/>
+                              <m:supHide m:val="on"/>
+                              <m:ctrlPr>
+                                <a:rPr lang="fr-FR" i="1" smtClean="0">
+                                  <a:latin typeface="Cambria Math" panose="02040503050406030204" pitchFamily="18" charset="0"/>
+                                </a:rPr>
+                              </m:ctrlPr>
+                            </m:naryPr>
+                            <m:sub>
+                              <m:r>
+                                <m:rPr>
+                                  <m:brk m:alnAt="7"/>
+                                </m:rPr>
+                                <a:rPr lang="fr-FR" b="0" i="1" smtClean="0">
+                                  <a:latin typeface="Cambria Math" panose="02040503050406030204" pitchFamily="18" charset="0"/>
+                                </a:rPr>
+                                <m:t>𝑘</m:t>
+                              </m:r>
+                            </m:sub>
+                            <m:sup/>
+                            <m:e>
+                              <m:r>
+                                <a:rPr lang="fr-FR" b="0" i="1" smtClean="0">
+                                  <a:latin typeface="Cambria Math" panose="02040503050406030204" pitchFamily="18" charset="0"/>
+                                </a:rPr>
+                                <m:t>𝑥</m:t>
+                              </m:r>
+                            </m:e>
+                          </m:nary>
+                        </m:oMath>
+                      </m:oMathPara>
+                    </a14:m>
+                    <a:endParaRPr lang="fr-FR" dirty="0"/>
+                  </a:p>
+                </p:txBody>
+              </p:sp>
+            </mc:Choice>
+            <mc:Fallback xmlns="">
+              <p:sp>
+                <p:nvSpPr>
+                  <p:cNvPr id="55" name="ZoneTexte 54"/>
+                  <p:cNvSpPr txBox="1">
+                    <a:spLocks noRot="1" noChangeAspect="1" noMove="1" noResize="1" noEditPoints="1" noAdjustHandles="1" noChangeArrowheads="1" noChangeShapeType="1" noTextEdit="1"/>
+                  </p:cNvSpPr>
+                  <p:nvPr/>
+                </p:nvSpPr>
+                <p:spPr>
+                  <a:xfrm>
+                    <a:off x="4033520" y="2839720"/>
+                    <a:ext cx="527773" cy="672172"/>
+                  </a:xfrm>
+                  <a:prstGeom prst="rect">
+                    <a:avLst/>
+                  </a:prstGeom>
+                  <a:blipFill>
+                    <a:blip r:embed="rId2"/>
+                    <a:stretch>
+                      <a:fillRect/>
+                    </a:stretch>
+                  </a:blipFill>
+                </p:spPr>
+                <p:txBody>
+                  <a:bodyPr/>
+                  <a:lstStyle/>
+                  <a:p>
+                    <a:r>
+                      <a:rPr lang="fr-FR">
+                        <a:noFill/>
+                      </a:rPr>
+                      <a:t> </a:t>
+                    </a:r>
+                  </a:p>
+                </p:txBody>
+              </p:sp>
+            </mc:Fallback>
+          </mc:AlternateContent>
+          <p:sp>
+            <p:nvSpPr>
+              <p:cNvPr id="56" name="Ellipse 55"/>
+              <p:cNvSpPr/>
+              <p:nvPr/>
+            </p:nvSpPr>
+            <p:spPr>
+              <a:xfrm>
+                <a:off x="5953760" y="2367280"/>
+                <a:ext cx="304800" cy="284480"/>
+              </a:xfrm>
+              <a:prstGeom prst="ellipse">
+                <a:avLst/>
+              </a:prstGeom>
+              <a:solidFill>
+                <a:schemeClr val="accent4">
+                  <a:lumMod val="20000"/>
+                  <a:lumOff val="80000"/>
+                </a:schemeClr>
+              </a:solidFill>
+            </p:spPr>
+            <p:style>
+              <a:lnRef idx="2">
+                <a:schemeClr val="accent1">
+                  <a:shade val="50000"/>
+                </a:schemeClr>
+              </a:lnRef>
+              <a:fillRef idx="1">
+                <a:schemeClr val="accent1"/>
+              </a:fillRef>
+              <a:effectRef idx="0">
+                <a:schemeClr val="accent1"/>
+              </a:effectRef>
+              <a:fontRef idx="minor">
+                <a:schemeClr val="lt1"/>
+              </a:fontRef>
+            </p:style>
+            <p:txBody>
+              <a:bodyPr rtlCol="0" anchor="ctr"/>
+              <a:lstStyle/>
+              <a:p>
+                <a:pPr algn="ctr"/>
+                <a:endParaRPr lang="fr-FR" dirty="0">
+                  <a:solidFill>
+                    <a:srgbClr val="0070C0"/>
+                  </a:solidFill>
+                </a:endParaRPr>
+              </a:p>
+            </p:txBody>
+          </p:sp>
+          <p:sp>
+            <p:nvSpPr>
+              <p:cNvPr id="57" name="Ellipse 56"/>
+              <p:cNvSpPr/>
+              <p:nvPr/>
+            </p:nvSpPr>
+            <p:spPr>
+              <a:xfrm>
+                <a:off x="5953760" y="2783840"/>
+                <a:ext cx="304800" cy="284480"/>
+              </a:xfrm>
+              <a:prstGeom prst="ellipse">
+                <a:avLst/>
+              </a:prstGeom>
+              <a:solidFill>
+                <a:schemeClr val="accent4">
+                  <a:lumMod val="20000"/>
+                  <a:lumOff val="80000"/>
+                </a:schemeClr>
+              </a:solidFill>
+            </p:spPr>
+            <p:style>
+              <a:lnRef idx="2">
+                <a:schemeClr val="accent1">
+                  <a:shade val="50000"/>
+                </a:schemeClr>
+              </a:lnRef>
+              <a:fillRef idx="1">
+                <a:schemeClr val="accent1"/>
+              </a:fillRef>
+              <a:effectRef idx="0">
+                <a:schemeClr val="accent1"/>
+              </a:effectRef>
+              <a:fontRef idx="minor">
+                <a:schemeClr val="lt1"/>
+              </a:fontRef>
+            </p:style>
+            <p:txBody>
+              <a:bodyPr rtlCol="0" anchor="ctr"/>
+              <a:lstStyle/>
+              <a:p>
+                <a:pPr algn="ctr"/>
+                <a:endParaRPr lang="fr-FR" dirty="0">
+                  <a:solidFill>
+                    <a:srgbClr val="0070C0"/>
+                  </a:solidFill>
+                </a:endParaRPr>
+              </a:p>
+            </p:txBody>
+          </p:sp>
+          <p:sp>
+            <p:nvSpPr>
+              <p:cNvPr id="58" name="Ellipse 57"/>
+              <p:cNvSpPr/>
+              <p:nvPr/>
+            </p:nvSpPr>
+            <p:spPr>
+              <a:xfrm>
+                <a:off x="5953760" y="3200400"/>
+                <a:ext cx="304800" cy="284480"/>
+              </a:xfrm>
+              <a:prstGeom prst="ellipse">
+                <a:avLst/>
+              </a:prstGeom>
+              <a:solidFill>
+                <a:schemeClr val="accent4">
+                  <a:lumMod val="20000"/>
+                  <a:lumOff val="80000"/>
+                </a:schemeClr>
+              </a:solidFill>
+            </p:spPr>
+            <p:style>
+              <a:lnRef idx="2">
+                <a:schemeClr val="accent1">
+                  <a:shade val="50000"/>
+                </a:schemeClr>
+              </a:lnRef>
+              <a:fillRef idx="1">
+                <a:schemeClr val="accent1"/>
+              </a:fillRef>
+              <a:effectRef idx="0">
+                <a:schemeClr val="accent1"/>
+              </a:effectRef>
+              <a:fontRef idx="minor">
+                <a:schemeClr val="lt1"/>
+              </a:fontRef>
+            </p:style>
+            <p:txBody>
+              <a:bodyPr rtlCol="0" anchor="ctr"/>
+              <a:lstStyle/>
+              <a:p>
+                <a:pPr algn="ctr"/>
+                <a:endParaRPr lang="fr-FR" dirty="0">
+                  <a:solidFill>
+                    <a:srgbClr val="0070C0"/>
+                  </a:solidFill>
+                </a:endParaRPr>
+              </a:p>
+            </p:txBody>
+          </p:sp>
+          <p:sp>
+            <p:nvSpPr>
+              <p:cNvPr id="59" name="Ellipse 58"/>
+              <p:cNvSpPr/>
+              <p:nvPr/>
+            </p:nvSpPr>
+            <p:spPr>
+              <a:xfrm>
+                <a:off x="5953760" y="3616960"/>
+                <a:ext cx="304800" cy="284480"/>
+              </a:xfrm>
+              <a:prstGeom prst="ellipse">
+                <a:avLst/>
+              </a:prstGeom>
+              <a:solidFill>
+                <a:schemeClr val="accent4">
+                  <a:lumMod val="20000"/>
+                  <a:lumOff val="80000"/>
+                </a:schemeClr>
+              </a:solidFill>
+            </p:spPr>
+            <p:style>
+              <a:lnRef idx="2">
+                <a:schemeClr val="accent1">
+                  <a:shade val="50000"/>
+                </a:schemeClr>
+              </a:lnRef>
+              <a:fillRef idx="1">
+                <a:schemeClr val="accent1"/>
+              </a:fillRef>
+              <a:effectRef idx="0">
+                <a:schemeClr val="accent1"/>
+              </a:effectRef>
+              <a:fontRef idx="minor">
+                <a:schemeClr val="lt1"/>
+              </a:fontRef>
+            </p:style>
+            <p:txBody>
+              <a:bodyPr rtlCol="0" anchor="ctr"/>
+              <a:lstStyle/>
+              <a:p>
+                <a:pPr algn="ctr"/>
+                <a:endParaRPr lang="fr-FR" dirty="0">
+                  <a:solidFill>
+                    <a:srgbClr val="0070C0"/>
+                  </a:solidFill>
+                </a:endParaRPr>
+              </a:p>
+            </p:txBody>
+          </p:sp>
+          <p:cxnSp>
+            <p:nvCxnSpPr>
+              <p:cNvPr id="60" name="Connecteur droit avec flèche 59"/>
+              <p:cNvCxnSpPr/>
+              <p:nvPr/>
+            </p:nvCxnSpPr>
+            <p:spPr>
+              <a:xfrm>
+                <a:off x="3632200" y="2550160"/>
+                <a:ext cx="365760" cy="624034"/>
+              </a:xfrm>
+              <a:prstGeom prst="straightConnector1">
+                <a:avLst/>
+              </a:prstGeom>
+              <a:ln w="19050">
+                <a:tailEnd type="triangle" w="lg" len="med"/>
+              </a:ln>
+            </p:spPr>
+            <p:style>
+              <a:lnRef idx="1">
+                <a:schemeClr val="accent1"/>
+              </a:lnRef>
+              <a:fillRef idx="0">
+                <a:schemeClr val="accent1"/>
+              </a:fillRef>
+              <a:effectRef idx="0">
+                <a:schemeClr val="accent1"/>
+              </a:effectRef>
+              <a:fontRef idx="minor">
+                <a:schemeClr val="tx1"/>
+              </a:fontRef>
+            </p:style>
+          </p:cxnSp>
+          <p:cxnSp>
+            <p:nvCxnSpPr>
+              <p:cNvPr id="61" name="Connecteur droit avec flèche 60"/>
+              <p:cNvCxnSpPr>
+                <a:stCxn id="52" idx="6"/>
+                <a:endCxn id="55" idx="1"/>
+              </p:cNvCxnSpPr>
+              <p:nvPr/>
+            </p:nvCxnSpPr>
+            <p:spPr>
+              <a:xfrm>
+                <a:off x="3632200" y="2966720"/>
+                <a:ext cx="401320" cy="209086"/>
+              </a:xfrm>
+              <a:prstGeom prst="straightConnector1">
+                <a:avLst/>
+              </a:prstGeom>
+              <a:ln w="19050">
+                <a:tailEnd type="triangle" w="lg" len="med"/>
+              </a:ln>
+            </p:spPr>
+            <p:style>
+              <a:lnRef idx="1">
+                <a:schemeClr val="accent1"/>
+              </a:lnRef>
+              <a:fillRef idx="0">
+                <a:schemeClr val="accent1"/>
+              </a:fillRef>
+              <a:effectRef idx="0">
+                <a:schemeClr val="accent1"/>
+              </a:effectRef>
+              <a:fontRef idx="minor">
+                <a:schemeClr val="tx1"/>
+              </a:fontRef>
+            </p:style>
+          </p:cxnSp>
+          <p:cxnSp>
+            <p:nvCxnSpPr>
+              <p:cNvPr id="62" name="Connecteur droit avec flèche 61"/>
+              <p:cNvCxnSpPr>
+                <a:stCxn id="53" idx="6"/>
+                <a:endCxn id="55" idx="1"/>
+              </p:cNvCxnSpPr>
+              <p:nvPr/>
+            </p:nvCxnSpPr>
+            <p:spPr>
+              <a:xfrm flipV="1">
+                <a:off x="3632200" y="3175806"/>
+                <a:ext cx="401320" cy="207474"/>
+              </a:xfrm>
+              <a:prstGeom prst="straightConnector1">
+                <a:avLst/>
+              </a:prstGeom>
+              <a:ln w="19050">
+                <a:tailEnd type="triangle" w="lg" len="med"/>
+              </a:ln>
+            </p:spPr>
+            <p:style>
+              <a:lnRef idx="1">
+                <a:schemeClr val="accent1"/>
+              </a:lnRef>
+              <a:fillRef idx="0">
+                <a:schemeClr val="accent1"/>
+              </a:fillRef>
+              <a:effectRef idx="0">
+                <a:schemeClr val="accent1"/>
+              </a:effectRef>
+              <a:fontRef idx="minor">
+                <a:schemeClr val="tx1"/>
+              </a:fontRef>
+            </p:style>
+          </p:cxnSp>
+          <p:cxnSp>
+            <p:nvCxnSpPr>
+              <p:cNvPr id="63" name="Connecteur droit avec flèche 62"/>
+              <p:cNvCxnSpPr>
+                <a:stCxn id="54" idx="6"/>
+                <a:endCxn id="55" idx="1"/>
+              </p:cNvCxnSpPr>
+              <p:nvPr/>
+            </p:nvCxnSpPr>
+            <p:spPr>
+              <a:xfrm flipV="1">
+                <a:off x="3632200" y="3175806"/>
+                <a:ext cx="401320" cy="624034"/>
+              </a:xfrm>
+              <a:prstGeom prst="straightConnector1">
+                <a:avLst/>
+              </a:prstGeom>
+              <a:ln w="19050">
+                <a:tailEnd type="triangle" w="lg" len="med"/>
+              </a:ln>
+            </p:spPr>
+            <p:style>
+              <a:lnRef idx="1">
+                <a:schemeClr val="accent1"/>
+              </a:lnRef>
+              <a:fillRef idx="0">
+                <a:schemeClr val="accent1"/>
+              </a:fillRef>
+              <a:effectRef idx="0">
+                <a:schemeClr val="accent1"/>
+              </a:effectRef>
+              <a:fontRef idx="minor">
+                <a:schemeClr val="tx1"/>
+              </a:fontRef>
+            </p:style>
+          </p:cxnSp>
+          <p:cxnSp>
+            <p:nvCxnSpPr>
+              <p:cNvPr id="64" name="Connecteur droit avec flèche 63"/>
+              <p:cNvCxnSpPr>
+                <a:stCxn id="49" idx="6"/>
+                <a:endCxn id="59" idx="2"/>
+              </p:cNvCxnSpPr>
+              <p:nvPr/>
+            </p:nvCxnSpPr>
+            <p:spPr>
+              <a:xfrm>
+                <a:off x="5344160" y="3144520"/>
+                <a:ext cx="609600" cy="614680"/>
+              </a:xfrm>
+              <a:prstGeom prst="straightConnector1">
+                <a:avLst/>
+              </a:prstGeom>
+              <a:ln w="19050">
+                <a:tailEnd type="triangle" w="lg" len="med"/>
+              </a:ln>
+            </p:spPr>
+            <p:style>
+              <a:lnRef idx="1">
+                <a:schemeClr val="accent1"/>
+              </a:lnRef>
+              <a:fillRef idx="0">
+                <a:schemeClr val="accent1"/>
+              </a:fillRef>
+              <a:effectRef idx="0">
+                <a:schemeClr val="accent1"/>
+              </a:effectRef>
+              <a:fontRef idx="minor">
+                <a:schemeClr val="tx1"/>
+              </a:fontRef>
+            </p:style>
+          </p:cxnSp>
+          <p:cxnSp>
+            <p:nvCxnSpPr>
+              <p:cNvPr id="65" name="Connecteur droit avec flèche 64"/>
+              <p:cNvCxnSpPr>
+                <a:stCxn id="49" idx="6"/>
+                <a:endCxn id="58" idx="2"/>
+              </p:cNvCxnSpPr>
+              <p:nvPr/>
+            </p:nvCxnSpPr>
+            <p:spPr>
+              <a:xfrm>
+                <a:off x="5344160" y="3144520"/>
+                <a:ext cx="609600" cy="198120"/>
+              </a:xfrm>
+              <a:prstGeom prst="straightConnector1">
+                <a:avLst/>
+              </a:prstGeom>
+              <a:ln w="19050">
+                <a:tailEnd type="triangle" w="lg" len="med"/>
+              </a:ln>
+            </p:spPr>
+            <p:style>
+              <a:lnRef idx="1">
+                <a:schemeClr val="accent1"/>
+              </a:lnRef>
+              <a:fillRef idx="0">
+                <a:schemeClr val="accent1"/>
+              </a:fillRef>
+              <a:effectRef idx="0">
+                <a:schemeClr val="accent1"/>
+              </a:effectRef>
+              <a:fontRef idx="minor">
+                <a:schemeClr val="tx1"/>
+              </a:fontRef>
+            </p:style>
+          </p:cxnSp>
+          <p:cxnSp>
+            <p:nvCxnSpPr>
+              <p:cNvPr id="66" name="Connecteur droit avec flèche 65"/>
+              <p:cNvCxnSpPr>
+                <a:stCxn id="49" idx="6"/>
+                <a:endCxn id="57" idx="2"/>
+              </p:cNvCxnSpPr>
+              <p:nvPr/>
+            </p:nvCxnSpPr>
+            <p:spPr>
+              <a:xfrm flipV="1">
+                <a:off x="5344160" y="2926080"/>
+                <a:ext cx="609600" cy="218440"/>
+              </a:xfrm>
+              <a:prstGeom prst="straightConnector1">
+                <a:avLst/>
+              </a:prstGeom>
+              <a:ln w="19050">
+                <a:tailEnd type="triangle" w="lg" len="med"/>
+              </a:ln>
+            </p:spPr>
+            <p:style>
+              <a:lnRef idx="1">
+                <a:schemeClr val="accent1"/>
+              </a:lnRef>
+              <a:fillRef idx="0">
+                <a:schemeClr val="accent1"/>
+              </a:fillRef>
+              <a:effectRef idx="0">
+                <a:schemeClr val="accent1"/>
+              </a:effectRef>
+              <a:fontRef idx="minor">
+                <a:schemeClr val="tx1"/>
+              </a:fontRef>
+            </p:style>
+          </p:cxnSp>
+          <p:cxnSp>
+            <p:nvCxnSpPr>
+              <p:cNvPr id="67" name="Connecteur droit avec flèche 66"/>
+              <p:cNvCxnSpPr>
+                <a:stCxn id="49" idx="6"/>
+                <a:endCxn id="56" idx="2"/>
+              </p:cNvCxnSpPr>
+              <p:nvPr/>
+            </p:nvCxnSpPr>
+            <p:spPr>
+              <a:xfrm flipV="1">
+                <a:off x="5344160" y="2509520"/>
+                <a:ext cx="609600" cy="635000"/>
+              </a:xfrm>
+              <a:prstGeom prst="straightConnector1">
+                <a:avLst/>
+              </a:prstGeom>
+              <a:ln w="19050">
+                <a:tailEnd type="triangle" w="lg" len="med"/>
+              </a:ln>
+            </p:spPr>
+            <p:style>
+              <a:lnRef idx="1">
+                <a:schemeClr val="accent1"/>
+              </a:lnRef>
+              <a:fillRef idx="0">
+                <a:schemeClr val="accent1"/>
+              </a:fillRef>
+              <a:effectRef idx="0">
+                <a:schemeClr val="accent1"/>
+              </a:effectRef>
+              <a:fontRef idx="minor">
+                <a:schemeClr val="tx1"/>
+              </a:fontRef>
+            </p:style>
+          </p:cxnSp>
+        </p:grpSp>
+        <p:cxnSp>
+          <p:nvCxnSpPr>
+            <p:cNvPr id="10" name="Connecteur droit avec flèche 9"/>
+            <p:cNvCxnSpPr>
+              <a:stCxn id="56" idx="6"/>
+              <a:endCxn id="29" idx="1"/>
+            </p:cNvCxnSpPr>
+            <p:nvPr/>
+          </p:nvCxnSpPr>
+          <p:spPr>
+            <a:xfrm flipV="1">
+              <a:off x="6258560" y="1882140"/>
+              <a:ext cx="594360" cy="627380"/>
+            </a:xfrm>
+            <a:prstGeom prst="straightConnector1">
+              <a:avLst/>
+            </a:prstGeom>
+            <a:ln>
+              <a:tailEnd type="triangle" w="lg" len="med"/>
+            </a:ln>
+          </p:spPr>
+          <p:style>
+            <a:lnRef idx="3">
+              <a:schemeClr val="accent2"/>
+            </a:lnRef>
+            <a:fillRef idx="0">
+              <a:schemeClr val="accent2"/>
+            </a:fillRef>
+            <a:effectRef idx="2">
+              <a:schemeClr val="accent2"/>
+            </a:effectRef>
+            <a:fontRef idx="minor">
+              <a:schemeClr val="tx1"/>
+            </a:fontRef>
+          </p:style>
+        </p:cxnSp>
+        <p:cxnSp>
+          <p:nvCxnSpPr>
+            <p:cNvPr id="11" name="Connecteur droit avec flèche 10"/>
+            <p:cNvCxnSpPr>
+              <a:stCxn id="57" idx="6"/>
+              <a:endCxn id="26" idx="1"/>
+            </p:cNvCxnSpPr>
+            <p:nvPr/>
+          </p:nvCxnSpPr>
+          <p:spPr>
+            <a:xfrm flipV="1">
+              <a:off x="6258560" y="2711027"/>
+              <a:ext cx="594360" cy="215053"/>
+            </a:xfrm>
+            <a:prstGeom prst="straightConnector1">
+              <a:avLst/>
+            </a:prstGeom>
+            <a:ln>
+              <a:tailEnd type="triangle" w="lg" len="med"/>
+            </a:ln>
+          </p:spPr>
+          <p:style>
+            <a:lnRef idx="3">
+              <a:schemeClr val="accent2"/>
+            </a:lnRef>
+            <a:fillRef idx="0">
+              <a:schemeClr val="accent2"/>
+            </a:fillRef>
+            <a:effectRef idx="2">
+              <a:schemeClr val="accent2"/>
+            </a:effectRef>
+            <a:fontRef idx="minor">
+              <a:schemeClr val="tx1"/>
+            </a:fontRef>
+          </p:style>
+        </p:cxnSp>
+        <p:cxnSp>
+          <p:nvCxnSpPr>
+            <p:cNvPr id="12" name="Connecteur droit avec flèche 11"/>
+            <p:cNvCxnSpPr>
+              <a:stCxn id="58" idx="6"/>
+              <a:endCxn id="23" idx="1"/>
+            </p:cNvCxnSpPr>
+            <p:nvPr/>
+          </p:nvCxnSpPr>
+          <p:spPr>
+            <a:xfrm>
+              <a:off x="6258560" y="3342640"/>
+              <a:ext cx="594360" cy="197274"/>
+            </a:xfrm>
+            <a:prstGeom prst="straightConnector1">
+              <a:avLst/>
+            </a:prstGeom>
+            <a:ln>
+              <a:tailEnd type="triangle" w="lg" len="med"/>
+            </a:ln>
+          </p:spPr>
+          <p:style>
+            <a:lnRef idx="3">
+              <a:schemeClr val="accent2"/>
+            </a:lnRef>
+            <a:fillRef idx="0">
+              <a:schemeClr val="accent2"/>
+            </a:fillRef>
+            <a:effectRef idx="2">
+              <a:schemeClr val="accent2"/>
+            </a:effectRef>
+            <a:fontRef idx="minor">
+              <a:schemeClr val="tx1"/>
+            </a:fontRef>
+          </p:style>
+        </p:cxnSp>
+        <p:cxnSp>
+          <p:nvCxnSpPr>
+            <p:cNvPr id="13" name="Connecteur droit avec flèche 12"/>
+            <p:cNvCxnSpPr>
+              <a:stCxn id="59" idx="6"/>
+              <a:endCxn id="20" idx="1"/>
+            </p:cNvCxnSpPr>
+            <p:nvPr/>
+          </p:nvCxnSpPr>
+          <p:spPr>
+            <a:xfrm>
+              <a:off x="6258560" y="3759200"/>
+              <a:ext cx="594360" cy="609600"/>
+            </a:xfrm>
+            <a:prstGeom prst="straightConnector1">
+              <a:avLst/>
+            </a:prstGeom>
+            <a:ln>
+              <a:tailEnd type="triangle" w="lg" len="med"/>
+            </a:ln>
+          </p:spPr>
+          <p:style>
+            <a:lnRef idx="3">
+              <a:schemeClr val="accent2"/>
+            </a:lnRef>
+            <a:fillRef idx="0">
+              <a:schemeClr val="accent2"/>
+            </a:fillRef>
+            <a:effectRef idx="2">
+              <a:schemeClr val="accent2"/>
+            </a:effectRef>
+            <a:fontRef idx="minor">
+              <a:schemeClr val="tx1"/>
+            </a:fontRef>
+          </p:style>
+        </p:cxnSp>
+        <p:grpSp>
+          <p:nvGrpSpPr>
+            <p:cNvPr id="14" name="Groupe 13"/>
+            <p:cNvGrpSpPr/>
+            <p:nvPr/>
+          </p:nvGrpSpPr>
+          <p:grpSpPr>
+            <a:xfrm>
+              <a:off x="1823720" y="1770380"/>
+              <a:ext cx="589280" cy="3055620"/>
+              <a:chOff x="1356360" y="1831340"/>
+              <a:chExt cx="589280" cy="3055620"/>
+            </a:xfrm>
+          </p:grpSpPr>
+          <p:grpSp>
+            <p:nvGrpSpPr>
+              <p:cNvPr id="32" name="Groupe 31"/>
+              <p:cNvGrpSpPr/>
+              <p:nvPr/>
+            </p:nvGrpSpPr>
+            <p:grpSpPr>
+              <a:xfrm>
+                <a:off x="1356360" y="1831340"/>
+                <a:ext cx="589280" cy="568960"/>
+                <a:chOff x="8260080" y="4704080"/>
+                <a:chExt cx="975360" cy="955040"/>
+              </a:xfrm>
+            </p:grpSpPr>
+            <p:sp>
+              <p:nvSpPr>
+                <p:cNvPr id="45" name="Rectangle à coins arrondis 44"/>
+                <p:cNvSpPr/>
+                <p:nvPr/>
+              </p:nvSpPr>
+              <p:spPr>
+                <a:xfrm>
+                  <a:off x="8260080" y="4704080"/>
+                  <a:ext cx="975360" cy="955040"/>
+                </a:xfrm>
+                <a:prstGeom prst="roundRect">
+                  <a:avLst/>
+                </a:prstGeom>
+              </p:spPr>
+              <p:style>
+                <a:lnRef idx="1">
+                  <a:schemeClr val="accent4"/>
+                </a:lnRef>
+                <a:fillRef idx="2">
+                  <a:schemeClr val="accent4"/>
+                </a:fillRef>
+                <a:effectRef idx="1">
+                  <a:schemeClr val="accent4"/>
+                </a:effectRef>
+                <a:fontRef idx="minor">
+                  <a:schemeClr val="dk1"/>
+                </a:fontRef>
+              </p:style>
+              <p:txBody>
+                <a:bodyPr rtlCol="0" anchor="ctr"/>
+                <a:lstStyle/>
+                <a:p>
+                  <a:pPr algn="ctr"/>
+                  <a:endParaRPr lang="fr-FR"/>
+                </a:p>
+              </p:txBody>
+            </p:sp>
+            <p:sp>
+              <p:nvSpPr>
+                <p:cNvPr id="46" name="Ellipse 45"/>
+                <p:cNvSpPr/>
+                <p:nvPr/>
+              </p:nvSpPr>
+              <p:spPr>
+                <a:xfrm>
+                  <a:off x="8341360" y="4785360"/>
+                  <a:ext cx="782320" cy="762000"/>
+                </a:xfrm>
+                <a:prstGeom prst="ellipse">
+                  <a:avLst/>
+                </a:prstGeom>
+              </p:spPr>
+              <p:style>
+                <a:lnRef idx="2">
+                  <a:schemeClr val="accent3">
+                    <a:shade val="50000"/>
+                  </a:schemeClr>
+                </a:lnRef>
+                <a:fillRef idx="1">
+                  <a:schemeClr val="accent3"/>
+                </a:fillRef>
+                <a:effectRef idx="0">
+                  <a:schemeClr val="accent3"/>
+                </a:effectRef>
+                <a:fontRef idx="minor">
+                  <a:schemeClr val="lt1"/>
+                </a:fontRef>
+              </p:style>
+              <p:txBody>
+                <a:bodyPr rtlCol="0" anchor="ctr"/>
+                <a:lstStyle/>
+                <a:p>
+                  <a:pPr algn="ctr"/>
+                  <a:endParaRPr lang="fr-FR">
+                    <a:solidFill>
+                      <a:srgbClr val="FFFF00"/>
+                    </a:solidFill>
+                  </a:endParaRPr>
+                </a:p>
+              </p:txBody>
+            </p:sp>
+            <p:sp>
+              <p:nvSpPr>
+                <p:cNvPr id="47" name="Forme libre 46"/>
+                <p:cNvSpPr/>
+                <p:nvPr/>
+              </p:nvSpPr>
+              <p:spPr>
+                <a:xfrm>
+                  <a:off x="8554720" y="5029200"/>
+                  <a:ext cx="386080" cy="299846"/>
+                </a:xfrm>
+                <a:custGeom>
+                  <a:avLst/>
+                  <a:gdLst>
+                    <a:gd name="connsiteX0" fmla="*/ 0 w 1290320"/>
+                    <a:gd name="connsiteY0" fmla="*/ 1056640 h 1132966"/>
+                    <a:gd name="connsiteX1" fmla="*/ 467360 w 1290320"/>
+                    <a:gd name="connsiteY1" fmla="*/ 1046480 h 1132966"/>
+                    <a:gd name="connsiteX2" fmla="*/ 782320 w 1290320"/>
+                    <a:gd name="connsiteY2" fmla="*/ 182880 h 1132966"/>
+                    <a:gd name="connsiteX3" fmla="*/ 1290320 w 1290320"/>
+                    <a:gd name="connsiteY3" fmla="*/ 0 h 1132966"/>
+                    <a:gd name="connsiteX4" fmla="*/ 1290320 w 1290320"/>
+                    <a:gd name="connsiteY4" fmla="*/ 0 h 1132966"/>
+                    <a:gd name="connsiteX5" fmla="*/ 1290320 w 1290320"/>
+                    <a:gd name="connsiteY5" fmla="*/ 0 h 1132966"/>
+                  </a:gdLst>
+                  <a:ahLst/>
+                  <a:cxnLst>
+                    <a:cxn ang="0">
+                      <a:pos x="connsiteX0" y="connsiteY0"/>
+                    </a:cxn>
+                    <a:cxn ang="0">
+                      <a:pos x="connsiteX1" y="connsiteY1"/>
+                    </a:cxn>
+                    <a:cxn ang="0">
+                      <a:pos x="connsiteX2" y="connsiteY2"/>
+                    </a:cxn>
+                    <a:cxn ang="0">
+                      <a:pos x="connsiteX3" y="connsiteY3"/>
+                    </a:cxn>
+                    <a:cxn ang="0">
+                      <a:pos x="connsiteX4" y="connsiteY4"/>
+                    </a:cxn>
+                    <a:cxn ang="0">
+                      <a:pos x="connsiteX5" y="connsiteY5"/>
+                    </a:cxn>
+                  </a:cxnLst>
+                  <a:rect l="l" t="t" r="r" b="b"/>
+                  <a:pathLst>
+                    <a:path w="1290320" h="1132966">
+                      <a:moveTo>
+                        <a:pt x="0" y="1056640"/>
+                      </a:moveTo>
+                      <a:cubicBezTo>
+                        <a:pt x="168486" y="1124373"/>
+                        <a:pt x="336973" y="1192107"/>
+                        <a:pt x="467360" y="1046480"/>
+                      </a:cubicBezTo>
+                      <a:cubicBezTo>
+                        <a:pt x="597747" y="900853"/>
+                        <a:pt x="645160" y="357293"/>
+                        <a:pt x="782320" y="182880"/>
+                      </a:cubicBezTo>
+                      <a:cubicBezTo>
+                        <a:pt x="919480" y="8467"/>
+                        <a:pt x="1290320" y="0"/>
+                        <a:pt x="1290320" y="0"/>
+                      </a:cubicBezTo>
+                      <a:lnTo>
+                        <a:pt x="1290320" y="0"/>
+                      </a:lnTo>
+                      <a:lnTo>
+                        <a:pt x="1290320" y="0"/>
+                      </a:lnTo>
+                    </a:path>
+                  </a:pathLst>
+                </a:custGeom>
+                <a:noFill/>
+                <a:ln w="28575">
+                  <a:solidFill>
+                    <a:schemeClr val="accent2"/>
+                  </a:solidFill>
+                </a:ln>
+              </p:spPr>
+              <p:style>
+                <a:lnRef idx="2">
+                  <a:schemeClr val="accent1">
+                    <a:shade val="50000"/>
+                  </a:schemeClr>
+                </a:lnRef>
+                <a:fillRef idx="1">
+                  <a:schemeClr val="accent1"/>
+                </a:fillRef>
+                <a:effectRef idx="0">
+                  <a:schemeClr val="accent1"/>
+                </a:effectRef>
+                <a:fontRef idx="minor">
+                  <a:schemeClr val="lt1"/>
+                </a:fontRef>
+              </p:style>
+              <p:txBody>
+                <a:bodyPr rtlCol="0" anchor="ctr"/>
+                <a:lstStyle/>
+                <a:p>
+                  <a:pPr algn="ctr"/>
+                  <a:r>
+                    <a:rPr lang="fr-FR" dirty="0" smtClean="0"/>
+                    <a:t> </a:t>
+                  </a:r>
+                  <a:endParaRPr lang="fr-FR" dirty="0"/>
+                </a:p>
+              </p:txBody>
+            </p:sp>
+          </p:grpSp>
+          <p:grpSp>
+            <p:nvGrpSpPr>
+              <p:cNvPr id="33" name="Groupe 32"/>
+              <p:cNvGrpSpPr/>
+              <p:nvPr/>
+            </p:nvGrpSpPr>
+            <p:grpSpPr>
+              <a:xfrm>
+                <a:off x="1356360" y="2660227"/>
+                <a:ext cx="589280" cy="568960"/>
+                <a:chOff x="8260080" y="4704080"/>
+                <a:chExt cx="975360" cy="955040"/>
+              </a:xfrm>
+            </p:grpSpPr>
+            <p:sp>
+              <p:nvSpPr>
+                <p:cNvPr id="42" name="Rectangle à coins arrondis 41"/>
+                <p:cNvSpPr/>
+                <p:nvPr/>
+              </p:nvSpPr>
+              <p:spPr>
+                <a:xfrm>
+                  <a:off x="8260080" y="4704080"/>
+                  <a:ext cx="975360" cy="955040"/>
+                </a:xfrm>
+                <a:prstGeom prst="roundRect">
+                  <a:avLst/>
+                </a:prstGeom>
+              </p:spPr>
+              <p:style>
+                <a:lnRef idx="1">
+                  <a:schemeClr val="accent4"/>
+                </a:lnRef>
+                <a:fillRef idx="2">
+                  <a:schemeClr val="accent4"/>
+                </a:fillRef>
+                <a:effectRef idx="1">
+                  <a:schemeClr val="accent4"/>
+                </a:effectRef>
+                <a:fontRef idx="minor">
+                  <a:schemeClr val="dk1"/>
+                </a:fontRef>
+              </p:style>
+              <p:txBody>
+                <a:bodyPr rtlCol="0" anchor="ctr"/>
+                <a:lstStyle/>
+                <a:p>
+                  <a:pPr algn="ctr"/>
+                  <a:endParaRPr lang="fr-FR"/>
+                </a:p>
+              </p:txBody>
+            </p:sp>
+            <p:sp>
+              <p:nvSpPr>
+                <p:cNvPr id="43" name="Ellipse 42"/>
+                <p:cNvSpPr/>
+                <p:nvPr/>
+              </p:nvSpPr>
+              <p:spPr>
+                <a:xfrm>
+                  <a:off x="8341360" y="4785360"/>
+                  <a:ext cx="782320" cy="762000"/>
+                </a:xfrm>
+                <a:prstGeom prst="ellipse">
+                  <a:avLst/>
+                </a:prstGeom>
+              </p:spPr>
+              <p:style>
+                <a:lnRef idx="2">
+                  <a:schemeClr val="accent3">
+                    <a:shade val="50000"/>
+                  </a:schemeClr>
+                </a:lnRef>
+                <a:fillRef idx="1">
+                  <a:schemeClr val="accent3"/>
+                </a:fillRef>
+                <a:effectRef idx="0">
+                  <a:schemeClr val="accent3"/>
+                </a:effectRef>
+                <a:fontRef idx="minor">
+                  <a:schemeClr val="lt1"/>
+                </a:fontRef>
+              </p:style>
+              <p:txBody>
+                <a:bodyPr rtlCol="0" anchor="ctr"/>
+                <a:lstStyle/>
+                <a:p>
+                  <a:pPr algn="ctr"/>
+                  <a:endParaRPr lang="fr-FR"/>
+                </a:p>
+              </p:txBody>
+            </p:sp>
+            <p:sp>
+              <p:nvSpPr>
+                <p:cNvPr id="44" name="Forme libre 43"/>
+                <p:cNvSpPr/>
+                <p:nvPr/>
+              </p:nvSpPr>
+              <p:spPr>
+                <a:xfrm>
+                  <a:off x="8554720" y="5029200"/>
+                  <a:ext cx="386080" cy="299846"/>
+                </a:xfrm>
+                <a:custGeom>
+                  <a:avLst/>
+                  <a:gdLst>
+                    <a:gd name="connsiteX0" fmla="*/ 0 w 1290320"/>
+                    <a:gd name="connsiteY0" fmla="*/ 1056640 h 1132966"/>
+                    <a:gd name="connsiteX1" fmla="*/ 467360 w 1290320"/>
+                    <a:gd name="connsiteY1" fmla="*/ 1046480 h 1132966"/>
+                    <a:gd name="connsiteX2" fmla="*/ 782320 w 1290320"/>
+                    <a:gd name="connsiteY2" fmla="*/ 182880 h 1132966"/>
+                    <a:gd name="connsiteX3" fmla="*/ 1290320 w 1290320"/>
+                    <a:gd name="connsiteY3" fmla="*/ 0 h 1132966"/>
+                    <a:gd name="connsiteX4" fmla="*/ 1290320 w 1290320"/>
+                    <a:gd name="connsiteY4" fmla="*/ 0 h 1132966"/>
+                    <a:gd name="connsiteX5" fmla="*/ 1290320 w 1290320"/>
+                    <a:gd name="connsiteY5" fmla="*/ 0 h 1132966"/>
+                  </a:gdLst>
+                  <a:ahLst/>
+                  <a:cxnLst>
+                    <a:cxn ang="0">
+                      <a:pos x="connsiteX0" y="connsiteY0"/>
+                    </a:cxn>
+                    <a:cxn ang="0">
+                      <a:pos x="connsiteX1" y="connsiteY1"/>
+                    </a:cxn>
+                    <a:cxn ang="0">
+                      <a:pos x="connsiteX2" y="connsiteY2"/>
+                    </a:cxn>
+                    <a:cxn ang="0">
+                      <a:pos x="connsiteX3" y="connsiteY3"/>
+                    </a:cxn>
+                    <a:cxn ang="0">
+                      <a:pos x="connsiteX4" y="connsiteY4"/>
+                    </a:cxn>
+                    <a:cxn ang="0">
+                      <a:pos x="connsiteX5" y="connsiteY5"/>
+                    </a:cxn>
+                  </a:cxnLst>
+                  <a:rect l="l" t="t" r="r" b="b"/>
+                  <a:pathLst>
+                    <a:path w="1290320" h="1132966">
+                      <a:moveTo>
+                        <a:pt x="0" y="1056640"/>
+                      </a:moveTo>
+                      <a:cubicBezTo>
+                        <a:pt x="168486" y="1124373"/>
+                        <a:pt x="336973" y="1192107"/>
+                        <a:pt x="467360" y="1046480"/>
+                      </a:cubicBezTo>
+                      <a:cubicBezTo>
+                        <a:pt x="597747" y="900853"/>
+                        <a:pt x="645160" y="357293"/>
+                        <a:pt x="782320" y="182880"/>
+                      </a:cubicBezTo>
+                      <a:cubicBezTo>
+                        <a:pt x="919480" y="8467"/>
+                        <a:pt x="1290320" y="0"/>
+                        <a:pt x="1290320" y="0"/>
+                      </a:cubicBezTo>
+                      <a:lnTo>
+                        <a:pt x="1290320" y="0"/>
+                      </a:lnTo>
+                      <a:lnTo>
+                        <a:pt x="1290320" y="0"/>
+                      </a:lnTo>
+                    </a:path>
+                  </a:pathLst>
+                </a:custGeom>
+                <a:noFill/>
+                <a:ln w="28575">
+                  <a:solidFill>
+                    <a:schemeClr val="accent2"/>
+                  </a:solidFill>
+                </a:ln>
+              </p:spPr>
+              <p:style>
+                <a:lnRef idx="2">
+                  <a:schemeClr val="accent1">
+                    <a:shade val="50000"/>
+                  </a:schemeClr>
+                </a:lnRef>
+                <a:fillRef idx="1">
+                  <a:schemeClr val="accent1"/>
+                </a:fillRef>
+                <a:effectRef idx="0">
+                  <a:schemeClr val="accent1"/>
+                </a:effectRef>
+                <a:fontRef idx="minor">
+                  <a:schemeClr val="lt1"/>
+                </a:fontRef>
+              </p:style>
+              <p:txBody>
+                <a:bodyPr rtlCol="0" anchor="ctr"/>
+                <a:lstStyle/>
+                <a:p>
+                  <a:pPr algn="ctr"/>
+                  <a:r>
+                    <a:rPr lang="fr-FR" dirty="0" smtClean="0"/>
+                    <a:t> </a:t>
+                  </a:r>
+                  <a:endParaRPr lang="fr-FR" dirty="0"/>
+                </a:p>
+              </p:txBody>
+            </p:sp>
+          </p:grpSp>
+          <p:grpSp>
+            <p:nvGrpSpPr>
+              <p:cNvPr id="34" name="Groupe 33"/>
+              <p:cNvGrpSpPr/>
+              <p:nvPr/>
+            </p:nvGrpSpPr>
+            <p:grpSpPr>
+              <a:xfrm>
+                <a:off x="1356360" y="3489114"/>
+                <a:ext cx="589280" cy="568960"/>
+                <a:chOff x="8260080" y="4704080"/>
+                <a:chExt cx="975360" cy="955040"/>
+              </a:xfrm>
+            </p:grpSpPr>
+            <p:sp>
+              <p:nvSpPr>
+                <p:cNvPr id="39" name="Rectangle à coins arrondis 38"/>
+                <p:cNvSpPr/>
+                <p:nvPr/>
+              </p:nvSpPr>
+              <p:spPr>
+                <a:xfrm>
+                  <a:off x="8260080" y="4704080"/>
+                  <a:ext cx="975360" cy="955040"/>
+                </a:xfrm>
+                <a:prstGeom prst="roundRect">
+                  <a:avLst/>
+                </a:prstGeom>
+              </p:spPr>
+              <p:style>
+                <a:lnRef idx="1">
+                  <a:schemeClr val="accent4"/>
+                </a:lnRef>
+                <a:fillRef idx="2">
+                  <a:schemeClr val="accent4"/>
+                </a:fillRef>
+                <a:effectRef idx="1">
+                  <a:schemeClr val="accent4"/>
+                </a:effectRef>
+                <a:fontRef idx="minor">
+                  <a:schemeClr val="dk1"/>
+                </a:fontRef>
+              </p:style>
+              <p:txBody>
+                <a:bodyPr rtlCol="0" anchor="ctr"/>
+                <a:lstStyle/>
+                <a:p>
+                  <a:pPr algn="ctr"/>
+                  <a:endParaRPr lang="fr-FR"/>
+                </a:p>
+              </p:txBody>
+            </p:sp>
+            <p:sp>
+              <p:nvSpPr>
+                <p:cNvPr id="40" name="Ellipse 39"/>
+                <p:cNvSpPr/>
+                <p:nvPr/>
+              </p:nvSpPr>
+              <p:spPr>
+                <a:xfrm>
+                  <a:off x="8341360" y="4785360"/>
+                  <a:ext cx="782320" cy="762000"/>
+                </a:xfrm>
+                <a:prstGeom prst="ellipse">
+                  <a:avLst/>
+                </a:prstGeom>
+              </p:spPr>
+              <p:style>
+                <a:lnRef idx="2">
+                  <a:schemeClr val="accent3">
+                    <a:shade val="50000"/>
+                  </a:schemeClr>
+                </a:lnRef>
+                <a:fillRef idx="1">
+                  <a:schemeClr val="accent3"/>
+                </a:fillRef>
+                <a:effectRef idx="0">
+                  <a:schemeClr val="accent3"/>
+                </a:effectRef>
+                <a:fontRef idx="minor">
+                  <a:schemeClr val="lt1"/>
+                </a:fontRef>
+              </p:style>
+              <p:txBody>
+                <a:bodyPr rtlCol="0" anchor="ctr"/>
+                <a:lstStyle/>
+                <a:p>
+                  <a:pPr algn="ctr"/>
+                  <a:endParaRPr lang="fr-FR"/>
+                </a:p>
+              </p:txBody>
+            </p:sp>
+            <p:sp>
+              <p:nvSpPr>
+                <p:cNvPr id="41" name="Forme libre 40"/>
+                <p:cNvSpPr/>
+                <p:nvPr/>
+              </p:nvSpPr>
+              <p:spPr>
+                <a:xfrm>
+                  <a:off x="8554720" y="5029200"/>
+                  <a:ext cx="386080" cy="299846"/>
+                </a:xfrm>
+                <a:custGeom>
+                  <a:avLst/>
+                  <a:gdLst>
+                    <a:gd name="connsiteX0" fmla="*/ 0 w 1290320"/>
+                    <a:gd name="connsiteY0" fmla="*/ 1056640 h 1132966"/>
+                    <a:gd name="connsiteX1" fmla="*/ 467360 w 1290320"/>
+                    <a:gd name="connsiteY1" fmla="*/ 1046480 h 1132966"/>
+                    <a:gd name="connsiteX2" fmla="*/ 782320 w 1290320"/>
+                    <a:gd name="connsiteY2" fmla="*/ 182880 h 1132966"/>
+                    <a:gd name="connsiteX3" fmla="*/ 1290320 w 1290320"/>
+                    <a:gd name="connsiteY3" fmla="*/ 0 h 1132966"/>
+                    <a:gd name="connsiteX4" fmla="*/ 1290320 w 1290320"/>
+                    <a:gd name="connsiteY4" fmla="*/ 0 h 1132966"/>
+                    <a:gd name="connsiteX5" fmla="*/ 1290320 w 1290320"/>
+                    <a:gd name="connsiteY5" fmla="*/ 0 h 1132966"/>
+                  </a:gdLst>
+                  <a:ahLst/>
+                  <a:cxnLst>
+                    <a:cxn ang="0">
+                      <a:pos x="connsiteX0" y="connsiteY0"/>
+                    </a:cxn>
+                    <a:cxn ang="0">
+                      <a:pos x="connsiteX1" y="connsiteY1"/>
+                    </a:cxn>
+                    <a:cxn ang="0">
+                      <a:pos x="connsiteX2" y="connsiteY2"/>
+                    </a:cxn>
+                    <a:cxn ang="0">
+                      <a:pos x="connsiteX3" y="connsiteY3"/>
+                    </a:cxn>
+                    <a:cxn ang="0">
+                      <a:pos x="connsiteX4" y="connsiteY4"/>
+                    </a:cxn>
+                    <a:cxn ang="0">
+                      <a:pos x="connsiteX5" y="connsiteY5"/>
+                    </a:cxn>
+                  </a:cxnLst>
+                  <a:rect l="l" t="t" r="r" b="b"/>
+                  <a:pathLst>
+                    <a:path w="1290320" h="1132966">
+                      <a:moveTo>
+                        <a:pt x="0" y="1056640"/>
+                      </a:moveTo>
+                      <a:cubicBezTo>
+                        <a:pt x="168486" y="1124373"/>
+                        <a:pt x="336973" y="1192107"/>
+                        <a:pt x="467360" y="1046480"/>
+                      </a:cubicBezTo>
+                      <a:cubicBezTo>
+                        <a:pt x="597747" y="900853"/>
+                        <a:pt x="645160" y="357293"/>
+                        <a:pt x="782320" y="182880"/>
+                      </a:cubicBezTo>
+                      <a:cubicBezTo>
+                        <a:pt x="919480" y="8467"/>
+                        <a:pt x="1290320" y="0"/>
+                        <a:pt x="1290320" y="0"/>
+                      </a:cubicBezTo>
+                      <a:lnTo>
+                        <a:pt x="1290320" y="0"/>
+                      </a:lnTo>
+                      <a:lnTo>
+                        <a:pt x="1290320" y="0"/>
+                      </a:lnTo>
+                    </a:path>
+                  </a:pathLst>
+                </a:custGeom>
+                <a:noFill/>
+                <a:ln w="28575">
+                  <a:solidFill>
+                    <a:schemeClr val="accent2"/>
+                  </a:solidFill>
+                </a:ln>
+              </p:spPr>
+              <p:style>
+                <a:lnRef idx="2">
+                  <a:schemeClr val="accent1">
+                    <a:shade val="50000"/>
+                  </a:schemeClr>
+                </a:lnRef>
+                <a:fillRef idx="1">
+                  <a:schemeClr val="accent1"/>
+                </a:fillRef>
+                <a:effectRef idx="0">
+                  <a:schemeClr val="accent1"/>
+                </a:effectRef>
+                <a:fontRef idx="minor">
+                  <a:schemeClr val="lt1"/>
+                </a:fontRef>
+              </p:style>
+              <p:txBody>
+                <a:bodyPr rtlCol="0" anchor="ctr"/>
+                <a:lstStyle/>
+                <a:p>
+                  <a:pPr algn="ctr"/>
+                  <a:r>
+                    <a:rPr lang="fr-FR" dirty="0" smtClean="0"/>
+                    <a:t> </a:t>
+                  </a:r>
+                  <a:endParaRPr lang="fr-FR" dirty="0"/>
+                </a:p>
+              </p:txBody>
+            </p:sp>
+          </p:grpSp>
+          <p:grpSp>
+            <p:nvGrpSpPr>
+              <p:cNvPr id="35" name="Groupe 34"/>
+              <p:cNvGrpSpPr/>
+              <p:nvPr/>
+            </p:nvGrpSpPr>
+            <p:grpSpPr>
+              <a:xfrm>
+                <a:off x="1356360" y="4318000"/>
+                <a:ext cx="589280" cy="568960"/>
+                <a:chOff x="8260080" y="4704080"/>
+                <a:chExt cx="975360" cy="955040"/>
+              </a:xfrm>
+            </p:grpSpPr>
+            <p:sp>
+              <p:nvSpPr>
+                <p:cNvPr id="36" name="Rectangle à coins arrondis 35"/>
+                <p:cNvSpPr/>
+                <p:nvPr/>
+              </p:nvSpPr>
+              <p:spPr>
+                <a:xfrm>
+                  <a:off x="8260080" y="4704080"/>
+                  <a:ext cx="975360" cy="955040"/>
+                </a:xfrm>
+                <a:prstGeom prst="roundRect">
+                  <a:avLst/>
+                </a:prstGeom>
+              </p:spPr>
+              <p:style>
+                <a:lnRef idx="1">
+                  <a:schemeClr val="accent4"/>
+                </a:lnRef>
+                <a:fillRef idx="2">
+                  <a:schemeClr val="accent4"/>
+                </a:fillRef>
+                <a:effectRef idx="1">
+                  <a:schemeClr val="accent4"/>
+                </a:effectRef>
+                <a:fontRef idx="minor">
+                  <a:schemeClr val="dk1"/>
+                </a:fontRef>
+              </p:style>
+              <p:txBody>
+                <a:bodyPr rtlCol="0" anchor="ctr"/>
+                <a:lstStyle/>
+                <a:p>
+                  <a:pPr algn="ctr"/>
+                  <a:endParaRPr lang="fr-FR"/>
+                </a:p>
+              </p:txBody>
+            </p:sp>
+            <p:sp>
+              <p:nvSpPr>
+                <p:cNvPr id="37" name="Ellipse 36"/>
+                <p:cNvSpPr/>
+                <p:nvPr/>
+              </p:nvSpPr>
+              <p:spPr>
+                <a:xfrm>
+                  <a:off x="8341360" y="4785360"/>
+                  <a:ext cx="782320" cy="762000"/>
+                </a:xfrm>
+                <a:prstGeom prst="ellipse">
+                  <a:avLst/>
+                </a:prstGeom>
+              </p:spPr>
+              <p:style>
+                <a:lnRef idx="2">
+                  <a:schemeClr val="accent3">
+                    <a:shade val="50000"/>
+                  </a:schemeClr>
+                </a:lnRef>
+                <a:fillRef idx="1">
+                  <a:schemeClr val="accent3"/>
+                </a:fillRef>
+                <a:effectRef idx="0">
+                  <a:schemeClr val="accent3"/>
+                </a:effectRef>
+                <a:fontRef idx="minor">
+                  <a:schemeClr val="lt1"/>
+                </a:fontRef>
+              </p:style>
+              <p:txBody>
+                <a:bodyPr rtlCol="0" anchor="ctr"/>
+                <a:lstStyle/>
+                <a:p>
+                  <a:pPr algn="ctr"/>
+                  <a:endParaRPr lang="fr-FR"/>
+                </a:p>
+              </p:txBody>
+            </p:sp>
+            <p:sp>
+              <p:nvSpPr>
+                <p:cNvPr id="38" name="Forme libre 37"/>
+                <p:cNvSpPr/>
+                <p:nvPr/>
+              </p:nvSpPr>
+              <p:spPr>
+                <a:xfrm>
+                  <a:off x="8554720" y="5029200"/>
+                  <a:ext cx="386080" cy="299846"/>
+                </a:xfrm>
+                <a:custGeom>
+                  <a:avLst/>
+                  <a:gdLst>
+                    <a:gd name="connsiteX0" fmla="*/ 0 w 1290320"/>
+                    <a:gd name="connsiteY0" fmla="*/ 1056640 h 1132966"/>
+                    <a:gd name="connsiteX1" fmla="*/ 467360 w 1290320"/>
+                    <a:gd name="connsiteY1" fmla="*/ 1046480 h 1132966"/>
+                    <a:gd name="connsiteX2" fmla="*/ 782320 w 1290320"/>
+                    <a:gd name="connsiteY2" fmla="*/ 182880 h 1132966"/>
+                    <a:gd name="connsiteX3" fmla="*/ 1290320 w 1290320"/>
+                    <a:gd name="connsiteY3" fmla="*/ 0 h 1132966"/>
+                    <a:gd name="connsiteX4" fmla="*/ 1290320 w 1290320"/>
+                    <a:gd name="connsiteY4" fmla="*/ 0 h 1132966"/>
+                    <a:gd name="connsiteX5" fmla="*/ 1290320 w 1290320"/>
+                    <a:gd name="connsiteY5" fmla="*/ 0 h 1132966"/>
+                  </a:gdLst>
+                  <a:ahLst/>
+                  <a:cxnLst>
+                    <a:cxn ang="0">
+                      <a:pos x="connsiteX0" y="connsiteY0"/>
+                    </a:cxn>
+                    <a:cxn ang="0">
+                      <a:pos x="connsiteX1" y="connsiteY1"/>
+                    </a:cxn>
+                    <a:cxn ang="0">
+                      <a:pos x="connsiteX2" y="connsiteY2"/>
+                    </a:cxn>
+                    <a:cxn ang="0">
+                      <a:pos x="connsiteX3" y="connsiteY3"/>
+                    </a:cxn>
+                    <a:cxn ang="0">
+                      <a:pos x="connsiteX4" y="connsiteY4"/>
+                    </a:cxn>
+                    <a:cxn ang="0">
+                      <a:pos x="connsiteX5" y="connsiteY5"/>
+                    </a:cxn>
+                  </a:cxnLst>
+                  <a:rect l="l" t="t" r="r" b="b"/>
+                  <a:pathLst>
+                    <a:path w="1290320" h="1132966">
+                      <a:moveTo>
+                        <a:pt x="0" y="1056640"/>
+                      </a:moveTo>
+                      <a:cubicBezTo>
+                        <a:pt x="168486" y="1124373"/>
+                        <a:pt x="336973" y="1192107"/>
+                        <a:pt x="467360" y="1046480"/>
+                      </a:cubicBezTo>
+                      <a:cubicBezTo>
+                        <a:pt x="597747" y="900853"/>
+                        <a:pt x="645160" y="357293"/>
+                        <a:pt x="782320" y="182880"/>
+                      </a:cubicBezTo>
+                      <a:cubicBezTo>
+                        <a:pt x="919480" y="8467"/>
+                        <a:pt x="1290320" y="0"/>
+                        <a:pt x="1290320" y="0"/>
+                      </a:cubicBezTo>
+                      <a:lnTo>
+                        <a:pt x="1290320" y="0"/>
+                      </a:lnTo>
+                      <a:lnTo>
+                        <a:pt x="1290320" y="0"/>
+                      </a:lnTo>
+                    </a:path>
+                  </a:pathLst>
+                </a:custGeom>
+                <a:noFill/>
+                <a:ln w="28575">
+                  <a:solidFill>
+                    <a:schemeClr val="accent2"/>
+                  </a:solidFill>
+                </a:ln>
+              </p:spPr>
+              <p:style>
+                <a:lnRef idx="2">
+                  <a:schemeClr val="accent1">
+                    <a:shade val="50000"/>
+                  </a:schemeClr>
+                </a:lnRef>
+                <a:fillRef idx="1">
+                  <a:schemeClr val="accent1"/>
+                </a:fillRef>
+                <a:effectRef idx="0">
+                  <a:schemeClr val="accent1"/>
+                </a:effectRef>
+                <a:fontRef idx="minor">
+                  <a:schemeClr val="lt1"/>
+                </a:fontRef>
+              </p:style>
+              <p:txBody>
+                <a:bodyPr rtlCol="0" anchor="ctr"/>
+                <a:lstStyle/>
+                <a:p>
+                  <a:pPr algn="ctr"/>
+                  <a:r>
+                    <a:rPr lang="fr-FR" dirty="0" smtClean="0"/>
+                    <a:t> </a:t>
+                  </a:r>
+                  <a:endParaRPr lang="fr-FR" dirty="0"/>
+                </a:p>
+              </p:txBody>
+            </p:sp>
+          </p:grpSp>
+        </p:grpSp>
+        <p:grpSp>
+          <p:nvGrpSpPr>
+            <p:cNvPr id="15" name="Groupe 14"/>
+            <p:cNvGrpSpPr/>
+            <p:nvPr/>
+          </p:nvGrpSpPr>
+          <p:grpSpPr>
+            <a:xfrm>
+              <a:off x="6852920" y="1597660"/>
+              <a:ext cx="589280" cy="3055620"/>
+              <a:chOff x="7442200" y="1790700"/>
+              <a:chExt cx="589280" cy="3055620"/>
+            </a:xfrm>
+          </p:grpSpPr>
+          <p:grpSp>
+            <p:nvGrpSpPr>
+              <p:cNvPr id="16" name="Groupe 15"/>
+              <p:cNvGrpSpPr/>
+              <p:nvPr/>
+            </p:nvGrpSpPr>
+            <p:grpSpPr>
+              <a:xfrm>
+                <a:off x="7442200" y="1790700"/>
+                <a:ext cx="589280" cy="568960"/>
+                <a:chOff x="8260080" y="4704080"/>
+                <a:chExt cx="975360" cy="955040"/>
+              </a:xfrm>
+            </p:grpSpPr>
+            <p:sp>
+              <p:nvSpPr>
+                <p:cNvPr id="29" name="Rectangle à coins arrondis 28"/>
+                <p:cNvSpPr/>
+                <p:nvPr/>
+              </p:nvSpPr>
+              <p:spPr>
+                <a:xfrm>
+                  <a:off x="8260080" y="4704080"/>
+                  <a:ext cx="975360" cy="955040"/>
+                </a:xfrm>
+                <a:prstGeom prst="roundRect">
+                  <a:avLst/>
+                </a:prstGeom>
+              </p:spPr>
+              <p:style>
+                <a:lnRef idx="1">
+                  <a:schemeClr val="accent4"/>
+                </a:lnRef>
+                <a:fillRef idx="2">
+                  <a:schemeClr val="accent4"/>
+                </a:fillRef>
+                <a:effectRef idx="1">
+                  <a:schemeClr val="accent4"/>
+                </a:effectRef>
+                <a:fontRef idx="minor">
+                  <a:schemeClr val="dk1"/>
+                </a:fontRef>
+              </p:style>
+              <p:txBody>
+                <a:bodyPr rtlCol="0" anchor="ctr"/>
+                <a:lstStyle/>
+                <a:p>
+                  <a:pPr algn="ctr"/>
+                  <a:endParaRPr lang="fr-FR"/>
+                </a:p>
+              </p:txBody>
+            </p:sp>
+            <p:sp>
+              <p:nvSpPr>
+                <p:cNvPr id="30" name="Ellipse 29"/>
+                <p:cNvSpPr/>
+                <p:nvPr/>
+              </p:nvSpPr>
+              <p:spPr>
+                <a:xfrm>
+                  <a:off x="8341360" y="4785360"/>
+                  <a:ext cx="782320" cy="762000"/>
+                </a:xfrm>
+                <a:prstGeom prst="ellipse">
+                  <a:avLst/>
+                </a:prstGeom>
+              </p:spPr>
+              <p:style>
+                <a:lnRef idx="2">
+                  <a:schemeClr val="accent3">
+                    <a:shade val="50000"/>
+                  </a:schemeClr>
+                </a:lnRef>
+                <a:fillRef idx="1">
+                  <a:schemeClr val="accent3"/>
+                </a:fillRef>
+                <a:effectRef idx="0">
+                  <a:schemeClr val="accent3"/>
+                </a:effectRef>
+                <a:fontRef idx="minor">
+                  <a:schemeClr val="lt1"/>
+                </a:fontRef>
+              </p:style>
+              <p:txBody>
+                <a:bodyPr rtlCol="0" anchor="ctr"/>
+                <a:lstStyle/>
+                <a:p>
+                  <a:pPr algn="ctr"/>
+                  <a:endParaRPr lang="fr-FR"/>
+                </a:p>
+              </p:txBody>
+            </p:sp>
+            <p:sp>
+              <p:nvSpPr>
+                <p:cNvPr id="31" name="Forme libre 30"/>
+                <p:cNvSpPr/>
+                <p:nvPr/>
+              </p:nvSpPr>
+              <p:spPr>
+                <a:xfrm>
+                  <a:off x="8554720" y="5029200"/>
+                  <a:ext cx="386080" cy="299846"/>
+                </a:xfrm>
+                <a:custGeom>
+                  <a:avLst/>
+                  <a:gdLst>
+                    <a:gd name="connsiteX0" fmla="*/ 0 w 1290320"/>
+                    <a:gd name="connsiteY0" fmla="*/ 1056640 h 1132966"/>
+                    <a:gd name="connsiteX1" fmla="*/ 467360 w 1290320"/>
+                    <a:gd name="connsiteY1" fmla="*/ 1046480 h 1132966"/>
+                    <a:gd name="connsiteX2" fmla="*/ 782320 w 1290320"/>
+                    <a:gd name="connsiteY2" fmla="*/ 182880 h 1132966"/>
+                    <a:gd name="connsiteX3" fmla="*/ 1290320 w 1290320"/>
+                    <a:gd name="connsiteY3" fmla="*/ 0 h 1132966"/>
+                    <a:gd name="connsiteX4" fmla="*/ 1290320 w 1290320"/>
+                    <a:gd name="connsiteY4" fmla="*/ 0 h 1132966"/>
+                    <a:gd name="connsiteX5" fmla="*/ 1290320 w 1290320"/>
+                    <a:gd name="connsiteY5" fmla="*/ 0 h 1132966"/>
+                  </a:gdLst>
+                  <a:ahLst/>
+                  <a:cxnLst>
+                    <a:cxn ang="0">
+                      <a:pos x="connsiteX0" y="connsiteY0"/>
+                    </a:cxn>
+                    <a:cxn ang="0">
+                      <a:pos x="connsiteX1" y="connsiteY1"/>
+                    </a:cxn>
+                    <a:cxn ang="0">
+                      <a:pos x="connsiteX2" y="connsiteY2"/>
+                    </a:cxn>
+                    <a:cxn ang="0">
+                      <a:pos x="connsiteX3" y="connsiteY3"/>
+                    </a:cxn>
+                    <a:cxn ang="0">
+                      <a:pos x="connsiteX4" y="connsiteY4"/>
+                    </a:cxn>
+                    <a:cxn ang="0">
+                      <a:pos x="connsiteX5" y="connsiteY5"/>
+                    </a:cxn>
+                  </a:cxnLst>
+                  <a:rect l="l" t="t" r="r" b="b"/>
+                  <a:pathLst>
+                    <a:path w="1290320" h="1132966">
+                      <a:moveTo>
+                        <a:pt x="0" y="1056640"/>
+                      </a:moveTo>
+                      <a:cubicBezTo>
+                        <a:pt x="168486" y="1124373"/>
+                        <a:pt x="336973" y="1192107"/>
+                        <a:pt x="467360" y="1046480"/>
+                      </a:cubicBezTo>
+                      <a:cubicBezTo>
+                        <a:pt x="597747" y="900853"/>
+                        <a:pt x="645160" y="357293"/>
+                        <a:pt x="782320" y="182880"/>
+                      </a:cubicBezTo>
+                      <a:cubicBezTo>
+                        <a:pt x="919480" y="8467"/>
+                        <a:pt x="1290320" y="0"/>
+                        <a:pt x="1290320" y="0"/>
+                      </a:cubicBezTo>
+                      <a:lnTo>
+                        <a:pt x="1290320" y="0"/>
+                      </a:lnTo>
+                      <a:lnTo>
+                        <a:pt x="1290320" y="0"/>
+                      </a:lnTo>
+                    </a:path>
+                  </a:pathLst>
+                </a:custGeom>
+                <a:noFill/>
+                <a:ln w="28575">
+                  <a:solidFill>
+                    <a:schemeClr val="accent2"/>
+                  </a:solidFill>
+                </a:ln>
+              </p:spPr>
+              <p:style>
+                <a:lnRef idx="2">
+                  <a:schemeClr val="accent1">
+                    <a:shade val="50000"/>
+                  </a:schemeClr>
+                </a:lnRef>
+                <a:fillRef idx="1">
+                  <a:schemeClr val="accent1"/>
+                </a:fillRef>
+                <a:effectRef idx="0">
+                  <a:schemeClr val="accent1"/>
+                </a:effectRef>
+                <a:fontRef idx="minor">
+                  <a:schemeClr val="lt1"/>
+                </a:fontRef>
+              </p:style>
+              <p:txBody>
+                <a:bodyPr rtlCol="0" anchor="ctr"/>
+                <a:lstStyle/>
+                <a:p>
+                  <a:pPr algn="ctr"/>
+                  <a:r>
+                    <a:rPr lang="fr-FR" dirty="0" smtClean="0"/>
+                    <a:t> </a:t>
+                  </a:r>
+                  <a:endParaRPr lang="fr-FR" dirty="0"/>
+                </a:p>
+              </p:txBody>
+            </p:sp>
+          </p:grpSp>
+          <p:grpSp>
+            <p:nvGrpSpPr>
+              <p:cNvPr id="17" name="Groupe 16"/>
+              <p:cNvGrpSpPr/>
+              <p:nvPr/>
+            </p:nvGrpSpPr>
+            <p:grpSpPr>
+              <a:xfrm>
+                <a:off x="7442200" y="2619587"/>
+                <a:ext cx="589280" cy="568960"/>
+                <a:chOff x="8260080" y="4704080"/>
+                <a:chExt cx="975360" cy="955040"/>
+              </a:xfrm>
+            </p:grpSpPr>
+            <p:sp>
+              <p:nvSpPr>
+                <p:cNvPr id="26" name="Rectangle à coins arrondis 25"/>
+                <p:cNvSpPr/>
+                <p:nvPr/>
+              </p:nvSpPr>
+              <p:spPr>
+                <a:xfrm>
+                  <a:off x="8260080" y="4704080"/>
+                  <a:ext cx="975360" cy="955040"/>
+                </a:xfrm>
+                <a:prstGeom prst="roundRect">
+                  <a:avLst/>
+                </a:prstGeom>
+              </p:spPr>
+              <p:style>
+                <a:lnRef idx="1">
+                  <a:schemeClr val="accent4"/>
+                </a:lnRef>
+                <a:fillRef idx="2">
+                  <a:schemeClr val="accent4"/>
+                </a:fillRef>
+                <a:effectRef idx="1">
+                  <a:schemeClr val="accent4"/>
+                </a:effectRef>
+                <a:fontRef idx="minor">
+                  <a:schemeClr val="dk1"/>
+                </a:fontRef>
+              </p:style>
+              <p:txBody>
+                <a:bodyPr rtlCol="0" anchor="ctr"/>
+                <a:lstStyle/>
+                <a:p>
+                  <a:pPr algn="ctr"/>
+                  <a:endParaRPr lang="fr-FR"/>
+                </a:p>
+              </p:txBody>
+            </p:sp>
+            <p:sp>
+              <p:nvSpPr>
+                <p:cNvPr id="27" name="Ellipse 26"/>
+                <p:cNvSpPr/>
+                <p:nvPr/>
+              </p:nvSpPr>
+              <p:spPr>
+                <a:xfrm>
+                  <a:off x="8341360" y="4785360"/>
+                  <a:ext cx="782320" cy="762000"/>
+                </a:xfrm>
+                <a:prstGeom prst="ellipse">
+                  <a:avLst/>
+                </a:prstGeom>
+              </p:spPr>
+              <p:style>
+                <a:lnRef idx="2">
+                  <a:schemeClr val="accent3">
+                    <a:shade val="50000"/>
+                  </a:schemeClr>
+                </a:lnRef>
+                <a:fillRef idx="1">
+                  <a:schemeClr val="accent3"/>
+                </a:fillRef>
+                <a:effectRef idx="0">
+                  <a:schemeClr val="accent3"/>
+                </a:effectRef>
+                <a:fontRef idx="minor">
+                  <a:schemeClr val="lt1"/>
+                </a:fontRef>
+              </p:style>
+              <p:txBody>
+                <a:bodyPr rtlCol="0" anchor="ctr"/>
+                <a:lstStyle/>
+                <a:p>
+                  <a:pPr algn="ctr"/>
+                  <a:endParaRPr lang="fr-FR"/>
+                </a:p>
+              </p:txBody>
+            </p:sp>
+            <p:sp>
+              <p:nvSpPr>
+                <p:cNvPr id="28" name="Forme libre 27"/>
+                <p:cNvSpPr/>
+                <p:nvPr/>
+              </p:nvSpPr>
+              <p:spPr>
+                <a:xfrm>
+                  <a:off x="8554720" y="5029200"/>
+                  <a:ext cx="386080" cy="299846"/>
+                </a:xfrm>
+                <a:custGeom>
+                  <a:avLst/>
+                  <a:gdLst>
+                    <a:gd name="connsiteX0" fmla="*/ 0 w 1290320"/>
+                    <a:gd name="connsiteY0" fmla="*/ 1056640 h 1132966"/>
+                    <a:gd name="connsiteX1" fmla="*/ 467360 w 1290320"/>
+                    <a:gd name="connsiteY1" fmla="*/ 1046480 h 1132966"/>
+                    <a:gd name="connsiteX2" fmla="*/ 782320 w 1290320"/>
+                    <a:gd name="connsiteY2" fmla="*/ 182880 h 1132966"/>
+                    <a:gd name="connsiteX3" fmla="*/ 1290320 w 1290320"/>
+                    <a:gd name="connsiteY3" fmla="*/ 0 h 1132966"/>
+                    <a:gd name="connsiteX4" fmla="*/ 1290320 w 1290320"/>
+                    <a:gd name="connsiteY4" fmla="*/ 0 h 1132966"/>
+                    <a:gd name="connsiteX5" fmla="*/ 1290320 w 1290320"/>
+                    <a:gd name="connsiteY5" fmla="*/ 0 h 1132966"/>
+                  </a:gdLst>
+                  <a:ahLst/>
+                  <a:cxnLst>
+                    <a:cxn ang="0">
+                      <a:pos x="connsiteX0" y="connsiteY0"/>
+                    </a:cxn>
+                    <a:cxn ang="0">
+                      <a:pos x="connsiteX1" y="connsiteY1"/>
+                    </a:cxn>
+                    <a:cxn ang="0">
+                      <a:pos x="connsiteX2" y="connsiteY2"/>
+                    </a:cxn>
+                    <a:cxn ang="0">
+                      <a:pos x="connsiteX3" y="connsiteY3"/>
+                    </a:cxn>
+                    <a:cxn ang="0">
+                      <a:pos x="connsiteX4" y="connsiteY4"/>
+                    </a:cxn>
+                    <a:cxn ang="0">
+                      <a:pos x="connsiteX5" y="connsiteY5"/>
+                    </a:cxn>
+                  </a:cxnLst>
+                  <a:rect l="l" t="t" r="r" b="b"/>
+                  <a:pathLst>
+                    <a:path w="1290320" h="1132966">
+                      <a:moveTo>
+                        <a:pt x="0" y="1056640"/>
+                      </a:moveTo>
+                      <a:cubicBezTo>
+                        <a:pt x="168486" y="1124373"/>
+                        <a:pt x="336973" y="1192107"/>
+                        <a:pt x="467360" y="1046480"/>
+                      </a:cubicBezTo>
+                      <a:cubicBezTo>
+                        <a:pt x="597747" y="900853"/>
+                        <a:pt x="645160" y="357293"/>
+                        <a:pt x="782320" y="182880"/>
+                      </a:cubicBezTo>
+                      <a:cubicBezTo>
+                        <a:pt x="919480" y="8467"/>
+                        <a:pt x="1290320" y="0"/>
+                        <a:pt x="1290320" y="0"/>
+                      </a:cubicBezTo>
+                      <a:lnTo>
+                        <a:pt x="1290320" y="0"/>
+                      </a:lnTo>
+                      <a:lnTo>
+                        <a:pt x="1290320" y="0"/>
+                      </a:lnTo>
+                    </a:path>
+                  </a:pathLst>
+                </a:custGeom>
+                <a:noFill/>
+                <a:ln w="28575">
+                  <a:solidFill>
+                    <a:schemeClr val="accent2"/>
+                  </a:solidFill>
+                </a:ln>
+              </p:spPr>
+              <p:style>
+                <a:lnRef idx="2">
+                  <a:schemeClr val="accent1">
+                    <a:shade val="50000"/>
+                  </a:schemeClr>
+                </a:lnRef>
+                <a:fillRef idx="1">
+                  <a:schemeClr val="accent1"/>
+                </a:fillRef>
+                <a:effectRef idx="0">
+                  <a:schemeClr val="accent1"/>
+                </a:effectRef>
+                <a:fontRef idx="minor">
+                  <a:schemeClr val="lt1"/>
+                </a:fontRef>
+              </p:style>
+              <p:txBody>
+                <a:bodyPr rtlCol="0" anchor="ctr"/>
+                <a:lstStyle/>
+                <a:p>
+                  <a:pPr algn="ctr"/>
+                  <a:r>
+                    <a:rPr lang="fr-FR" dirty="0" smtClean="0"/>
+                    <a:t> </a:t>
+                  </a:r>
+                  <a:endParaRPr lang="fr-FR" dirty="0"/>
+                </a:p>
+              </p:txBody>
+            </p:sp>
+          </p:grpSp>
+          <p:grpSp>
+            <p:nvGrpSpPr>
+              <p:cNvPr id="18" name="Groupe 17"/>
+              <p:cNvGrpSpPr/>
+              <p:nvPr/>
+            </p:nvGrpSpPr>
+            <p:grpSpPr>
+              <a:xfrm>
+                <a:off x="7442200" y="3448474"/>
+                <a:ext cx="589280" cy="568960"/>
+                <a:chOff x="8260080" y="4704080"/>
+                <a:chExt cx="975360" cy="955040"/>
+              </a:xfrm>
+            </p:grpSpPr>
+            <p:sp>
+              <p:nvSpPr>
+                <p:cNvPr id="23" name="Rectangle à coins arrondis 22"/>
+                <p:cNvSpPr/>
+                <p:nvPr/>
+              </p:nvSpPr>
+              <p:spPr>
+                <a:xfrm>
+                  <a:off x="8260080" y="4704080"/>
+                  <a:ext cx="975360" cy="955040"/>
+                </a:xfrm>
+                <a:prstGeom prst="roundRect">
+                  <a:avLst/>
+                </a:prstGeom>
+              </p:spPr>
+              <p:style>
+                <a:lnRef idx="1">
+                  <a:schemeClr val="accent4"/>
+                </a:lnRef>
+                <a:fillRef idx="2">
+                  <a:schemeClr val="accent4"/>
+                </a:fillRef>
+                <a:effectRef idx="1">
+                  <a:schemeClr val="accent4"/>
+                </a:effectRef>
+                <a:fontRef idx="minor">
+                  <a:schemeClr val="dk1"/>
+                </a:fontRef>
+              </p:style>
+              <p:txBody>
+                <a:bodyPr rtlCol="0" anchor="ctr"/>
+                <a:lstStyle/>
+                <a:p>
+                  <a:pPr algn="ctr"/>
+                  <a:endParaRPr lang="fr-FR"/>
+                </a:p>
+              </p:txBody>
+            </p:sp>
+            <p:sp>
+              <p:nvSpPr>
+                <p:cNvPr id="24" name="Ellipse 23"/>
+                <p:cNvSpPr/>
+                <p:nvPr/>
+              </p:nvSpPr>
+              <p:spPr>
+                <a:xfrm>
+                  <a:off x="8341360" y="4785360"/>
+                  <a:ext cx="782320" cy="762000"/>
+                </a:xfrm>
+                <a:prstGeom prst="ellipse">
+                  <a:avLst/>
+                </a:prstGeom>
+              </p:spPr>
+              <p:style>
+                <a:lnRef idx="2">
+                  <a:schemeClr val="accent3">
+                    <a:shade val="50000"/>
+                  </a:schemeClr>
+                </a:lnRef>
+                <a:fillRef idx="1">
+                  <a:schemeClr val="accent3"/>
+                </a:fillRef>
+                <a:effectRef idx="0">
+                  <a:schemeClr val="accent3"/>
+                </a:effectRef>
+                <a:fontRef idx="minor">
+                  <a:schemeClr val="lt1"/>
+                </a:fontRef>
+              </p:style>
+              <p:txBody>
+                <a:bodyPr rtlCol="0" anchor="ctr"/>
+                <a:lstStyle/>
+                <a:p>
+                  <a:pPr algn="ctr"/>
+                  <a:endParaRPr lang="fr-FR"/>
+                </a:p>
+              </p:txBody>
+            </p:sp>
+            <p:sp>
+              <p:nvSpPr>
+                <p:cNvPr id="25" name="Forme libre 24"/>
+                <p:cNvSpPr/>
+                <p:nvPr/>
+              </p:nvSpPr>
+              <p:spPr>
+                <a:xfrm>
+                  <a:off x="8554720" y="5029200"/>
+                  <a:ext cx="386080" cy="299846"/>
+                </a:xfrm>
+                <a:custGeom>
+                  <a:avLst/>
+                  <a:gdLst>
+                    <a:gd name="connsiteX0" fmla="*/ 0 w 1290320"/>
+                    <a:gd name="connsiteY0" fmla="*/ 1056640 h 1132966"/>
+                    <a:gd name="connsiteX1" fmla="*/ 467360 w 1290320"/>
+                    <a:gd name="connsiteY1" fmla="*/ 1046480 h 1132966"/>
+                    <a:gd name="connsiteX2" fmla="*/ 782320 w 1290320"/>
+                    <a:gd name="connsiteY2" fmla="*/ 182880 h 1132966"/>
+                    <a:gd name="connsiteX3" fmla="*/ 1290320 w 1290320"/>
+                    <a:gd name="connsiteY3" fmla="*/ 0 h 1132966"/>
+                    <a:gd name="connsiteX4" fmla="*/ 1290320 w 1290320"/>
+                    <a:gd name="connsiteY4" fmla="*/ 0 h 1132966"/>
+                    <a:gd name="connsiteX5" fmla="*/ 1290320 w 1290320"/>
+                    <a:gd name="connsiteY5" fmla="*/ 0 h 1132966"/>
+                  </a:gdLst>
+                  <a:ahLst/>
+                  <a:cxnLst>
+                    <a:cxn ang="0">
+                      <a:pos x="connsiteX0" y="connsiteY0"/>
+                    </a:cxn>
+                    <a:cxn ang="0">
+                      <a:pos x="connsiteX1" y="connsiteY1"/>
+                    </a:cxn>
+                    <a:cxn ang="0">
+                      <a:pos x="connsiteX2" y="connsiteY2"/>
+                    </a:cxn>
+                    <a:cxn ang="0">
+                      <a:pos x="connsiteX3" y="connsiteY3"/>
+                    </a:cxn>
+                    <a:cxn ang="0">
+                      <a:pos x="connsiteX4" y="connsiteY4"/>
+                    </a:cxn>
+                    <a:cxn ang="0">
+                      <a:pos x="connsiteX5" y="connsiteY5"/>
+                    </a:cxn>
+                  </a:cxnLst>
+                  <a:rect l="l" t="t" r="r" b="b"/>
+                  <a:pathLst>
+                    <a:path w="1290320" h="1132966">
+                      <a:moveTo>
+                        <a:pt x="0" y="1056640"/>
+                      </a:moveTo>
+                      <a:cubicBezTo>
+                        <a:pt x="168486" y="1124373"/>
+                        <a:pt x="336973" y="1192107"/>
+                        <a:pt x="467360" y="1046480"/>
+                      </a:cubicBezTo>
+                      <a:cubicBezTo>
+                        <a:pt x="597747" y="900853"/>
+                        <a:pt x="645160" y="357293"/>
+                        <a:pt x="782320" y="182880"/>
+                      </a:cubicBezTo>
+                      <a:cubicBezTo>
+                        <a:pt x="919480" y="8467"/>
+                        <a:pt x="1290320" y="0"/>
+                        <a:pt x="1290320" y="0"/>
+                      </a:cubicBezTo>
+                      <a:lnTo>
+                        <a:pt x="1290320" y="0"/>
+                      </a:lnTo>
+                      <a:lnTo>
+                        <a:pt x="1290320" y="0"/>
+                      </a:lnTo>
+                    </a:path>
+                  </a:pathLst>
+                </a:custGeom>
+                <a:noFill/>
+                <a:ln w="28575">
+                  <a:solidFill>
+                    <a:schemeClr val="accent2"/>
+                  </a:solidFill>
+                </a:ln>
+              </p:spPr>
+              <p:style>
+                <a:lnRef idx="2">
+                  <a:schemeClr val="accent1">
+                    <a:shade val="50000"/>
+                  </a:schemeClr>
+                </a:lnRef>
+                <a:fillRef idx="1">
+                  <a:schemeClr val="accent1"/>
+                </a:fillRef>
+                <a:effectRef idx="0">
+                  <a:schemeClr val="accent1"/>
+                </a:effectRef>
+                <a:fontRef idx="minor">
+                  <a:schemeClr val="lt1"/>
+                </a:fontRef>
+              </p:style>
+              <p:txBody>
+                <a:bodyPr rtlCol="0" anchor="ctr"/>
+                <a:lstStyle/>
+                <a:p>
+                  <a:pPr algn="ctr"/>
+                  <a:r>
+                    <a:rPr lang="fr-FR" dirty="0" smtClean="0"/>
+                    <a:t> </a:t>
+                  </a:r>
+                  <a:endParaRPr lang="fr-FR" dirty="0"/>
+                </a:p>
+              </p:txBody>
+            </p:sp>
+          </p:grpSp>
+          <p:grpSp>
+            <p:nvGrpSpPr>
+              <p:cNvPr id="19" name="Groupe 18"/>
+              <p:cNvGrpSpPr/>
+              <p:nvPr/>
+            </p:nvGrpSpPr>
+            <p:grpSpPr>
+              <a:xfrm>
+                <a:off x="7442200" y="4277360"/>
+                <a:ext cx="589280" cy="568960"/>
+                <a:chOff x="8260080" y="4704080"/>
+                <a:chExt cx="975360" cy="955040"/>
+              </a:xfrm>
+            </p:grpSpPr>
+            <p:sp>
+              <p:nvSpPr>
+                <p:cNvPr id="20" name="Rectangle à coins arrondis 19"/>
+                <p:cNvSpPr/>
+                <p:nvPr/>
+              </p:nvSpPr>
+              <p:spPr>
+                <a:xfrm>
+                  <a:off x="8260080" y="4704080"/>
+                  <a:ext cx="975360" cy="955040"/>
+                </a:xfrm>
+                <a:prstGeom prst="roundRect">
+                  <a:avLst/>
+                </a:prstGeom>
+              </p:spPr>
+              <p:style>
+                <a:lnRef idx="1">
+                  <a:schemeClr val="accent4"/>
+                </a:lnRef>
+                <a:fillRef idx="2">
+                  <a:schemeClr val="accent4"/>
+                </a:fillRef>
+                <a:effectRef idx="1">
+                  <a:schemeClr val="accent4"/>
+                </a:effectRef>
+                <a:fontRef idx="minor">
+                  <a:schemeClr val="dk1"/>
+                </a:fontRef>
+              </p:style>
+              <p:txBody>
+                <a:bodyPr rtlCol="0" anchor="ctr"/>
+                <a:lstStyle/>
+                <a:p>
+                  <a:pPr algn="ctr"/>
+                  <a:endParaRPr lang="fr-FR"/>
+                </a:p>
+              </p:txBody>
+            </p:sp>
+            <p:sp>
+              <p:nvSpPr>
+                <p:cNvPr id="21" name="Ellipse 20"/>
+                <p:cNvSpPr/>
+                <p:nvPr/>
+              </p:nvSpPr>
+              <p:spPr>
+                <a:xfrm>
+                  <a:off x="8341360" y="4785360"/>
+                  <a:ext cx="782320" cy="762000"/>
+                </a:xfrm>
+                <a:prstGeom prst="ellipse">
+                  <a:avLst/>
+                </a:prstGeom>
+              </p:spPr>
+              <p:style>
+                <a:lnRef idx="2">
+                  <a:schemeClr val="accent3">
+                    <a:shade val="50000"/>
+                  </a:schemeClr>
+                </a:lnRef>
+                <a:fillRef idx="1">
+                  <a:schemeClr val="accent3"/>
+                </a:fillRef>
+                <a:effectRef idx="0">
+                  <a:schemeClr val="accent3"/>
+                </a:effectRef>
+                <a:fontRef idx="minor">
+                  <a:schemeClr val="lt1"/>
+                </a:fontRef>
+              </p:style>
+              <p:txBody>
+                <a:bodyPr rtlCol="0" anchor="ctr"/>
+                <a:lstStyle/>
+                <a:p>
+                  <a:pPr algn="ctr"/>
+                  <a:endParaRPr lang="fr-FR"/>
+                </a:p>
+              </p:txBody>
+            </p:sp>
+          </p:grpSp>
+        </p:grpSp>
+        <p:cxnSp>
+          <p:nvCxnSpPr>
+            <p:cNvPr id="8" name="Connecteur droit avec flèche 7"/>
+            <p:cNvCxnSpPr>
+              <a:stCxn id="36" idx="3"/>
+              <a:endCxn id="54" idx="2"/>
+            </p:cNvCxnSpPr>
+            <p:nvPr/>
+          </p:nvCxnSpPr>
+          <p:spPr>
+            <a:xfrm flipV="1">
+              <a:off x="2413000" y="3799840"/>
+              <a:ext cx="914400" cy="741680"/>
+            </a:xfrm>
+            <a:prstGeom prst="straightConnector1">
+              <a:avLst/>
+            </a:prstGeom>
+            <a:ln>
+              <a:tailEnd type="triangle" w="lg" len="med"/>
+            </a:ln>
+          </p:spPr>
+          <p:style>
+            <a:lnRef idx="3">
+              <a:schemeClr val="accent2"/>
+            </a:lnRef>
+            <a:fillRef idx="0">
+              <a:schemeClr val="accent2"/>
+            </a:fillRef>
+            <a:effectRef idx="2">
+              <a:schemeClr val="accent2"/>
+            </a:effectRef>
+            <a:fontRef idx="minor">
+              <a:schemeClr val="tx1"/>
+            </a:fontRef>
+          </p:style>
+        </p:cxnSp>
+        <p:cxnSp>
+          <p:nvCxnSpPr>
+            <p:cNvPr id="7" name="Connecteur droit avec flèche 6"/>
+            <p:cNvCxnSpPr>
+              <a:stCxn id="39" idx="3"/>
+              <a:endCxn id="53" idx="2"/>
+            </p:cNvCxnSpPr>
+            <p:nvPr/>
+          </p:nvCxnSpPr>
+          <p:spPr>
+            <a:xfrm flipV="1">
+              <a:off x="2413000" y="3383280"/>
+              <a:ext cx="914400" cy="329354"/>
+            </a:xfrm>
+            <a:prstGeom prst="straightConnector1">
+              <a:avLst/>
+            </a:prstGeom>
+            <a:ln>
+              <a:tailEnd type="triangle" w="lg" len="med"/>
+            </a:ln>
+          </p:spPr>
+          <p:style>
+            <a:lnRef idx="3">
+              <a:schemeClr val="accent2"/>
+            </a:lnRef>
+            <a:fillRef idx="0">
+              <a:schemeClr val="accent2"/>
+            </a:fillRef>
+            <a:effectRef idx="2">
+              <a:schemeClr val="accent2"/>
+            </a:effectRef>
+            <a:fontRef idx="minor">
+              <a:schemeClr val="tx1"/>
+            </a:fontRef>
+          </p:style>
+        </p:cxnSp>
+        <p:cxnSp>
+          <p:nvCxnSpPr>
+            <p:cNvPr id="6" name="Connecteur droit avec flèche 5"/>
+            <p:cNvCxnSpPr>
+              <a:stCxn id="42" idx="3"/>
+              <a:endCxn id="52" idx="2"/>
+            </p:cNvCxnSpPr>
+            <p:nvPr/>
+          </p:nvCxnSpPr>
+          <p:spPr>
+            <a:xfrm>
+              <a:off x="2413000" y="2883747"/>
+              <a:ext cx="914400" cy="82973"/>
+            </a:xfrm>
+            <a:prstGeom prst="straightConnector1">
+              <a:avLst/>
+            </a:prstGeom>
+            <a:ln>
+              <a:tailEnd type="triangle" w="lg" len="med"/>
+            </a:ln>
+          </p:spPr>
+          <p:style>
+            <a:lnRef idx="3">
+              <a:schemeClr val="accent2"/>
+            </a:lnRef>
+            <a:fillRef idx="0">
+              <a:schemeClr val="accent2"/>
+            </a:fillRef>
+            <a:effectRef idx="2">
+              <a:schemeClr val="accent2"/>
+            </a:effectRef>
+            <a:fontRef idx="minor">
+              <a:schemeClr val="tx1"/>
+            </a:fontRef>
+          </p:style>
+        </p:cxnSp>
+        <p:cxnSp>
+          <p:nvCxnSpPr>
+            <p:cNvPr id="5" name="Connecteur droit avec flèche 4"/>
+            <p:cNvCxnSpPr>
+              <a:stCxn id="45" idx="3"/>
+              <a:endCxn id="51" idx="2"/>
+            </p:cNvCxnSpPr>
+            <p:nvPr/>
+          </p:nvCxnSpPr>
+          <p:spPr>
+            <a:xfrm>
+              <a:off x="2413000" y="2054860"/>
+              <a:ext cx="914400" cy="495300"/>
+            </a:xfrm>
+            <a:prstGeom prst="straightConnector1">
+              <a:avLst/>
+            </a:prstGeom>
+            <a:ln>
+              <a:tailEnd type="triangle" w="lg" len="med"/>
+            </a:ln>
+          </p:spPr>
+          <p:style>
+            <a:lnRef idx="3">
+              <a:schemeClr val="accent2"/>
+            </a:lnRef>
+            <a:fillRef idx="0">
+              <a:schemeClr val="accent2"/>
+            </a:fillRef>
+            <a:effectRef idx="2">
+              <a:schemeClr val="accent2"/>
+            </a:effectRef>
+            <a:fontRef idx="minor">
+              <a:schemeClr val="tx1"/>
+            </a:fontRef>
+          </p:style>
+        </p:cxnSp>
+      </p:grpSp>
+      <mc:AlternateContent xmlns:mc="http://schemas.openxmlformats.org/markup-compatibility/2006" xmlns:a14="http://schemas.microsoft.com/office/drawing/2010/main">
+        <mc:Choice Requires="a14">
+          <p:sp>
+            <p:nvSpPr>
+              <p:cNvPr id="69" name="ZoneTexte 68"/>
+              <p:cNvSpPr txBox="1"/>
+              <p:nvPr/>
+            </p:nvSpPr>
+            <p:spPr>
+              <a:xfrm>
+                <a:off x="1747519" y="3093720"/>
+                <a:ext cx="2989943" cy="288092"/>
+              </a:xfrm>
+              <a:prstGeom prst="rect">
+                <a:avLst/>
+              </a:prstGeom>
+              <a:noFill/>
+            </p:spPr>
+            <p:txBody>
+              <a:bodyPr wrap="square" lIns="0" tIns="0" rIns="0" bIns="0" rtlCol="0">
+                <a:spAutoFit/>
+              </a:bodyPr>
+              <a:lstStyle/>
+              <a:p>
+                <a:r>
+                  <a:rPr lang="fr-FR" dirty="0" smtClean="0">
+                    <a:solidFill>
+                      <a:srgbClr val="00B050"/>
+                    </a:solidFill>
+                  </a:rPr>
+                  <a:t>Sortie:    </a:t>
+                </a:r>
+                <a:r>
+                  <a:rPr lang="fr-FR" i="1" dirty="0" err="1" smtClean="0">
+                    <a:solidFill>
+                      <a:srgbClr val="00B050"/>
+                    </a:solidFill>
+                    <a:latin typeface="Times New Roman" panose="02020603050405020304" pitchFamily="18" charset="0"/>
+                    <a:cs typeface="Times New Roman" panose="02020603050405020304" pitchFamily="18" charset="0"/>
+                  </a:rPr>
+                  <a:t>y</a:t>
+                </a:r>
+                <a:r>
+                  <a:rPr lang="fr-FR" i="1" baseline="-25000" dirty="0" err="1" smtClean="0">
+                    <a:solidFill>
+                      <a:srgbClr val="00B050"/>
+                    </a:solidFill>
+                    <a:latin typeface="Times New Roman" panose="02020603050405020304" pitchFamily="18" charset="0"/>
+                    <a:cs typeface="Times New Roman" panose="02020603050405020304" pitchFamily="18" charset="0"/>
+                  </a:rPr>
+                  <a:t>j</a:t>
+                </a:r>
+                <a:r>
+                  <a:rPr lang="fr-FR" i="1" baseline="-25000" dirty="0" smtClean="0">
+                    <a:solidFill>
+                      <a:srgbClr val="00B050"/>
+                    </a:solidFill>
+                    <a:latin typeface="Times New Roman" panose="02020603050405020304" pitchFamily="18" charset="0"/>
+                    <a:cs typeface="Times New Roman" panose="02020603050405020304" pitchFamily="18" charset="0"/>
+                  </a:rPr>
+                  <a:t> </a:t>
+                </a:r>
+                <a:r>
+                  <a:rPr lang="fr-FR" dirty="0" smtClean="0">
+                    <a:solidFill>
+                      <a:srgbClr val="00B050"/>
+                    </a:solidFill>
+                  </a:rPr>
+                  <a:t>= f(</a:t>
+                </a:r>
+                <a14:m>
+                  <m:oMath xmlns:m="http://schemas.openxmlformats.org/officeDocument/2006/math">
+                    <m:nary>
+                      <m:naryPr>
+                        <m:chr m:val="∑"/>
+                        <m:limLoc m:val="subSup"/>
+                        <m:ctrlPr>
+                          <a:rPr lang="fr-FR" i="1" smtClean="0">
+                            <a:solidFill>
+                              <a:srgbClr val="00B050"/>
+                            </a:solidFill>
+                            <a:latin typeface="Cambria Math" panose="02040503050406030204" pitchFamily="18" charset="0"/>
+                          </a:rPr>
+                        </m:ctrlPr>
+                      </m:naryPr>
+                      <m:sub>
+                        <m:r>
+                          <m:rPr>
+                            <m:brk m:alnAt="25"/>
+                          </m:rPr>
+                          <a:rPr lang="fr-FR" b="0" i="1" smtClean="0">
+                            <a:solidFill>
+                              <a:srgbClr val="00B050"/>
+                            </a:solidFill>
+                            <a:latin typeface="Cambria Math" panose="02040503050406030204" pitchFamily="18" charset="0"/>
+                          </a:rPr>
+                          <m:t>𝑘</m:t>
+                        </m:r>
+                      </m:sub>
+                      <m:sup>
+                        <m:r>
+                          <a:rPr lang="fr-FR" b="0" i="1" smtClean="0">
+                            <a:solidFill>
+                              <a:srgbClr val="00B050"/>
+                            </a:solidFill>
+                            <a:latin typeface="Cambria Math" panose="02040503050406030204" pitchFamily="18" charset="0"/>
+                          </a:rPr>
+                          <m:t>𝑁</m:t>
+                        </m:r>
+                      </m:sup>
+                      <m:e>
+                        <m:r>
+                          <a:rPr lang="fr-FR" b="0" i="1" smtClean="0">
+                            <a:solidFill>
+                              <a:srgbClr val="00B050"/>
+                            </a:solidFill>
+                            <a:latin typeface="Cambria Math" panose="02040503050406030204" pitchFamily="18" charset="0"/>
+                          </a:rPr>
+                          <m:t>𝑘</m:t>
+                        </m:r>
+                        <m:r>
+                          <a:rPr lang="fr-FR" b="0" i="1" baseline="-25000" smtClean="0">
+                            <a:solidFill>
+                              <a:srgbClr val="00B050"/>
+                            </a:solidFill>
+                            <a:latin typeface="Cambria Math" panose="02040503050406030204" pitchFamily="18" charset="0"/>
+                          </a:rPr>
+                          <m:t>𝑖</m:t>
+                        </m:r>
+                        <m:r>
+                          <a:rPr lang="fr-FR" b="0" i="1" smtClean="0">
+                            <a:solidFill>
+                              <a:srgbClr val="00B050"/>
+                            </a:solidFill>
+                            <a:latin typeface="Cambria Math" panose="02040503050406030204" pitchFamily="18" charset="0"/>
+                          </a:rPr>
+                          <m:t>∗</m:t>
+                        </m:r>
+                        <m:r>
+                          <a:rPr lang="fr-FR" b="0" i="1" smtClean="0">
+                            <a:solidFill>
+                              <a:srgbClr val="00B050"/>
+                            </a:solidFill>
+                            <a:latin typeface="Cambria Math" panose="02040503050406030204" pitchFamily="18" charset="0"/>
+                          </a:rPr>
+                          <m:t>𝑥𝑖</m:t>
+                        </m:r>
+                        <m:r>
+                          <a:rPr lang="fr-FR" b="0" i="1" smtClean="0">
+                            <a:solidFill>
+                              <a:srgbClr val="00B050"/>
+                            </a:solidFill>
+                            <a:latin typeface="Cambria Math" panose="02040503050406030204" pitchFamily="18" charset="0"/>
+                          </a:rPr>
+                          <m:t>+</m:t>
+                        </m:r>
+                        <m:r>
+                          <a:rPr lang="fr-FR" b="0" i="1" smtClean="0">
+                            <a:solidFill>
+                              <a:srgbClr val="00B050"/>
+                            </a:solidFill>
+                            <a:latin typeface="Cambria Math" panose="02040503050406030204" pitchFamily="18" charset="0"/>
+                          </a:rPr>
+                          <m:t>𝑏</m:t>
+                        </m:r>
+                        <m:r>
+                          <a:rPr lang="fr-FR" b="0" i="1" smtClean="0">
+                            <a:solidFill>
+                              <a:srgbClr val="00B050"/>
+                            </a:solidFill>
+                            <a:latin typeface="Cambria Math" panose="02040503050406030204" pitchFamily="18" charset="0"/>
+                          </a:rPr>
+                          <m:t>)</m:t>
+                        </m:r>
+                      </m:e>
+                    </m:nary>
+                  </m:oMath>
+                </a14:m>
+                <a:endParaRPr lang="fr-FR" dirty="0">
+                  <a:solidFill>
+                    <a:srgbClr val="00B050"/>
+                  </a:solidFill>
+                </a:endParaRPr>
+              </a:p>
+            </p:txBody>
+          </p:sp>
+        </mc:Choice>
+        <mc:Fallback xmlns="">
+          <p:sp>
+            <p:nvSpPr>
+              <p:cNvPr id="69" name="ZoneTexte 68"/>
+              <p:cNvSpPr txBox="1">
+                <a:spLocks noRot="1" noChangeAspect="1" noMove="1" noResize="1" noEditPoints="1" noAdjustHandles="1" noChangeArrowheads="1" noChangeShapeType="1" noTextEdit="1"/>
+              </p:cNvSpPr>
+              <p:nvPr/>
+            </p:nvSpPr>
+            <p:spPr>
+              <a:xfrm>
+                <a:off x="1747519" y="3093720"/>
+                <a:ext cx="2989943" cy="288092"/>
+              </a:xfrm>
+              <a:prstGeom prst="rect">
+                <a:avLst/>
+              </a:prstGeom>
+              <a:blipFill>
+                <a:blip r:embed="rId3"/>
+                <a:stretch>
+                  <a:fillRect l="-4898" t="-168085" b="-255319"/>
+                </a:stretch>
+              </a:blipFill>
+            </p:spPr>
+            <p:txBody>
+              <a:bodyPr/>
+              <a:lstStyle/>
+              <a:p>
+                <a:r>
+                  <a:rPr lang="fr-FR">
+                    <a:noFill/>
+                  </a:rPr>
+                  <a:t> </a:t>
+                </a:r>
+              </a:p>
+            </p:txBody>
+          </p:sp>
+        </mc:Fallback>
+      </mc:AlternateContent>
+      <p:sp>
+        <p:nvSpPr>
+          <p:cNvPr id="70" name="Espace réservé du contenu 2"/>
+          <p:cNvSpPr txBox="1">
+            <a:spLocks/>
+          </p:cNvSpPr>
+          <p:nvPr/>
+        </p:nvSpPr>
+        <p:spPr>
+          <a:xfrm>
+            <a:off x="493182" y="5251131"/>
+            <a:ext cx="9697298" cy="1472815"/>
+          </a:xfrm>
+          <a:prstGeom prst="rect">
+            <a:avLst/>
+          </a:prstGeom>
+        </p:spPr>
+        <p:txBody>
+          <a:bodyPr vert="horz" lIns="91440" tIns="45720" rIns="91440" bIns="45720" rtlCol="0">
+            <a:normAutofit fontScale="77500" lnSpcReduction="20000"/>
+          </a:bodyPr>
+          <a:lstStyle>
+            <a:lvl1pPr marL="228600" indent="-228600" algn="l" defTabSz="914400" rtl="0" eaLnBrk="1" latinLnBrk="0" hangingPunct="1">
+              <a:lnSpc>
+                <a:spcPct val="90000"/>
+              </a:lnSpc>
+              <a:spcBef>
+                <a:spcPts val="1000"/>
+              </a:spcBef>
+              <a:buFont typeface="Arial" panose="020B0604020202020204" pitchFamily="34" charset="0"/>
+              <a:buChar char="•"/>
+              <a:defRPr sz="2800" kern="1200">
+                <a:solidFill>
+                  <a:schemeClr val="tx1"/>
+                </a:solidFill>
+                <a:latin typeface="+mn-lt"/>
+                <a:ea typeface="+mn-ea"/>
+                <a:cs typeface="+mn-cs"/>
+              </a:defRPr>
+            </a:lvl1pPr>
+            <a:lvl2pPr marL="685800" indent="-228600" algn="l" defTabSz="914400" rtl="0" eaLnBrk="1" latinLnBrk="0" hangingPunct="1">
+              <a:lnSpc>
+                <a:spcPct val="90000"/>
+              </a:lnSpc>
+              <a:spcBef>
+                <a:spcPts val="500"/>
+              </a:spcBef>
+              <a:buFont typeface="Arial" panose="020B0604020202020204" pitchFamily="34" charset="0"/>
+              <a:buChar char="•"/>
+              <a:defRPr sz="2400" kern="1200">
+                <a:solidFill>
+                  <a:schemeClr val="tx1"/>
+                </a:solidFill>
+                <a:latin typeface="+mn-lt"/>
+                <a:ea typeface="+mn-ea"/>
+                <a:cs typeface="+mn-cs"/>
+              </a:defRPr>
+            </a:lvl2pPr>
+            <a:lvl3pPr marL="1143000" indent="-228600" algn="l" defTabSz="914400" rtl="0" eaLnBrk="1" latinLnBrk="0" hangingPunct="1">
+              <a:lnSpc>
+                <a:spcPct val="90000"/>
+              </a:lnSpc>
+              <a:spcBef>
+                <a:spcPts val="500"/>
+              </a:spcBef>
+              <a:buFont typeface="Arial" panose="020B0604020202020204" pitchFamily="34" charset="0"/>
+              <a:buChar char="•"/>
+              <a:defRPr sz="2000" kern="1200">
+                <a:solidFill>
+                  <a:schemeClr val="tx1"/>
+                </a:solidFill>
+                <a:latin typeface="+mn-lt"/>
+                <a:ea typeface="+mn-ea"/>
+                <a:cs typeface="+mn-cs"/>
+              </a:defRPr>
+            </a:lvl3pPr>
+            <a:lvl4pPr marL="1600200" indent="-228600" algn="l" defTabSz="914400" rtl="0" eaLnBrk="1" latinLnBrk="0" hangingPunct="1">
+              <a:lnSpc>
+                <a:spcPct val="90000"/>
+              </a:lnSpc>
+              <a:spcBef>
+                <a:spcPts val="500"/>
+              </a:spcBef>
+              <a:buFont typeface="Arial" panose="020B0604020202020204" pitchFamily="34" charset="0"/>
+              <a:buChar char="•"/>
+              <a:defRPr sz="1800" kern="1200">
+                <a:solidFill>
+                  <a:schemeClr val="tx1"/>
+                </a:solidFill>
+                <a:latin typeface="+mn-lt"/>
+                <a:ea typeface="+mn-ea"/>
+                <a:cs typeface="+mn-cs"/>
+              </a:defRPr>
+            </a:lvl4pPr>
+            <a:lvl5pPr marL="2057400" indent="-228600" algn="l" defTabSz="914400" rtl="0" eaLnBrk="1" latinLnBrk="0" hangingPunct="1">
+              <a:lnSpc>
+                <a:spcPct val="90000"/>
+              </a:lnSpc>
+              <a:spcBef>
+                <a:spcPts val="500"/>
+              </a:spcBef>
+              <a:buFont typeface="Arial" panose="020B0604020202020204" pitchFamily="34" charset="0"/>
+              <a:buChar char="•"/>
+              <a:defRPr sz="1800" kern="1200">
+                <a:solidFill>
+                  <a:schemeClr val="tx1"/>
+                </a:solidFill>
+                <a:latin typeface="+mn-lt"/>
+                <a:ea typeface="+mn-ea"/>
+                <a:cs typeface="+mn-cs"/>
+              </a:defRPr>
+            </a:lvl5pPr>
+            <a:lvl6pPr marL="2514600" indent="-228600" algn="l" defTabSz="914400" rtl="0" eaLnBrk="1" latinLnBrk="0" hangingPunct="1">
+              <a:lnSpc>
+                <a:spcPct val="90000"/>
+              </a:lnSpc>
+              <a:spcBef>
+                <a:spcPts val="500"/>
+              </a:spcBef>
+              <a:buFont typeface="Arial" panose="020B0604020202020204" pitchFamily="34" charset="0"/>
+              <a:buChar char="•"/>
+              <a:defRPr sz="1800" kern="1200">
+                <a:solidFill>
+                  <a:schemeClr val="tx1"/>
+                </a:solidFill>
+                <a:latin typeface="+mn-lt"/>
+                <a:ea typeface="+mn-ea"/>
+                <a:cs typeface="+mn-cs"/>
+              </a:defRPr>
+            </a:lvl6pPr>
+            <a:lvl7pPr marL="2971800" indent="-228600" algn="l" defTabSz="914400" rtl="0" eaLnBrk="1" latinLnBrk="0" hangingPunct="1">
+              <a:lnSpc>
+                <a:spcPct val="90000"/>
+              </a:lnSpc>
+              <a:spcBef>
+                <a:spcPts val="500"/>
+              </a:spcBef>
+              <a:buFont typeface="Arial" panose="020B0604020202020204" pitchFamily="34" charset="0"/>
+              <a:buChar char="•"/>
+              <a:defRPr sz="1800" kern="1200">
+                <a:solidFill>
+                  <a:schemeClr val="tx1"/>
+                </a:solidFill>
+                <a:latin typeface="+mn-lt"/>
+                <a:ea typeface="+mn-ea"/>
+                <a:cs typeface="+mn-cs"/>
+              </a:defRPr>
+            </a:lvl7pPr>
+            <a:lvl8pPr marL="3429000" indent="-228600" algn="l" defTabSz="914400" rtl="0" eaLnBrk="1" latinLnBrk="0" hangingPunct="1">
+              <a:lnSpc>
+                <a:spcPct val="90000"/>
+              </a:lnSpc>
+              <a:spcBef>
+                <a:spcPts val="500"/>
+              </a:spcBef>
+              <a:buFont typeface="Arial" panose="020B0604020202020204" pitchFamily="34" charset="0"/>
+              <a:buChar char="•"/>
+              <a:defRPr sz="1800" kern="1200">
+                <a:solidFill>
+                  <a:schemeClr val="tx1"/>
+                </a:solidFill>
+                <a:latin typeface="+mn-lt"/>
+                <a:ea typeface="+mn-ea"/>
+                <a:cs typeface="+mn-cs"/>
+              </a:defRPr>
+            </a:lvl8pPr>
+            <a:lvl9pPr marL="3886200" indent="-228600" algn="l" defTabSz="914400" rtl="0" eaLnBrk="1" latinLnBrk="0" hangingPunct="1">
+              <a:lnSpc>
+                <a:spcPct val="90000"/>
+              </a:lnSpc>
+              <a:spcBef>
+                <a:spcPts val="500"/>
+              </a:spcBef>
+              <a:buFont typeface="Arial" panose="020B0604020202020204" pitchFamily="34" charset="0"/>
+              <a:buChar char="•"/>
+              <a:defRPr sz="1800" kern="1200">
+                <a:solidFill>
+                  <a:schemeClr val="tx1"/>
+                </a:solidFill>
+                <a:latin typeface="+mn-lt"/>
+                <a:ea typeface="+mn-ea"/>
+                <a:cs typeface="+mn-cs"/>
+              </a:defRPr>
+            </a:lvl9pPr>
+          </a:lstStyle>
+          <a:p>
+            <a:r>
+              <a:rPr lang="fr-FR" dirty="0" smtClean="0"/>
+              <a:t>Un réseau est structuré en </a:t>
+            </a:r>
+            <a:r>
+              <a:rPr lang="fr-FR" i="1" dirty="0" smtClean="0">
+                <a:solidFill>
+                  <a:srgbClr val="FFFF00"/>
+                </a:solidFill>
+              </a:rPr>
+              <a:t>couches</a:t>
+            </a:r>
+            <a:r>
+              <a:rPr lang="fr-FR" dirty="0" smtClean="0"/>
+              <a:t> contenant plusieurs neurones</a:t>
+            </a:r>
+          </a:p>
+          <a:p>
+            <a:pPr lvl="1"/>
+            <a:r>
+              <a:rPr lang="fr-FR" dirty="0" smtClean="0">
+                <a:solidFill>
+                  <a:srgbClr val="FFFF00"/>
+                </a:solidFill>
+              </a:rPr>
+              <a:t>La première couche est la </a:t>
+            </a:r>
+            <a:r>
+              <a:rPr lang="fr-FR" dirty="0" smtClean="0">
+                <a:solidFill>
+                  <a:srgbClr val="00B0F0"/>
+                </a:solidFill>
+              </a:rPr>
+              <a:t>couche d’entrée</a:t>
+            </a:r>
+          </a:p>
+          <a:p>
+            <a:pPr lvl="1"/>
+            <a:r>
+              <a:rPr lang="fr-FR" dirty="0" smtClean="0">
+                <a:solidFill>
+                  <a:srgbClr val="FFFF00"/>
+                </a:solidFill>
+              </a:rPr>
+              <a:t>Plusieurs couches </a:t>
+            </a:r>
+            <a:r>
+              <a:rPr lang="fr-FR" dirty="0" smtClean="0">
+                <a:solidFill>
+                  <a:srgbClr val="00B0F0"/>
+                </a:solidFill>
+              </a:rPr>
+              <a:t>profondes</a:t>
+            </a:r>
+            <a:r>
+              <a:rPr lang="fr-FR" dirty="0" smtClean="0">
+                <a:solidFill>
+                  <a:srgbClr val="C00000"/>
+                </a:solidFill>
+              </a:rPr>
+              <a:t> </a:t>
+            </a:r>
+            <a:r>
+              <a:rPr lang="fr-FR" dirty="0" smtClean="0">
+                <a:solidFill>
+                  <a:srgbClr val="FFFF00"/>
+                </a:solidFill>
+              </a:rPr>
+              <a:t>(</a:t>
+            </a:r>
+            <a:r>
+              <a:rPr lang="fr-FR" i="1" dirty="0" smtClean="0">
+                <a:solidFill>
+                  <a:srgbClr val="FFFF00"/>
+                </a:solidFill>
+              </a:rPr>
+              <a:t>le choix dépend largement du problème considéré</a:t>
+            </a:r>
+            <a:r>
+              <a:rPr lang="fr-FR" dirty="0" smtClean="0">
+                <a:solidFill>
+                  <a:srgbClr val="FFFF00"/>
+                </a:solidFill>
+              </a:rPr>
+              <a:t>)</a:t>
+            </a:r>
+          </a:p>
+          <a:p>
+            <a:pPr lvl="1"/>
+            <a:r>
+              <a:rPr lang="fr-FR" dirty="0" smtClean="0">
+                <a:solidFill>
+                  <a:srgbClr val="FFFF00"/>
+                </a:solidFill>
+              </a:rPr>
+              <a:t>Une dernière couche est la </a:t>
+            </a:r>
+            <a:r>
+              <a:rPr lang="fr-FR" dirty="0" smtClean="0">
+                <a:solidFill>
+                  <a:srgbClr val="00B0F0"/>
+                </a:solidFill>
+              </a:rPr>
+              <a:t>couche de sortie</a:t>
+            </a:r>
+            <a:endParaRPr lang="fr-FR" dirty="0">
+              <a:solidFill>
+                <a:srgbClr val="00B0F0"/>
+              </a:solidFill>
+            </a:endParaRPr>
+          </a:p>
+        </p:txBody>
+      </p:sp>
+      <p:sp>
+        <p:nvSpPr>
+          <p:cNvPr id="71" name="Ellipse 70"/>
+          <p:cNvSpPr/>
+          <p:nvPr/>
+        </p:nvSpPr>
+        <p:spPr>
+          <a:xfrm>
+            <a:off x="8384176" y="2447107"/>
+            <a:ext cx="304800" cy="284480"/>
+          </a:xfrm>
+          <a:prstGeom prst="ellipse">
+            <a:avLst/>
+          </a:prstGeom>
+          <a:solidFill>
+            <a:schemeClr val="accent4">
+              <a:lumMod val="20000"/>
+              <a:lumOff val="80000"/>
+            </a:schemeClr>
+          </a:solidFill>
+        </p:spPr>
+        <p:style>
+          <a:lnRef idx="2">
+            <a:schemeClr val="accent1">
+              <a:shade val="50000"/>
+            </a:schemeClr>
+          </a:lnRef>
+          <a:fillRef idx="1">
+            <a:schemeClr val="accent1"/>
+          </a:fillRef>
+          <a:effectRef idx="0">
+            <a:schemeClr val="accent1"/>
+          </a:effectRef>
+          <a:fontRef idx="minor">
+            <a:schemeClr val="lt1"/>
+          </a:fontRef>
+        </p:style>
+        <p:txBody>
+          <a:bodyPr rtlCol="0" anchor="ctr"/>
+          <a:lstStyle/>
+          <a:p>
+            <a:pPr algn="ctr"/>
+            <a:r>
+              <a:rPr lang="fr-FR" dirty="0" smtClean="0">
+                <a:solidFill>
+                  <a:srgbClr val="0070C0"/>
+                </a:solidFill>
+              </a:rPr>
+              <a:t>b</a:t>
+            </a:r>
+            <a:endParaRPr lang="fr-FR" dirty="0">
+              <a:solidFill>
+                <a:srgbClr val="0070C0"/>
+              </a:solidFill>
+            </a:endParaRPr>
+          </a:p>
+        </p:txBody>
+      </p:sp>
+      <p:sp>
+        <p:nvSpPr>
+          <p:cNvPr id="72" name="Forme libre 71"/>
+          <p:cNvSpPr/>
+          <p:nvPr/>
+        </p:nvSpPr>
+        <p:spPr>
+          <a:xfrm>
+            <a:off x="11421004" y="4270404"/>
+            <a:ext cx="233257" cy="178632"/>
+          </a:xfrm>
+          <a:custGeom>
+            <a:avLst/>
+            <a:gdLst>
+              <a:gd name="connsiteX0" fmla="*/ 0 w 1290320"/>
+              <a:gd name="connsiteY0" fmla="*/ 1056640 h 1132966"/>
+              <a:gd name="connsiteX1" fmla="*/ 467360 w 1290320"/>
+              <a:gd name="connsiteY1" fmla="*/ 1046480 h 1132966"/>
+              <a:gd name="connsiteX2" fmla="*/ 782320 w 1290320"/>
+              <a:gd name="connsiteY2" fmla="*/ 182880 h 1132966"/>
+              <a:gd name="connsiteX3" fmla="*/ 1290320 w 1290320"/>
+              <a:gd name="connsiteY3" fmla="*/ 0 h 1132966"/>
+              <a:gd name="connsiteX4" fmla="*/ 1290320 w 1290320"/>
+              <a:gd name="connsiteY4" fmla="*/ 0 h 1132966"/>
+              <a:gd name="connsiteX5" fmla="*/ 1290320 w 1290320"/>
+              <a:gd name="connsiteY5" fmla="*/ 0 h 1132966"/>
+            </a:gdLst>
+            <a:ahLst/>
+            <a:cxnLst>
+              <a:cxn ang="0">
+                <a:pos x="connsiteX0" y="connsiteY0"/>
+              </a:cxn>
+              <a:cxn ang="0">
+                <a:pos x="connsiteX1" y="connsiteY1"/>
+              </a:cxn>
+              <a:cxn ang="0">
+                <a:pos x="connsiteX2" y="connsiteY2"/>
+              </a:cxn>
+              <a:cxn ang="0">
+                <a:pos x="connsiteX3" y="connsiteY3"/>
+              </a:cxn>
+              <a:cxn ang="0">
+                <a:pos x="connsiteX4" y="connsiteY4"/>
+              </a:cxn>
+              <a:cxn ang="0">
+                <a:pos x="connsiteX5" y="connsiteY5"/>
+              </a:cxn>
+            </a:cxnLst>
+            <a:rect l="l" t="t" r="r" b="b"/>
+            <a:pathLst>
+              <a:path w="1290320" h="1132966">
+                <a:moveTo>
+                  <a:pt x="0" y="1056640"/>
+                </a:moveTo>
+                <a:cubicBezTo>
+                  <a:pt x="168486" y="1124373"/>
+                  <a:pt x="336973" y="1192107"/>
+                  <a:pt x="467360" y="1046480"/>
+                </a:cubicBezTo>
+                <a:cubicBezTo>
+                  <a:pt x="597747" y="900853"/>
+                  <a:pt x="645160" y="357293"/>
+                  <a:pt x="782320" y="182880"/>
+                </a:cubicBezTo>
+                <a:cubicBezTo>
+                  <a:pt x="919480" y="8467"/>
+                  <a:pt x="1290320" y="0"/>
+                  <a:pt x="1290320" y="0"/>
+                </a:cubicBezTo>
+                <a:lnTo>
+                  <a:pt x="1290320" y="0"/>
+                </a:lnTo>
+                <a:lnTo>
+                  <a:pt x="1290320" y="0"/>
+                </a:lnTo>
+              </a:path>
+            </a:pathLst>
+          </a:custGeom>
+          <a:noFill/>
+          <a:ln w="28575">
+            <a:solidFill>
+              <a:schemeClr val="accent2"/>
+            </a:solidFill>
+          </a:ln>
+        </p:spPr>
+        <p:style>
+          <a:lnRef idx="2">
+            <a:schemeClr val="accent1">
+              <a:shade val="50000"/>
+            </a:schemeClr>
+          </a:lnRef>
+          <a:fillRef idx="1">
+            <a:schemeClr val="accent1"/>
+          </a:fillRef>
+          <a:effectRef idx="0">
+            <a:schemeClr val="accent1"/>
+          </a:effectRef>
+          <a:fontRef idx="minor">
+            <a:schemeClr val="lt1"/>
+          </a:fontRef>
+        </p:style>
+        <p:txBody>
+          <a:bodyPr rtlCol="0" anchor="ctr"/>
+          <a:lstStyle/>
+          <a:p>
+            <a:pPr algn="ctr"/>
+            <a:r>
+              <a:rPr lang="fr-FR" dirty="0" smtClean="0"/>
+              <a:t> </a:t>
+            </a:r>
+            <a:endParaRPr lang="fr-FR" dirty="0"/>
+          </a:p>
+        </p:txBody>
+      </p:sp>
+    </p:spTree>
+    <p:extLst>
+      <p:ext uri="{BB962C8B-B14F-4D97-AF65-F5344CB8AC3E}">
+        <p14:creationId xmlns:p14="http://schemas.microsoft.com/office/powerpoint/2010/main" val="1269817386"/>
+      </p:ext>
+    </p:extLst>
+  </p:cSld>
+  <p:clrMapOvr>
+    <a:masterClrMapping/>
+  </p:clrMapOvr>
+</p:sld>
+</file>
+
+<file path=ppt/slides/slide14.xml><?xml version="1.0" encoding="utf-8"?>
+<p:sld xmlns:a="http://schemas.openxmlformats.org/drawingml/2006/main" xmlns:r="http://schemas.openxmlformats.org/officeDocument/2006/relationships" xmlns:p="http://schemas.openxmlformats.org/presentationml/2006/main">
+  <p:cSld>
+    <p:spTree>
+      <p:nvGrpSpPr>
+        <p:cNvPr id="1" name=""/>
+        <p:cNvGrpSpPr/>
+        <p:nvPr/>
+      </p:nvGrpSpPr>
+      <p:grpSpPr>
+        <a:xfrm>
+          <a:off x="0" y="0"/>
+          <a:ext cx="0" cy="0"/>
+          <a:chOff x="0" y="0"/>
+          <a:chExt cx="0" cy="0"/>
+        </a:xfrm>
+      </p:grpSpPr>
+      <p:sp>
+        <p:nvSpPr>
+          <p:cNvPr id="115" name="Titre 1"/>
+          <p:cNvSpPr txBox="1">
+            <a:spLocks/>
+          </p:cNvSpPr>
+          <p:nvPr/>
+        </p:nvSpPr>
+        <p:spPr>
+          <a:xfrm>
+            <a:off x="838200" y="365125"/>
+            <a:ext cx="10515600" cy="1325563"/>
+          </a:xfrm>
+          <a:prstGeom prst="rect">
+            <a:avLst/>
+          </a:prstGeom>
+        </p:spPr>
+        <p:txBody>
+          <a:bodyPr/>
+          <a:lstStyle>
+            <a:lvl1pPr algn="l" defTabSz="914400" rtl="0" eaLnBrk="1" latinLnBrk="0" hangingPunct="1">
+              <a:lnSpc>
+                <a:spcPct val="90000"/>
+              </a:lnSpc>
+              <a:spcBef>
+                <a:spcPct val="0"/>
+              </a:spcBef>
+              <a:buNone/>
+              <a:defRPr sz="4400" kern="1200">
+                <a:solidFill>
+                  <a:schemeClr val="tx1"/>
+                </a:solidFill>
+                <a:latin typeface="+mj-lt"/>
+                <a:ea typeface="+mj-ea"/>
+                <a:cs typeface="+mj-cs"/>
+              </a:defRPr>
+            </a:lvl1pPr>
+          </a:lstStyle>
+          <a:p>
+            <a:r>
+              <a:rPr lang="fr-FR" b="1" dirty="0" smtClean="0"/>
+              <a:t>Principe d’un réseau de neurones</a:t>
+            </a:r>
+            <a:endParaRPr lang="fr-FR" b="1" dirty="0"/>
+          </a:p>
+        </p:txBody>
+      </p:sp>
+      <p:sp>
+        <p:nvSpPr>
+          <p:cNvPr id="117" name="Espace réservé du contenu 2"/>
+          <p:cNvSpPr txBox="1">
+            <a:spLocks/>
+          </p:cNvSpPr>
+          <p:nvPr/>
+        </p:nvSpPr>
+        <p:spPr>
+          <a:xfrm>
+            <a:off x="371262" y="2496321"/>
+            <a:ext cx="10895736" cy="3425508"/>
+          </a:xfrm>
+          <a:prstGeom prst="rect">
+            <a:avLst/>
+          </a:prstGeom>
+        </p:spPr>
+        <p:txBody>
+          <a:bodyPr vert="horz" lIns="91440" tIns="45720" rIns="91440" bIns="45720" rtlCol="0">
+            <a:normAutofit fontScale="70000" lnSpcReduction="20000"/>
+          </a:bodyPr>
+          <a:lstStyle>
+            <a:lvl1pPr marL="228600" indent="-228600" algn="l" defTabSz="914400" rtl="0" eaLnBrk="1" latinLnBrk="0" hangingPunct="1">
+              <a:lnSpc>
+                <a:spcPct val="90000"/>
+              </a:lnSpc>
+              <a:spcBef>
+                <a:spcPts val="1000"/>
+              </a:spcBef>
+              <a:buFont typeface="Arial" panose="020B0604020202020204" pitchFamily="34" charset="0"/>
+              <a:buChar char="•"/>
+              <a:defRPr sz="2800" kern="1200">
+                <a:solidFill>
+                  <a:schemeClr val="tx1"/>
+                </a:solidFill>
+                <a:latin typeface="+mn-lt"/>
+                <a:ea typeface="+mn-ea"/>
+                <a:cs typeface="+mn-cs"/>
+              </a:defRPr>
+            </a:lvl1pPr>
+            <a:lvl2pPr marL="685800" indent="-228600" algn="l" defTabSz="914400" rtl="0" eaLnBrk="1" latinLnBrk="0" hangingPunct="1">
+              <a:lnSpc>
+                <a:spcPct val="90000"/>
+              </a:lnSpc>
+              <a:spcBef>
+                <a:spcPts val="500"/>
+              </a:spcBef>
+              <a:buFont typeface="Arial" panose="020B0604020202020204" pitchFamily="34" charset="0"/>
+              <a:buChar char="•"/>
+              <a:defRPr sz="2400" kern="1200">
+                <a:solidFill>
+                  <a:schemeClr val="tx1"/>
+                </a:solidFill>
+                <a:latin typeface="+mn-lt"/>
+                <a:ea typeface="+mn-ea"/>
+                <a:cs typeface="+mn-cs"/>
+              </a:defRPr>
+            </a:lvl2pPr>
+            <a:lvl3pPr marL="1143000" indent="-228600" algn="l" defTabSz="914400" rtl="0" eaLnBrk="1" latinLnBrk="0" hangingPunct="1">
+              <a:lnSpc>
+                <a:spcPct val="90000"/>
+              </a:lnSpc>
+              <a:spcBef>
+                <a:spcPts val="500"/>
+              </a:spcBef>
+              <a:buFont typeface="Arial" panose="020B0604020202020204" pitchFamily="34" charset="0"/>
+              <a:buChar char="•"/>
+              <a:defRPr sz="2000" kern="1200">
+                <a:solidFill>
+                  <a:schemeClr val="tx1"/>
+                </a:solidFill>
+                <a:latin typeface="+mn-lt"/>
+                <a:ea typeface="+mn-ea"/>
+                <a:cs typeface="+mn-cs"/>
+              </a:defRPr>
+            </a:lvl3pPr>
+            <a:lvl4pPr marL="1600200" indent="-228600" algn="l" defTabSz="914400" rtl="0" eaLnBrk="1" latinLnBrk="0" hangingPunct="1">
+              <a:lnSpc>
+                <a:spcPct val="90000"/>
+              </a:lnSpc>
+              <a:spcBef>
+                <a:spcPts val="500"/>
+              </a:spcBef>
+              <a:buFont typeface="Arial" panose="020B0604020202020204" pitchFamily="34" charset="0"/>
+              <a:buChar char="•"/>
+              <a:defRPr sz="1800" kern="1200">
+                <a:solidFill>
+                  <a:schemeClr val="tx1"/>
+                </a:solidFill>
+                <a:latin typeface="+mn-lt"/>
+                <a:ea typeface="+mn-ea"/>
+                <a:cs typeface="+mn-cs"/>
+              </a:defRPr>
+            </a:lvl4pPr>
+            <a:lvl5pPr marL="2057400" indent="-228600" algn="l" defTabSz="914400" rtl="0" eaLnBrk="1" latinLnBrk="0" hangingPunct="1">
+              <a:lnSpc>
+                <a:spcPct val="90000"/>
+              </a:lnSpc>
+              <a:spcBef>
+                <a:spcPts val="500"/>
+              </a:spcBef>
+              <a:buFont typeface="Arial" panose="020B0604020202020204" pitchFamily="34" charset="0"/>
+              <a:buChar char="•"/>
+              <a:defRPr sz="1800" kern="1200">
+                <a:solidFill>
+                  <a:schemeClr val="tx1"/>
+                </a:solidFill>
+                <a:latin typeface="+mn-lt"/>
+                <a:ea typeface="+mn-ea"/>
+                <a:cs typeface="+mn-cs"/>
+              </a:defRPr>
+            </a:lvl5pPr>
+            <a:lvl6pPr marL="2514600" indent="-228600" algn="l" defTabSz="914400" rtl="0" eaLnBrk="1" latinLnBrk="0" hangingPunct="1">
+              <a:lnSpc>
+                <a:spcPct val="90000"/>
+              </a:lnSpc>
+              <a:spcBef>
+                <a:spcPts val="500"/>
+              </a:spcBef>
+              <a:buFont typeface="Arial" panose="020B0604020202020204" pitchFamily="34" charset="0"/>
+              <a:buChar char="•"/>
+              <a:defRPr sz="1800" kern="1200">
+                <a:solidFill>
+                  <a:schemeClr val="tx1"/>
+                </a:solidFill>
+                <a:latin typeface="+mn-lt"/>
+                <a:ea typeface="+mn-ea"/>
+                <a:cs typeface="+mn-cs"/>
+              </a:defRPr>
+            </a:lvl6pPr>
+            <a:lvl7pPr marL="2971800" indent="-228600" algn="l" defTabSz="914400" rtl="0" eaLnBrk="1" latinLnBrk="0" hangingPunct="1">
+              <a:lnSpc>
+                <a:spcPct val="90000"/>
+              </a:lnSpc>
+              <a:spcBef>
+                <a:spcPts val="500"/>
+              </a:spcBef>
+              <a:buFont typeface="Arial" panose="020B0604020202020204" pitchFamily="34" charset="0"/>
+              <a:buChar char="•"/>
+              <a:defRPr sz="1800" kern="1200">
+                <a:solidFill>
+                  <a:schemeClr val="tx1"/>
+                </a:solidFill>
+                <a:latin typeface="+mn-lt"/>
+                <a:ea typeface="+mn-ea"/>
+                <a:cs typeface="+mn-cs"/>
+              </a:defRPr>
+            </a:lvl7pPr>
+            <a:lvl8pPr marL="3429000" indent="-228600" algn="l" defTabSz="914400" rtl="0" eaLnBrk="1" latinLnBrk="0" hangingPunct="1">
+              <a:lnSpc>
+                <a:spcPct val="90000"/>
+              </a:lnSpc>
+              <a:spcBef>
+                <a:spcPts val="500"/>
+              </a:spcBef>
+              <a:buFont typeface="Arial" panose="020B0604020202020204" pitchFamily="34" charset="0"/>
+              <a:buChar char="•"/>
+              <a:defRPr sz="1800" kern="1200">
+                <a:solidFill>
+                  <a:schemeClr val="tx1"/>
+                </a:solidFill>
+                <a:latin typeface="+mn-lt"/>
+                <a:ea typeface="+mn-ea"/>
+                <a:cs typeface="+mn-cs"/>
+              </a:defRPr>
+            </a:lvl8pPr>
+            <a:lvl9pPr marL="3886200" indent="-228600" algn="l" defTabSz="914400" rtl="0" eaLnBrk="1" latinLnBrk="0" hangingPunct="1">
+              <a:lnSpc>
+                <a:spcPct val="90000"/>
+              </a:lnSpc>
+              <a:spcBef>
+                <a:spcPts val="500"/>
+              </a:spcBef>
+              <a:buFont typeface="Arial" panose="020B0604020202020204" pitchFamily="34" charset="0"/>
+              <a:buChar char="•"/>
+              <a:defRPr sz="1800" kern="1200">
+                <a:solidFill>
+                  <a:schemeClr val="tx1"/>
+                </a:solidFill>
+                <a:latin typeface="+mn-lt"/>
+                <a:ea typeface="+mn-ea"/>
+                <a:cs typeface="+mn-cs"/>
+              </a:defRPr>
+            </a:lvl9pPr>
+          </a:lstStyle>
+          <a:p>
+            <a:r>
+              <a:rPr lang="fr-FR" dirty="0" smtClean="0"/>
+              <a:t>La couche d’entrée contient autant de neurones qu’il faut pour décrire les données d’entrée</a:t>
+            </a:r>
+          </a:p>
+          <a:p>
+            <a:pPr lvl="1"/>
+            <a:r>
+              <a:rPr lang="fr-FR" dirty="0" smtClean="0">
+                <a:solidFill>
+                  <a:srgbClr val="FFFF00"/>
+                </a:solidFill>
+              </a:rPr>
+              <a:t>Par exemple pour </a:t>
+            </a:r>
+            <a:r>
+              <a:rPr lang="fr-FR" dirty="0" smtClean="0">
+                <a:solidFill>
+                  <a:srgbClr val="FFFF00"/>
+                </a:solidFill>
+              </a:rPr>
+              <a:t>les images, </a:t>
+            </a:r>
+            <a:r>
+              <a:rPr lang="fr-FR" dirty="0" smtClean="0">
+                <a:solidFill>
+                  <a:srgbClr val="FFFF00"/>
+                </a:solidFill>
+              </a:rPr>
+              <a:t>la couche d’entrée contient </a:t>
+            </a:r>
+            <a:r>
+              <a:rPr lang="fr-FR" dirty="0" smtClean="0">
+                <a:solidFill>
+                  <a:srgbClr val="FFFF00"/>
+                </a:solidFill>
+              </a:rPr>
+              <a:t>autant de neurones qu’il y a de pixels</a:t>
+            </a:r>
+            <a:endParaRPr lang="fr-FR" dirty="0" smtClean="0">
+              <a:solidFill>
+                <a:srgbClr val="FFFF00"/>
+              </a:solidFill>
+            </a:endParaRPr>
+          </a:p>
+          <a:p>
+            <a:r>
+              <a:rPr lang="fr-FR" dirty="0" smtClean="0"/>
+              <a:t>La couche de sortie contient autant de neurones qu’il faut pour produire la sélection</a:t>
+            </a:r>
+          </a:p>
+          <a:p>
+            <a:pPr lvl="1"/>
+            <a:r>
+              <a:rPr lang="fr-FR" dirty="0" smtClean="0">
+                <a:solidFill>
+                  <a:srgbClr val="FFFF00"/>
+                </a:solidFill>
+              </a:rPr>
+              <a:t>Par exemple, pour les pastilles, la sortie demande un nombre entier </a:t>
+            </a:r>
+            <a:r>
+              <a:rPr lang="fr-FR" dirty="0" smtClean="0">
+                <a:solidFill>
+                  <a:srgbClr val="FFFF00"/>
+                </a:solidFill>
+              </a:rPr>
+              <a:t>([1.. </a:t>
+            </a:r>
+            <a:r>
+              <a:rPr lang="fr-FR" dirty="0" smtClean="0">
+                <a:solidFill>
+                  <a:srgbClr val="FFFF00"/>
+                </a:solidFill>
+              </a:rPr>
+              <a:t>8]) donc il suffit d’un seul neurone</a:t>
+            </a:r>
+          </a:p>
+          <a:p>
+            <a:r>
+              <a:rPr lang="fr-FR" dirty="0" smtClean="0"/>
+              <a:t>La dimension des couches profondes est uniquement déterminée par l’expérience (!!!) et la capacité en mémoire ou CPU </a:t>
+            </a:r>
+          </a:p>
+          <a:p>
+            <a:pPr lvl="1"/>
+            <a:r>
+              <a:rPr lang="fr-FR" dirty="0" smtClean="0">
+                <a:solidFill>
+                  <a:srgbClr val="00B050"/>
+                </a:solidFill>
+              </a:rPr>
+              <a:t>Malheureusement, il n’y a pas de règles (</a:t>
+            </a:r>
+            <a:r>
+              <a:rPr lang="fr-FR" i="1" dirty="0" smtClean="0">
+                <a:solidFill>
+                  <a:srgbClr val="00B050"/>
+                </a:solidFill>
+              </a:rPr>
+              <a:t>algorithmiques</a:t>
+            </a:r>
+            <a:r>
+              <a:rPr lang="fr-FR" dirty="0" smtClean="0">
+                <a:solidFill>
+                  <a:srgbClr val="00B050"/>
+                </a:solidFill>
+              </a:rPr>
+              <a:t>) qui nous permette de définir l’architecture des couches, on s’appuie sur des « </a:t>
+            </a:r>
+            <a:r>
+              <a:rPr lang="fr-FR" i="1" dirty="0" smtClean="0">
+                <a:solidFill>
+                  <a:srgbClr val="FFFF00"/>
+                </a:solidFill>
+              </a:rPr>
+              <a:t>recettes de cuisines</a:t>
+            </a:r>
+            <a:r>
+              <a:rPr lang="fr-FR" dirty="0" smtClean="0">
+                <a:solidFill>
+                  <a:srgbClr val="FFFF00"/>
+                </a:solidFill>
+              </a:rPr>
+              <a:t> </a:t>
+            </a:r>
+            <a:r>
+              <a:rPr lang="fr-FR" dirty="0" smtClean="0">
+                <a:solidFill>
+                  <a:srgbClr val="00B050"/>
+                </a:solidFill>
+              </a:rPr>
+              <a:t>» </a:t>
+            </a:r>
+            <a:r>
+              <a:rPr lang="fr-FR" dirty="0" smtClean="0">
+                <a:solidFill>
+                  <a:srgbClr val="00B050"/>
+                </a:solidFill>
+              </a:rPr>
+              <a:t>définies par l’expérience.</a:t>
+            </a:r>
+            <a:endParaRPr lang="fr-FR" dirty="0" smtClean="0">
+              <a:solidFill>
+                <a:srgbClr val="00B050"/>
+              </a:solidFill>
+            </a:endParaRPr>
+          </a:p>
+          <a:p>
+            <a:pPr lvl="1"/>
+            <a:r>
+              <a:rPr lang="fr-FR" dirty="0" smtClean="0">
+                <a:solidFill>
+                  <a:srgbClr val="00B050"/>
+                </a:solidFill>
+              </a:rPr>
+              <a:t>De nombreuses documentations montrent des exemples, que l’on peut faire évoluer selon notre intuition.</a:t>
+            </a:r>
+            <a:endParaRPr lang="fr-FR" dirty="0">
+              <a:solidFill>
+                <a:srgbClr val="00B050"/>
+              </a:solidFill>
+            </a:endParaRPr>
+          </a:p>
+        </p:txBody>
+      </p:sp>
+    </p:spTree>
+    <p:extLst>
+      <p:ext uri="{BB962C8B-B14F-4D97-AF65-F5344CB8AC3E}">
+        <p14:creationId xmlns:p14="http://schemas.microsoft.com/office/powerpoint/2010/main" val="4165890032"/>
+      </p:ext>
+    </p:extLst>
+  </p:cSld>
+  <p:clrMapOvr>
+    <a:masterClrMapping/>
+  </p:clrMapOvr>
+</p:sld>
+</file>
+
+<file path=ppt/slides/slide15.xml><?xml version="1.0" encoding="utf-8"?>
 <p:sld xmlns:a="http://schemas.openxmlformats.org/drawingml/2006/main" xmlns:r="http://schemas.openxmlformats.org/officeDocument/2006/relationships" xmlns:p="http://schemas.openxmlformats.org/presentationml/2006/main">
   <p:cSld>
     <p:spTree>
@@ -8126,15 +12645,7 @@
           <a:p>
             <a:r>
               <a:rPr lang="fr-FR" dirty="0" smtClean="0"/>
-              <a:t>Vous allez </a:t>
-            </a:r>
-            <a:r>
-              <a:rPr lang="fr-FR" dirty="0" smtClean="0"/>
-              <a:t>préparer </a:t>
-            </a:r>
-            <a:r>
-              <a:rPr lang="fr-FR" dirty="0" smtClean="0"/>
-              <a:t>le petit véhicule (avec notre aide !!)</a:t>
+              <a:t>Vous allez préparer le petit véhicule (avec notre aide !!)</a:t>
             </a:r>
           </a:p>
           <a:p>
@@ -8322,11 +12833,7 @@
           <a:p>
             <a:r>
               <a:rPr lang="fr-FR" b="1" dirty="0" smtClean="0"/>
-              <a:t>Le </a:t>
-            </a:r>
-            <a:r>
-              <a:rPr lang="fr-FR" b="1" dirty="0" smtClean="0"/>
-              <a:t>véhicule, familiarisation des différents éléments</a:t>
+              <a:t>Le véhicule, familiarisation des différents éléments</a:t>
             </a:r>
             <a:endParaRPr lang="fr-FR" b="1" dirty="0"/>
           </a:p>
@@ -8349,23 +12856,7 @@
           <a:p>
             <a:r>
               <a:rPr lang="fr-FR" dirty="0" smtClean="0"/>
-              <a:t>Premièrement: Vous </a:t>
-            </a:r>
-            <a:r>
-              <a:rPr lang="fr-FR" dirty="0" smtClean="0"/>
-              <a:t>allez </a:t>
-            </a:r>
-            <a:r>
-              <a:rPr lang="fr-FR" dirty="0" smtClean="0"/>
-              <a:t>préparer </a:t>
-            </a:r>
-            <a:r>
-              <a:rPr lang="fr-FR" dirty="0" smtClean="0"/>
-              <a:t>le petit véhicule (avec notre aide </a:t>
-            </a:r>
-            <a:r>
-              <a:rPr lang="fr-FR" dirty="0" smtClean="0"/>
-              <a:t>!!)</a:t>
+              <a:t>Premièrement: Vous allez préparer le petit véhicule (avec notre aide !!)</a:t>
             </a:r>
           </a:p>
           <a:p>
@@ -8429,11 +12920,7 @@
             </a:r>
             <a:r>
               <a:rPr lang="fr-FR" dirty="0" smtClean="0"/>
-              <a:t>du PC. </a:t>
-            </a:r>
-            <a:r>
-              <a:rPr lang="fr-FR" dirty="0" smtClean="0"/>
-              <a:t>On présente manuellement les pastilles imprimées pour proposer des combinaisons au jeu </a:t>
+              <a:t>du PC. On présente manuellement les pastilles imprimées pour proposer des combinaisons au jeu </a:t>
             </a:r>
             <a:r>
               <a:rPr lang="fr-FR" dirty="0" err="1" smtClean="0"/>
@@ -8462,7 +12949,6 @@
               <a:rPr lang="fr-FR" dirty="0" smtClean="0"/>
               <a:t> se feront donc avec les déplacements du véhicule afin de le positionner au-dessus des pastilles.</a:t>
             </a:r>
-            <a:endParaRPr lang="fr-FR" dirty="0" smtClean="0"/>
           </a:p>
         </p:txBody>
       </p:sp>
@@ -8537,7 +13023,7 @@
         </p:spPr>
         <p:txBody>
           <a:bodyPr>
-            <a:normAutofit lnSpcReduction="10000"/>
+            <a:normAutofit fontScale="92500" lnSpcReduction="10000"/>
           </a:bodyPr>
           <a:lstStyle/>
           <a:p>
@@ -8555,8 +13041,41 @@
             </a:r>
             <a:r>
               <a:rPr lang="fr-FR" dirty="0" smtClean="0"/>
-              <a:t>) de plusieurs chiffres</a:t>
-            </a:r>
+              <a:t>) de plusieurs </a:t>
+            </a:r>
+            <a:r>
+              <a:rPr lang="fr-FR" dirty="0" smtClean="0"/>
+              <a:t>chiffres (</a:t>
+            </a:r>
+            <a:r>
+              <a:rPr lang="fr-FR" i="1" u="sng" dirty="0" smtClean="0">
+                <a:solidFill>
+                  <a:srgbClr val="FFC000"/>
+                </a:solidFill>
+              </a:rPr>
+              <a:t>différents</a:t>
+            </a:r>
+            <a:r>
+              <a:rPr lang="fr-FR" i="1" dirty="0" smtClean="0">
+                <a:solidFill>
+                  <a:srgbClr val="FFC000"/>
+                </a:solidFill>
+              </a:rPr>
+              <a:t> alors que dans la règle officielle, ils peuvent êtr</a:t>
+            </a:r>
+            <a:r>
+              <a:rPr lang="fr-FR" i="1" dirty="0" smtClean="0">
+                <a:solidFill>
+                  <a:srgbClr val="FFC000"/>
+                </a:solidFill>
+              </a:rPr>
+              <a:t>e les même</a:t>
+            </a:r>
+            <a:r>
+              <a:rPr lang="fr-FR" dirty="0" smtClean="0"/>
+              <a:t>)</a:t>
+            </a:r>
+            <a:endParaRPr lang="fr-FR" dirty="0" smtClean="0"/>
           </a:p>
           <a:p>
             <a:r>

--- a/Présentation/Presentation.pptx
+++ b/Présentation/Presentation.pptx
@@ -312,7 +312,7 @@
           <a:p>
             <a:fld id="{3ECE0937-EB16-4FB7-83E4-051A3D147AE6}" type="datetimeFigureOut">
               <a:rPr lang="fr-FR" smtClean="0"/>
-              <a:t>11/04/2024</a:t>
+              <a:t>13/04/2024</a:t>
             </a:fld>
             <a:endParaRPr lang="fr-FR"/>
           </a:p>
@@ -587,7 +587,7 @@
           <a:p>
             <a:fld id="{3ECE0937-EB16-4FB7-83E4-051A3D147AE6}" type="datetimeFigureOut">
               <a:rPr lang="fr-FR" smtClean="0"/>
-              <a:t>11/04/2024</a:t>
+              <a:t>13/04/2024</a:t>
             </a:fld>
             <a:endParaRPr lang="fr-FR"/>
           </a:p>
@@ -781,7 +781,7 @@
           <a:p>
             <a:fld id="{3ECE0937-EB16-4FB7-83E4-051A3D147AE6}" type="datetimeFigureOut">
               <a:rPr lang="fr-FR" smtClean="0"/>
-              <a:t>11/04/2024</a:t>
+              <a:t>13/04/2024</a:t>
             </a:fld>
             <a:endParaRPr lang="fr-FR"/>
           </a:p>
@@ -1054,7 +1054,7 @@
           <a:p>
             <a:fld id="{3ECE0937-EB16-4FB7-83E4-051A3D147AE6}" type="datetimeFigureOut">
               <a:rPr lang="fr-FR" smtClean="0"/>
-              <a:t>11/04/2024</a:t>
+              <a:t>13/04/2024</a:t>
             </a:fld>
             <a:endParaRPr lang="fr-FR"/>
           </a:p>
@@ -1395,7 +1395,7 @@
           <a:p>
             <a:fld id="{3ECE0937-EB16-4FB7-83E4-051A3D147AE6}" type="datetimeFigureOut">
               <a:rPr lang="fr-FR" smtClean="0"/>
-              <a:t>11/04/2024</a:t>
+              <a:t>13/04/2024</a:t>
             </a:fld>
             <a:endParaRPr lang="fr-FR"/>
           </a:p>
@@ -2018,7 +2018,7 @@
           <a:p>
             <a:fld id="{3ECE0937-EB16-4FB7-83E4-051A3D147AE6}" type="datetimeFigureOut">
               <a:rPr lang="fr-FR" smtClean="0"/>
-              <a:t>11/04/2024</a:t>
+              <a:t>13/04/2024</a:t>
             </a:fld>
             <a:endParaRPr lang="fr-FR"/>
           </a:p>
@@ -2878,7 +2878,7 @@
           <a:p>
             <a:fld id="{3ECE0937-EB16-4FB7-83E4-051A3D147AE6}" type="datetimeFigureOut">
               <a:rPr lang="fr-FR" smtClean="0"/>
-              <a:t>11/04/2024</a:t>
+              <a:t>13/04/2024</a:t>
             </a:fld>
             <a:endParaRPr lang="fr-FR"/>
           </a:p>
@@ -3048,7 +3048,7 @@
           <a:p>
             <a:fld id="{3ECE0937-EB16-4FB7-83E4-051A3D147AE6}" type="datetimeFigureOut">
               <a:rPr lang="fr-FR" smtClean="0"/>
-              <a:t>11/04/2024</a:t>
+              <a:t>13/04/2024</a:t>
             </a:fld>
             <a:endParaRPr lang="fr-FR"/>
           </a:p>
@@ -3228,7 +3228,7 @@
           <a:p>
             <a:fld id="{3ECE0937-EB16-4FB7-83E4-051A3D147AE6}" type="datetimeFigureOut">
               <a:rPr lang="fr-FR" smtClean="0"/>
-              <a:t>11/04/2024</a:t>
+              <a:t>13/04/2024</a:t>
             </a:fld>
             <a:endParaRPr lang="fr-FR"/>
           </a:p>
@@ -3398,7 +3398,7 @@
           <a:p>
             <a:fld id="{3ECE0937-EB16-4FB7-83E4-051A3D147AE6}" type="datetimeFigureOut">
               <a:rPr lang="fr-FR" smtClean="0"/>
-              <a:t>11/04/2024</a:t>
+              <a:t>13/04/2024</a:t>
             </a:fld>
             <a:endParaRPr lang="fr-FR"/>
           </a:p>
@@ -3645,7 +3645,7 @@
           <a:p>
             <a:fld id="{3ECE0937-EB16-4FB7-83E4-051A3D147AE6}" type="datetimeFigureOut">
               <a:rPr lang="fr-FR" smtClean="0"/>
-              <a:t>11/04/2024</a:t>
+              <a:t>13/04/2024</a:t>
             </a:fld>
             <a:endParaRPr lang="fr-FR"/>
           </a:p>
@@ -3937,7 +3937,7 @@
           <a:p>
             <a:fld id="{3ECE0937-EB16-4FB7-83E4-051A3D147AE6}" type="datetimeFigureOut">
               <a:rPr lang="fr-FR" smtClean="0"/>
-              <a:t>11/04/2024</a:t>
+              <a:t>13/04/2024</a:t>
             </a:fld>
             <a:endParaRPr lang="fr-FR"/>
           </a:p>
@@ -4381,7 +4381,7 @@
           <a:p>
             <a:fld id="{3ECE0937-EB16-4FB7-83E4-051A3D147AE6}" type="datetimeFigureOut">
               <a:rPr lang="fr-FR" smtClean="0"/>
-              <a:t>11/04/2024</a:t>
+              <a:t>13/04/2024</a:t>
             </a:fld>
             <a:endParaRPr lang="fr-FR"/>
           </a:p>
@@ -4499,7 +4499,7 @@
           <a:p>
             <a:fld id="{3ECE0937-EB16-4FB7-83E4-051A3D147AE6}" type="datetimeFigureOut">
               <a:rPr lang="fr-FR" smtClean="0"/>
-              <a:t>11/04/2024</a:t>
+              <a:t>13/04/2024</a:t>
             </a:fld>
             <a:endParaRPr lang="fr-FR"/>
           </a:p>
@@ -4594,7 +4594,7 @@
           <a:p>
             <a:fld id="{3ECE0937-EB16-4FB7-83E4-051A3D147AE6}" type="datetimeFigureOut">
               <a:rPr lang="fr-FR" smtClean="0"/>
-              <a:t>11/04/2024</a:t>
+              <a:t>13/04/2024</a:t>
             </a:fld>
             <a:endParaRPr lang="fr-FR"/>
           </a:p>
@@ -4873,7 +4873,7 @@
           <a:p>
             <a:fld id="{3ECE0937-EB16-4FB7-83E4-051A3D147AE6}" type="datetimeFigureOut">
               <a:rPr lang="fr-FR" smtClean="0"/>
-              <a:t>11/04/2024</a:t>
+              <a:t>13/04/2024</a:t>
             </a:fld>
             <a:endParaRPr lang="fr-FR"/>
           </a:p>
@@ -5148,7 +5148,7 @@
           <a:p>
             <a:fld id="{3ECE0937-EB16-4FB7-83E4-051A3D147AE6}" type="datetimeFigureOut">
               <a:rPr lang="fr-FR" smtClean="0"/>
-              <a:t>11/04/2024</a:t>
+              <a:t>13/04/2024</a:t>
             </a:fld>
             <a:endParaRPr lang="fr-FR"/>
           </a:p>
@@ -5577,7 +5577,7 @@
           <a:p>
             <a:fld id="{3ECE0937-EB16-4FB7-83E4-051A3D147AE6}" type="datetimeFigureOut">
               <a:rPr lang="fr-FR" smtClean="0"/>
-              <a:t>11/04/2024</a:t>
+              <a:t>13/04/2024</a:t>
             </a:fld>
             <a:endParaRPr lang="fr-FR"/>
           </a:p>
@@ -6176,7 +6176,15 @@
             </a:r>
             <a:r>
               <a:rPr lang="fr-FR" dirty="0" smtClean="0"/>
-              <a:t>, avec un petit véhicule robotisé et un logiciel de reconnaissance de caractères</a:t>
+              <a:t>, avec un petit véhicule </a:t>
+            </a:r>
+            <a:r>
+              <a:rPr lang="fr-FR" dirty="0" smtClean="0"/>
+              <a:t>télécommandé </a:t>
+            </a:r>
+            <a:r>
+              <a:rPr lang="fr-FR" dirty="0" smtClean="0"/>
+              <a:t>et un logiciel de reconnaissance de caractères</a:t>
             </a:r>
           </a:p>
           <a:p>
@@ -6199,8 +6207,12 @@
           <a:p>
             <a:pPr lvl="1"/>
             <a:r>
+              <a:rPr lang="fr-FR" dirty="0" smtClean="0"/>
+              <a:t>De </a:t>
+            </a:r>
+            <a:r>
               <a:rPr lang="fr-FR" dirty="0"/>
-              <a:t>Que quoi parle-t-on quand on parle de </a:t>
+              <a:t>quoi parle-t-on quand on parle de </a:t>
             </a:r>
             <a:r>
               <a:rPr lang="fr-FR" dirty="0" smtClean="0">
@@ -6208,13 +6220,36 @@
                   <a:srgbClr val="FFFF00"/>
                 </a:solidFill>
               </a:rPr>
-              <a:t>IA ?</a:t>
-            </a:r>
-            <a:endParaRPr lang="fr-FR" dirty="0">
-              <a:solidFill>
-                <a:srgbClr val="FFFF00"/>
-              </a:solidFill>
-            </a:endParaRPr>
+              <a:t>IA </a:t>
+            </a:r>
+            <a:r>
+              <a:rPr lang="fr-FR" dirty="0" smtClean="0">
+                <a:solidFill>
+                  <a:srgbClr val="FFFF00"/>
+                </a:solidFill>
+              </a:rPr>
+              <a:t>?</a:t>
+            </a:r>
+          </a:p>
+          <a:p>
+            <a:pPr lvl="1"/>
+            <a:r>
+              <a:rPr lang="fr-FR" dirty="0" smtClean="0"/>
+              <a:t>En quoi le mot « </a:t>
+            </a:r>
+            <a:r>
+              <a:rPr lang="fr-FR" dirty="0" smtClean="0">
+                <a:solidFill>
+                  <a:srgbClr val="FFFF00"/>
+                </a:solidFill>
+              </a:rPr>
+              <a:t>Intelligence</a:t>
+            </a:r>
+            <a:r>
+              <a:rPr lang="fr-FR" dirty="0" smtClean="0"/>
+              <a:t> » pourrait être considéré comme abusif</a:t>
+            </a:r>
+            <a:endParaRPr lang="fr-FR" dirty="0"/>
           </a:p>
           <a:p>
             <a:pPr lvl="1"/>
@@ -6250,6 +6285,36 @@
           </a:p>
         </p:txBody>
       </p:sp>
+      <p:pic>
+        <p:nvPicPr>
+          <p:cNvPr id="4" name="Image 3"/>
+          <p:cNvPicPr>
+            <a:picLocks noChangeAspect="1"/>
+          </p:cNvPicPr>
+          <p:nvPr/>
+        </p:nvPicPr>
+        <p:blipFill>
+          <a:blip r:embed="rId2">
+            <a:extLst>
+              <a:ext uri="{28A0092B-C50C-407E-A947-70E740481C1C}">
+                <a14:useLocalDpi xmlns:a14="http://schemas.microsoft.com/office/drawing/2010/main" val="0"/>
+              </a:ext>
+            </a:extLst>
+          </a:blip>
+          <a:stretch>
+            <a:fillRect/>
+          </a:stretch>
+        </p:blipFill>
+        <p:spPr>
+          <a:xfrm>
+            <a:off x="8064445" y="1057441"/>
+            <a:ext cx="3314700" cy="1276350"/>
+          </a:xfrm>
+          <a:prstGeom prst="rect">
+            <a:avLst/>
+          </a:prstGeom>
+        </p:spPr>
+      </p:pic>
     </p:spTree>
     <p:extLst>
       <p:ext uri="{BB962C8B-B14F-4D97-AF65-F5344CB8AC3E}">
@@ -6327,65 +6392,61 @@
           <a:p>
             <a:r>
               <a:rPr lang="fr-FR" dirty="0" smtClean="0"/>
-              <a:t>Avancées </a:t>
+              <a:t>Ces </a:t>
             </a:r>
             <a:r>
               <a:rPr lang="fr-FR" dirty="0"/>
-              <a:t>récentes :</a:t>
+              <a:t>technologies permettent aux ordinateurs d'analyser de </a:t>
+            </a:r>
+            <a:r>
+              <a:rPr lang="fr-FR" dirty="0" smtClean="0"/>
+              <a:t>très grandes </a:t>
+            </a:r>
+            <a:r>
+              <a:rPr lang="fr-FR" dirty="0"/>
+              <a:t>quantités de données, d'identifier des schémas complexes et d'apprendre de manière autonome</a:t>
+            </a:r>
+            <a:r>
+              <a:rPr lang="fr-FR" dirty="0" smtClean="0"/>
+              <a:t>.</a:t>
+            </a:r>
+          </a:p>
+          <a:p>
+            <a:r>
+              <a:rPr lang="fr-FR" dirty="0" smtClean="0"/>
+              <a:t>Ce sont essentiellement des algorithmes mathématiques qui sont basés sur des notions de probabilité.</a:t>
+            </a:r>
+            <a:endParaRPr lang="fr-FR" dirty="0"/>
+          </a:p>
+          <a:p>
+            <a:r>
+              <a:rPr lang="fr-FR" dirty="0"/>
+              <a:t>Défis et questions éthiques </a:t>
+            </a:r>
+            <a:r>
+              <a:rPr lang="fr-FR" dirty="0" smtClean="0"/>
+              <a:t>:</a:t>
             </a:r>
           </a:p>
           <a:p>
             <a:pPr lvl="1"/>
             <a:r>
-              <a:rPr lang="fr-FR" dirty="0"/>
-              <a:t>Ces dernières années, les progrès dans le domaine de l'IA ont été remarquables, en grande partie grâce aux avancées dans </a:t>
-            </a:r>
-            <a:r>
-              <a:rPr lang="fr-FR" dirty="0" smtClean="0"/>
-              <a:t>l’apprentissage profond </a:t>
-            </a:r>
-            <a:r>
-              <a:rPr lang="fr-FR" dirty="0"/>
-              <a:t>(</a:t>
-            </a:r>
-            <a:r>
-              <a:rPr lang="fr-FR" i="1" dirty="0" err="1" smtClean="0"/>
-              <a:t>deep</a:t>
-            </a:r>
-            <a:r>
-              <a:rPr lang="fr-FR" i="1" dirty="0" smtClean="0"/>
-              <a:t> </a:t>
-            </a:r>
-            <a:r>
-              <a:rPr lang="fr-FR" i="1" dirty="0" err="1" smtClean="0"/>
-              <a:t>learning</a:t>
-            </a:r>
-            <a:r>
-              <a:rPr lang="fr-FR" dirty="0" smtClean="0"/>
-              <a:t>) </a:t>
-            </a:r>
-            <a:r>
-              <a:rPr lang="fr-FR" dirty="0"/>
-              <a:t>et les réseaux neuronaux. </a:t>
-            </a:r>
-            <a:endParaRPr lang="fr-FR" dirty="0" smtClean="0"/>
-          </a:p>
-          <a:p>
-            <a:pPr lvl="1"/>
-            <a:r>
-              <a:rPr lang="fr-FR" dirty="0" smtClean="0"/>
-              <a:t>Ces </a:t>
-            </a:r>
-            <a:r>
-              <a:rPr lang="fr-FR" dirty="0"/>
-              <a:t>technologies permettent aux ordinateurs d'analyser de grandes quantités de données, d'identifier des schémas complexes et d'apprendre de manière autonome.</a:t>
-            </a:r>
-          </a:p>
-          <a:p>
-            <a:r>
-              <a:rPr lang="fr-FR" dirty="0"/>
-              <a:t>Défis et questions éthiques :</a:t>
-            </a:r>
+              <a:rPr lang="fr-FR" dirty="0" smtClean="0"/>
+              <a:t>On peut même douter que </a:t>
+            </a:r>
+            <a:r>
+              <a:rPr lang="fr-FR" dirty="0" smtClean="0">
+                <a:solidFill>
+                  <a:srgbClr val="FFFF00"/>
+                </a:solidFill>
+              </a:rPr>
+              <a:t>l’intelligence</a:t>
+            </a:r>
+            <a:r>
+              <a:rPr lang="fr-FR" dirty="0" smtClean="0"/>
+              <a:t> intervienne, mais c’est une question largement en débat …</a:t>
+            </a:r>
+            <a:endParaRPr lang="fr-FR" dirty="0"/>
           </a:p>
           <a:p>
             <a:pPr lvl="1"/>
@@ -6590,8 +6651,16 @@
               <a:t>capable de générer du texte </a:t>
             </a:r>
             <a:r>
-              <a:rPr lang="fr-FR" dirty="0" smtClean="0"/>
-              <a:t>presque comme un humain </a:t>
+              <a:rPr lang="fr-FR" dirty="0" smtClean="0">
+                <a:solidFill>
+                  <a:srgbClr val="FFFF00"/>
+                </a:solidFill>
+              </a:rPr>
+              <a:t>presque</a:t>
+            </a:r>
+            <a:r>
+              <a:rPr lang="fr-FR" dirty="0" smtClean="0"/>
+              <a:t> comme un humain </a:t>
             </a:r>
             <a:r>
               <a:rPr lang="fr-FR" dirty="0"/>
@@ -6607,7 +6676,11 @@
             </a:r>
             <a:r>
               <a:rPr lang="fr-FR" dirty="0" smtClean="0"/>
-              <a:t>) qu’on lui donne.</a:t>
+              <a:t>) qu’on lui </a:t>
+            </a:r>
+            <a:r>
+              <a:rPr lang="fr-FR" dirty="0" smtClean="0"/>
+              <a:t>propose.</a:t>
             </a:r>
             <a:endParaRPr lang="fr-FR" dirty="0"/>
           </a:p>
@@ -6623,14 +6696,58 @@
             </a:r>
             <a:r>
               <a:rPr lang="fr-FR" dirty="0" smtClean="0"/>
-              <a:t>des immenses base de données de texte (pratiquement tout le WEB). </a:t>
+              <a:t>des immenses </a:t>
+            </a:r>
+            <a:r>
+              <a:rPr lang="fr-FR" dirty="0" smtClean="0"/>
+              <a:t>bases </a:t>
+            </a:r>
+            <a:r>
+              <a:rPr lang="fr-FR" dirty="0" smtClean="0"/>
+              <a:t>de données de texte (pratiquement tout le WEB). </a:t>
             </a:r>
           </a:p>
           <a:p>
             <a:pPr lvl="1"/>
             <a:r>
               <a:rPr lang="fr-FR" dirty="0" smtClean="0"/>
-              <a:t>En fonction des informations que l’on lui donne, il en déduit ce qui devrait probablement être logiquement associé pour compléter ce qu’on lui a dit.</a:t>
+              <a:t>En fonction des informations </a:t>
+            </a:r>
+            <a:r>
+              <a:rPr lang="fr-FR" dirty="0" smtClean="0"/>
+              <a:t>qu’on </a:t>
+            </a:r>
+            <a:r>
+              <a:rPr lang="fr-FR" dirty="0" smtClean="0"/>
+              <a:t>lui donne, il en </a:t>
+            </a:r>
+            <a:r>
+              <a:rPr lang="fr-FR" dirty="0" smtClean="0">
+                <a:solidFill>
+                  <a:srgbClr val="FFFF00"/>
+                </a:solidFill>
+              </a:rPr>
+              <a:t>déduit</a:t>
+            </a:r>
+            <a:r>
+              <a:rPr lang="fr-FR" dirty="0" smtClean="0"/>
+              <a:t> ce qui devrait probablement être </a:t>
+            </a:r>
+            <a:r>
+              <a:rPr lang="fr-FR" dirty="0" smtClean="0">
+                <a:solidFill>
+                  <a:srgbClr val="FFFF00"/>
+                </a:solidFill>
+              </a:rPr>
+              <a:t>logiquement</a:t>
+            </a:r>
+            <a:r>
+              <a:rPr lang="fr-FR" dirty="0" smtClean="0"/>
+              <a:t> associé pour compléter ce qu’on lui a </a:t>
+            </a:r>
+            <a:r>
+              <a:rPr lang="fr-FR" dirty="0" smtClean="0"/>
+              <a:t>dit, sans prétendre que ce soit une vérité !!</a:t>
             </a:r>
             <a:endParaRPr lang="fr-FR" dirty="0"/>
           </a:p>
@@ -6901,7 +7018,6 @@
               <a:rPr lang="fr-FR" dirty="0" smtClean="0"/>
               <a:t>.</a:t>
             </a:r>
-            <a:endParaRPr lang="fr-FR" dirty="0" smtClean="0"/>
           </a:p>
         </p:txBody>
       </p:sp>
@@ -11364,75 +11480,38 @@
                   <a:srgbClr val="FFFF00"/>
                 </a:solidFill>
               </a:rPr>
-              <a:t>Par exemple pour </a:t>
-            </a:r>
+              <a:t>Par exemple pour les images, la couche d’entrée contient autant de neurones qu’il y a de pixels</a:t>
+            </a:r>
+          </a:p>
+          <a:p>
+            <a:r>
+              <a:rPr lang="fr-FR" dirty="0" smtClean="0"/>
+              <a:t>La couche de sortie contient autant de neurones qu’il faut pour produire la sélection</a:t>
+            </a:r>
+          </a:p>
+          <a:p>
+            <a:pPr lvl="1"/>
             <a:r>
               <a:rPr lang="fr-FR" dirty="0" smtClean="0">
                 <a:solidFill>
                   <a:srgbClr val="FFFF00"/>
                 </a:solidFill>
               </a:rPr>
-              <a:t>les images, </a:t>
-            </a:r>
-            <a:r>
-              <a:rPr lang="fr-FR" dirty="0" smtClean="0">
-                <a:solidFill>
-                  <a:srgbClr val="FFFF00"/>
-                </a:solidFill>
-              </a:rPr>
-              <a:t>la couche d’entrée contient </a:t>
-            </a:r>
-            <a:r>
-              <a:rPr lang="fr-FR" dirty="0" smtClean="0">
-                <a:solidFill>
-                  <a:srgbClr val="FFFF00"/>
-                </a:solidFill>
-              </a:rPr>
-              <a:t>autant de neurones qu’il y a de pixels</a:t>
-            </a:r>
-            <a:endParaRPr lang="fr-FR" dirty="0" smtClean="0">
-              <a:solidFill>
-                <a:srgbClr val="FFFF00"/>
-              </a:solidFill>
-            </a:endParaRPr>
-          </a:p>
-          <a:p>
-            <a:r>
-              <a:rPr lang="fr-FR" dirty="0" smtClean="0"/>
-              <a:t>La couche de sortie contient autant de neurones qu’il faut pour produire la sélection</a:t>
-            </a:r>
-          </a:p>
-          <a:p>
-            <a:pPr lvl="1"/>
-            <a:r>
-              <a:rPr lang="fr-FR" dirty="0" smtClean="0">
-                <a:solidFill>
-                  <a:srgbClr val="FFFF00"/>
-                </a:solidFill>
-              </a:rPr>
-              <a:t>Par exemple, pour les pastilles, la sortie demande un nombre entier </a:t>
-            </a:r>
-            <a:r>
-              <a:rPr lang="fr-FR" dirty="0" smtClean="0">
-                <a:solidFill>
-                  <a:srgbClr val="FFFF00"/>
-                </a:solidFill>
-              </a:rPr>
-              <a:t>([1.. </a:t>
-            </a:r>
-            <a:r>
-              <a:rPr lang="fr-FR" dirty="0" smtClean="0">
-                <a:solidFill>
-                  <a:srgbClr val="FFFF00"/>
-                </a:solidFill>
-              </a:rPr>
-              <a:t>8]) donc il suffit d’un seul neurone</a:t>
-            </a:r>
-          </a:p>
-          <a:p>
-            <a:r>
-              <a:rPr lang="fr-FR" dirty="0" smtClean="0"/>
-              <a:t>La dimension des couches profondes est uniquement déterminée par l’expérience (!!!) et la capacité en mémoire ou CPU </a:t>
+              <a:t>Par exemple, pour les pastilles, la sortie demande un nombre entier ([1.. 8]) donc il suffit d’un seul neurone</a:t>
+            </a:r>
+          </a:p>
+          <a:p>
+            <a:r>
+              <a:rPr lang="fr-FR" dirty="0" smtClean="0"/>
+              <a:t>La dimension des couches profondes est uniquement déterminée par </a:t>
+            </a:r>
+            <a:r>
+              <a:rPr lang="fr-FR" dirty="0" smtClean="0"/>
+              <a:t>l’expérience et </a:t>
+            </a:r>
+            <a:r>
+              <a:rPr lang="fr-FR" dirty="0" smtClean="0"/>
+              <a:t>la capacité en mémoire ou CPU </a:t>
             </a:r>
           </a:p>
           <a:p>
@@ -11483,21 +11562,8 @@
                   <a:srgbClr val="00B050"/>
                 </a:solidFill>
               </a:rPr>
-              <a:t>» </a:t>
-            </a:r>
-            <a:r>
-              <a:rPr lang="fr-FR" dirty="0" smtClean="0">
-                <a:solidFill>
-                  <a:srgbClr val="00B050"/>
-                </a:solidFill>
-              </a:rPr>
-              <a:t>définies par l’expérience.</a:t>
-            </a:r>
-            <a:endParaRPr lang="fr-FR" dirty="0" smtClean="0">
-              <a:solidFill>
-                <a:srgbClr val="00B050"/>
-              </a:solidFill>
-            </a:endParaRPr>
+              <a:t>» définies par l’expérience.</a:t>
+            </a:r>
           </a:p>
           <a:p>
             <a:pPr lvl="1"/>
@@ -11726,6 +11792,10 @@
               <a:rPr lang="fr-FR" dirty="0"/>
               <a:t> (IA) et de ses applications concrètes. </a:t>
             </a:r>
+            <a:r>
+              <a:rPr lang="fr-FR" dirty="0" smtClean="0"/>
+              <a:t>On pourrait parler de l’algorithmique rapide.</a:t>
+            </a:r>
             <a:endParaRPr lang="fr-FR" dirty="0" smtClean="0"/>
           </a:p>
           <a:p>
@@ -11747,7 +11817,11 @@
             </a:r>
             <a:r>
               <a:rPr lang="fr-FR" dirty="0"/>
-              <a:t>, ce qu'est un réseau neuronal, ainsi que les outils logiciels utilisés. </a:t>
+              <a:t>, ce qu'est un réseau </a:t>
+            </a:r>
+            <a:r>
+              <a:rPr lang="fr-FR" dirty="0" smtClean="0"/>
+              <a:t>neuronal. </a:t>
             </a:r>
             <a:endParaRPr lang="fr-FR" dirty="0" smtClean="0"/>
           </a:p>
@@ -11758,7 +11832,15 @@
             </a:r>
             <a:r>
               <a:rPr lang="fr-FR" dirty="0"/>
-              <a:t>découvrirons un projet fascinant réalisé par notre association </a:t>
+              <a:t>découvrirons un projet </a:t>
+            </a:r>
+            <a:r>
+              <a:rPr lang="fr-FR" dirty="0" smtClean="0"/>
+              <a:t>réalisé </a:t>
+            </a:r>
+            <a:r>
+              <a:rPr lang="fr-FR" dirty="0"/>
+              <a:t>par notre association </a:t>
             </a:r>
             <a:r>
               <a:rPr lang="fr-FR" dirty="0" smtClean="0">
@@ -12198,7 +12280,7 @@
           </a:stretch>
         </p:blipFill>
         <p:spPr>
-          <a:xfrm>
+          <a:xfrm rot="263942">
             <a:off x="8438461" y="3314432"/>
             <a:ext cx="2664064" cy="1290610"/>
           </a:xfrm>
@@ -12768,7 +12850,15 @@
             </a:r>
             <a:r>
               <a:rPr lang="fr-FR" dirty="0" smtClean="0"/>
-              <a:t> les caractères et vous devrez imaginer la </a:t>
+              <a:t> les caractères et vous </a:t>
+            </a:r>
+            <a:r>
+              <a:rPr lang="fr-FR" dirty="0" smtClean="0"/>
+              <a:t>devez </a:t>
+            </a:r>
+            <a:r>
+              <a:rPr lang="fr-FR" dirty="0" smtClean="0"/>
+              <a:t>imaginer la </a:t>
             </a:r>
             <a:r>
               <a:rPr lang="fr-FR" dirty="0" smtClean="0">
@@ -12849,20 +12939,38 @@
             <p:ph idx="1"/>
           </p:nvPr>
         </p:nvSpPr>
-        <p:spPr/>
-        <p:txBody>
-          <a:bodyPr/>
+        <p:spPr>
+          <a:xfrm>
+            <a:off x="1103311" y="2052918"/>
+            <a:ext cx="10767985" cy="4475103"/>
+          </a:xfrm>
+        </p:spPr>
+        <p:txBody>
+          <a:bodyPr>
+            <a:normAutofit/>
+          </a:bodyPr>
           <a:lstStyle/>
           <a:p>
             <a:r>
               <a:rPr lang="fr-FR" dirty="0" smtClean="0"/>
-              <a:t>Premièrement: Vous allez préparer le petit véhicule (avec notre aide !!)</a:t>
-            </a:r>
-          </a:p>
-          <a:p>
-            <a:r>
-              <a:rPr lang="fr-FR" dirty="0" smtClean="0"/>
-              <a:t>Ensuite vous allez vous familiariser avec les commandes du véhicule (manipulation avec la </a:t>
+              <a:t>Trois étapes: le véhicules, le jeu sur PC, la combinaison des deux</a:t>
+            </a:r>
+          </a:p>
+          <a:p>
+            <a:pPr marL="0" indent="0">
+              <a:buNone/>
+            </a:pPr>
+            <a:endParaRPr lang="fr-FR" dirty="0" smtClean="0"/>
+          </a:p>
+          <a:p>
+            <a:pPr lvl="1"/>
+            <a:r>
+              <a:rPr lang="fr-FR" dirty="0" smtClean="0"/>
+              <a:t>1) vous </a:t>
+            </a:r>
+            <a:r>
+              <a:rPr lang="fr-FR" dirty="0" smtClean="0"/>
+              <a:t>allez vous familiariser avec les commandes du véhicule (manipulation avec la </a:t>
             </a:r>
             <a:r>
               <a:rPr lang="fr-FR" dirty="0" smtClean="0">
@@ -12878,9 +12986,18 @@
             </a:r>
           </a:p>
           <a:p>
-            <a:r>
-              <a:rPr lang="fr-FR" dirty="0" smtClean="0"/>
-              <a:t>Ensuite vous allez utiliser </a:t>
+            <a:pPr lvl="1"/>
+            <a:endParaRPr lang="fr-FR" dirty="0" smtClean="0"/>
+          </a:p>
+          <a:p>
+            <a:pPr lvl="1"/>
+            <a:r>
+              <a:rPr lang="fr-FR" dirty="0" smtClean="0"/>
+              <a:t>2) vous </a:t>
+            </a:r>
+            <a:r>
+              <a:rPr lang="fr-FR" dirty="0" smtClean="0"/>
+              <a:t>allez utiliser </a:t>
             </a:r>
             <a:r>
               <a:rPr lang="fr-FR" dirty="0" smtClean="0">
@@ -12929,9 +13046,18 @@
             <a:endParaRPr lang="fr-FR" dirty="0" smtClean="0"/>
           </a:p>
           <a:p>
-            <a:r>
-              <a:rPr lang="fr-FR" dirty="0" smtClean="0"/>
-              <a:t>Enfin on combine l’utilisation du véhicule et l’application </a:t>
+            <a:pPr lvl="1"/>
+            <a:endParaRPr lang="fr-FR" dirty="0" smtClean="0"/>
+          </a:p>
+          <a:p>
+            <a:pPr lvl="1"/>
+            <a:r>
+              <a:rPr lang="fr-FR" dirty="0" smtClean="0"/>
+              <a:t>3)Enfin </a:t>
+            </a:r>
+            <a:r>
+              <a:rPr lang="fr-FR" dirty="0" smtClean="0"/>
+              <a:t>on combine l’utilisation du véhicule et l’application </a:t>
             </a:r>
             <a:r>
               <a:rPr lang="fr-FR" dirty="0" err="1" smtClean="0"/>
@@ -13029,7 +13155,23 @@
           <a:p>
             <a:r>
               <a:rPr lang="fr-FR" dirty="0" smtClean="0"/>
-              <a:t>Le jeu définit une combinaison (</a:t>
+              <a:t>Le jeu </a:t>
+            </a:r>
+            <a:r>
+              <a:rPr lang="fr-FR" dirty="0" smtClean="0"/>
+              <a:t>(</a:t>
+            </a:r>
+            <a:r>
+              <a:rPr lang="fr-FR" i="1" dirty="0" smtClean="0"/>
+              <a:t>l’application</a:t>
+            </a:r>
+            <a:r>
+              <a:rPr lang="fr-FR" dirty="0" smtClean="0"/>
+              <a:t>) définit </a:t>
+            </a:r>
+            <a:r>
+              <a:rPr lang="fr-FR" dirty="0" smtClean="0"/>
+              <a:t>une combinaison (</a:t>
             </a:r>
             <a:r>
               <a:rPr lang="fr-FR" i="1" dirty="0" smtClean="0">
@@ -13041,11 +13183,7 @@
             </a:r>
             <a:r>
               <a:rPr lang="fr-FR" dirty="0" smtClean="0"/>
-              <a:t>) de plusieurs </a:t>
-            </a:r>
-            <a:r>
-              <a:rPr lang="fr-FR" dirty="0" smtClean="0"/>
-              <a:t>chiffres (</a:t>
+              <a:t>) de plusieurs chiffres (</a:t>
             </a:r>
             <a:r>
               <a:rPr lang="fr-FR" i="1" u="sng" dirty="0" smtClean="0">
@@ -13061,7 +13199,7 @@
                   <a:srgbClr val="FFC000"/>
                 </a:solidFill>
               </a:rPr>
-              <a:t> alors que dans la règle officielle, ils peuvent êtr</a:t>
+              <a:t> alors que dans la règle officielle, ils peuvent être les </a:t>
             </a:r>
             <a:r>
               <a:rPr lang="fr-FR" i="1" dirty="0" smtClean="0">
@@ -13069,7 +13207,7 @@
                   <a:srgbClr val="FFC000"/>
                 </a:solidFill>
               </a:rPr>
-              <a:t>e les même</a:t>
+              <a:t>mêmes</a:t>
             </a:r>
             <a:r>
               <a:rPr lang="fr-FR" dirty="0" smtClean="0"/>
@@ -13118,8 +13256,13 @@
             </a:r>
             <a:r>
               <a:rPr lang="fr-FR" dirty="0" smtClean="0"/>
-              <a:t>dans la combinaison</a:t>
-            </a:r>
+              <a:t>dans la </a:t>
+            </a:r>
+            <a:r>
+              <a:rPr lang="fr-FR" dirty="0" smtClean="0"/>
+              <a:t>combinaison secrète</a:t>
+            </a:r>
+            <a:endParaRPr lang="fr-FR" dirty="0" smtClean="0"/>
           </a:p>
           <a:p>
             <a:pPr lvl="2"/>
@@ -13128,17 +13271,42 @@
               <a:t>Combien de chiffres </a:t>
             </a:r>
             <a:r>
+              <a:rPr lang="fr-FR" dirty="0" smtClean="0"/>
+              <a:t>sont </a:t>
+            </a:r>
+            <a:r>
+              <a:rPr lang="fr-FR" dirty="0" err="1" smtClean="0"/>
+              <a:t>pésents</a:t>
+            </a:r>
+            <a:r>
+              <a:rPr lang="fr-FR" dirty="0" smtClean="0"/>
+              <a:t> </a:t>
+            </a:r>
+            <a:r>
               <a:rPr lang="fr-FR" dirty="0" smtClean="0">
                 <a:solidFill>
                   <a:srgbClr val="FFFF00"/>
                 </a:solidFill>
               </a:rPr>
-              <a:t>existent</a:t>
-            </a:r>
-            <a:r>
-              <a:rPr lang="fr-FR" dirty="0" smtClean="0"/>
-              <a:t> dans la combinaison (mais pas à la bonne place)</a:t>
-            </a:r>
+              <a:t>mais </a:t>
+            </a:r>
+            <a:r>
+              <a:rPr lang="fr-FR" dirty="0" smtClean="0">
+                <a:solidFill>
+                  <a:srgbClr val="FFFF00"/>
+                </a:solidFill>
+              </a:rPr>
+              <a:t>pas à la bonne </a:t>
+            </a:r>
+            <a:r>
+              <a:rPr lang="fr-FR" dirty="0" smtClean="0">
+                <a:solidFill>
+                  <a:srgbClr val="FFFF00"/>
+                </a:solidFill>
+              </a:rPr>
+              <a:t>place</a:t>
+            </a:r>
+            <a:endParaRPr lang="fr-FR" dirty="0" smtClean="0"/>
           </a:p>
           <a:p>
             <a:pPr lvl="2"/>
@@ -13177,8 +13345,21 @@
             </a:r>
             <a:r>
               <a:rPr lang="fr-FR" dirty="0" smtClean="0"/>
-              <a:t>: 2 chiffres dans la combinaison, choisie parmi 3 chiffres </a:t>
-            </a:r>
+              <a:t>: 2 chiffres dans la combinaison, </a:t>
+            </a:r>
+            <a:r>
+              <a:rPr lang="fr-FR" dirty="0" smtClean="0"/>
+              <a:t>choisis </a:t>
+            </a:r>
+            <a:r>
+              <a:rPr lang="fr-FR" dirty="0" smtClean="0"/>
+              <a:t>parmi 3 chiffres </a:t>
+            </a:r>
+            <a:r>
+              <a:rPr lang="fr-FR" dirty="0" smtClean="0"/>
+              <a:t>(1, 2, 3)</a:t>
+            </a:r>
+            <a:endParaRPr lang="fr-FR" dirty="0" smtClean="0"/>
           </a:p>
           <a:p>
             <a:pPr lvl="1"/>
@@ -13203,13 +13384,22 @@
               <a:t>combinaison, </a:t>
             </a:r>
             <a:r>
+              <a:rPr lang="fr-FR" dirty="0" smtClean="0"/>
+              <a:t>choisis </a:t>
+            </a:r>
+            <a:r>
               <a:rPr lang="fr-FR" dirty="0"/>
-              <a:t>choisie parmi </a:t>
-            </a:r>
-            <a:r>
-              <a:rPr lang="fr-FR" dirty="0" smtClean="0"/>
-              <a:t>5 chiffres</a:t>
-            </a:r>
+              <a:t>parmi </a:t>
+            </a:r>
+            <a:r>
+              <a:rPr lang="fr-FR" dirty="0" smtClean="0"/>
+              <a:t>5 </a:t>
+            </a:r>
+            <a:r>
+              <a:rPr lang="fr-FR" dirty="0" smtClean="0"/>
+              <a:t>chiffres (1, 2, 3, 4, 5)</a:t>
+            </a:r>
+            <a:endParaRPr lang="fr-FR" dirty="0" smtClean="0"/>
           </a:p>
           <a:p>
             <a:pPr lvl="1"/>
@@ -13223,7 +13413,19 @@
             </a:r>
             <a:r>
               <a:rPr lang="fr-FR" dirty="0" smtClean="0"/>
-              <a:t>: 6 chiffres dans la combinaison, choisie parmi 6 chiffres </a:t>
+              <a:t>: 6 chiffres dans la combinaison, </a:t>
+            </a:r>
+            <a:r>
+              <a:rPr lang="fr-FR" dirty="0" smtClean="0"/>
+              <a:t>choisis </a:t>
+            </a:r>
+            <a:r>
+              <a:rPr lang="fr-FR" dirty="0" smtClean="0"/>
+              <a:t>parmi 6 chiffres </a:t>
+            </a:r>
+            <a:r>
+              <a:rPr lang="fr-FR" dirty="0" smtClean="0"/>
+              <a:t>(1, 2, 3, 4, 5, 6)</a:t>
             </a:r>
             <a:endParaRPr lang="fr-FR" dirty="0"/>
           </a:p>
@@ -13308,39 +13510,105 @@
             <p:ph idx="1"/>
           </p:nvPr>
         </p:nvSpPr>
-        <p:spPr/>
-        <p:txBody>
-          <a:bodyPr/>
+        <p:spPr>
+          <a:xfrm>
+            <a:off x="1103312" y="2052918"/>
+            <a:ext cx="10298858" cy="4195481"/>
+          </a:xfrm>
+        </p:spPr>
+        <p:txBody>
+          <a:bodyPr>
+            <a:normAutofit lnSpcReduction="10000"/>
+          </a:bodyPr>
           <a:lstStyle/>
           <a:p>
             <a:r>
               <a:rPr lang="fr-FR" dirty="0" smtClean="0"/>
-              <a:t>Un logiciel devra être installé sur le PC qui pilote le jeu proprement dit. Ce logiciel préparé sait reconnaître les caractères apparaissant sur les images envoyées par la caméra du véhicule.</a:t>
-            </a:r>
-          </a:p>
-          <a:p>
-            <a:r>
-              <a:rPr lang="fr-FR" dirty="0" smtClean="0"/>
-              <a:t>La reconnaissance est effectuée par un algorithme de reconnaissance entraînée par un réseau de neurone.</a:t>
-            </a:r>
-          </a:p>
-          <a:p>
-            <a:r>
-              <a:rPr lang="fr-FR" dirty="0" smtClean="0"/>
-              <a:t>Vous allez piloter la véhicule par une télécommande de façon à positionner la caméra au-dessus les pastilles imprimées présentant des chiffres.</a:t>
+              <a:t>Le </a:t>
+            </a:r>
+            <a:r>
+              <a:rPr lang="fr-FR" dirty="0" smtClean="0"/>
+              <a:t>logiciel </a:t>
+            </a:r>
+            <a:r>
+              <a:rPr lang="fr-FR" dirty="0" err="1" smtClean="0">
+                <a:solidFill>
+                  <a:srgbClr val="FFFF00"/>
+                </a:solidFill>
+              </a:rPr>
+              <a:t>MasterMind</a:t>
+            </a:r>
+            <a:r>
+              <a:rPr lang="fr-FR" dirty="0" smtClean="0"/>
+              <a:t> devra </a:t>
+            </a:r>
+            <a:r>
+              <a:rPr lang="fr-FR" dirty="0" smtClean="0"/>
+              <a:t>être installé sur le </a:t>
+            </a:r>
+            <a:r>
+              <a:rPr lang="fr-FR" dirty="0" smtClean="0"/>
+              <a:t>PC. </a:t>
+            </a:r>
+          </a:p>
+          <a:p>
+            <a:r>
+              <a:rPr lang="fr-FR" dirty="0" smtClean="0"/>
+              <a:t>C’est ce jeu qui conduit </a:t>
+            </a:r>
+            <a:r>
+              <a:rPr lang="fr-FR" dirty="0" smtClean="0"/>
+              <a:t>le jeu proprement dit. Ce logiciel préparé sait reconnaître les caractères apparaissant sur les images envoyées par la caméra du véhicule.</a:t>
+            </a:r>
+          </a:p>
+          <a:p>
+            <a:r>
+              <a:rPr lang="fr-FR" dirty="0" smtClean="0"/>
+              <a:t>La reconnaissance est effectuée par un algorithme de reconnaissance entraînée par un réseau de </a:t>
+            </a:r>
+            <a:r>
+              <a:rPr lang="fr-FR" dirty="0" smtClean="0"/>
+              <a:t>neurones.</a:t>
+            </a:r>
+            <a:endParaRPr lang="fr-FR" dirty="0" smtClean="0"/>
+          </a:p>
+          <a:p>
+            <a:r>
+              <a:rPr lang="fr-FR" dirty="0" smtClean="0"/>
+              <a:t>Vous allez piloter </a:t>
+            </a:r>
+            <a:r>
+              <a:rPr lang="fr-FR" dirty="0" smtClean="0"/>
+              <a:t>le </a:t>
+            </a:r>
+            <a:r>
+              <a:rPr lang="fr-FR" dirty="0" smtClean="0"/>
+              <a:t>véhicule par une télécommande de façon à positionner la caméra au-dessus les pastilles imprimées présentant des chiffres.</a:t>
             </a:r>
             <a:endParaRPr lang="fr-FR" dirty="0"/>
           </a:p>
           <a:p>
             <a:r>
               <a:rPr lang="fr-FR" dirty="0" smtClean="0"/>
-              <a:t>Les commandes du jeu sont actionnée sur le PC, soit par des touches du clavier, soit par la souris.</a:t>
-            </a:r>
-          </a:p>
-          <a:p>
-            <a:r>
-              <a:rPr lang="fr-FR" dirty="0" smtClean="0"/>
-              <a:t>Plusieurs essais sont possibles jusqu’à la résolution de l’énigme.</a:t>
+              <a:t>Les commandes du jeu sont actionnée sur le PC, soit par </a:t>
+            </a:r>
+            <a:r>
+              <a:rPr lang="fr-FR" dirty="0" smtClean="0"/>
+              <a:t>les </a:t>
+            </a:r>
+            <a:r>
+              <a:rPr lang="fr-FR" dirty="0" smtClean="0"/>
+              <a:t>touches du clavier, soit par la souris.</a:t>
+            </a:r>
+          </a:p>
+          <a:p>
+            <a:r>
+              <a:rPr lang="fr-FR" dirty="0" smtClean="0"/>
+              <a:t>Plusieurs essais sont possibles jusqu’à la résolution de </a:t>
+            </a:r>
+            <a:r>
+              <a:rPr lang="fr-FR" dirty="0" smtClean="0"/>
+              <a:t>l’énigme ou bien jusqu’au nombre maximum d’essais.</a:t>
             </a:r>
             <a:endParaRPr lang="fr-FR" dirty="0"/>
           </a:p>
@@ -13438,11 +13706,27 @@
             </a:r>
             <a:r>
               <a:rPr lang="fr-FR" dirty="0"/>
-              <a:t>artificielle, ou IA, est une branche de l'informatique qui vise à créer des systèmes capables de réaliser des tâches </a:t>
-            </a:r>
-            <a:r>
-              <a:rPr lang="fr-FR" dirty="0" smtClean="0"/>
-              <a:t>comparables à ce que fait l'intelligence </a:t>
+              <a:t>artificielle, ou IA, est une branche de l'informatique qui vise à créer des systèmes capables de réaliser </a:t>
+            </a:r>
+            <a:r>
+              <a:rPr lang="fr-FR" dirty="0" smtClean="0"/>
+              <a:t>certaines </a:t>
+            </a:r>
+            <a:r>
+              <a:rPr lang="fr-FR" dirty="0"/>
+              <a:t>tâches </a:t>
+            </a:r>
+            <a:r>
+              <a:rPr lang="fr-FR" dirty="0" smtClean="0">
+                <a:solidFill>
+                  <a:srgbClr val="FFFF00"/>
+                </a:solidFill>
+              </a:rPr>
+              <a:t>comparables</a:t>
+            </a:r>
+            <a:r>
+              <a:rPr lang="fr-FR" dirty="0" smtClean="0"/>
+              <a:t> à ce que fait l'intelligence </a:t>
             </a:r>
             <a:r>
               <a:rPr lang="fr-FR" dirty="0"/>
@@ -13461,7 +13745,7 @@
               <a:t>systèmes sont conçus pour </a:t>
             </a:r>
             <a:r>
-              <a:rPr lang="fr-FR" dirty="0">
+              <a:rPr lang="fr-FR" dirty="0" smtClean="0">
                 <a:solidFill>
                   <a:srgbClr val="FFFF00"/>
                 </a:solidFill>
@@ -13469,8 +13753,20 @@
               <a:t>apprendre</a:t>
             </a:r>
             <a:r>
+              <a:rPr lang="fr-FR" dirty="0" smtClean="0"/>
+              <a:t>, </a:t>
+            </a:r>
+            <a:r>
               <a:rPr lang="fr-FR" dirty="0"/>
-              <a:t>, raisonner, percevoir, comprendre et interagir avec l'environnement de manière similaire à un être humain. </a:t>
+              <a:t>percevoir, comprendre et interagir avec l'environnement </a:t>
+            </a:r>
+            <a:r>
+              <a:rPr lang="fr-FR" dirty="0" smtClean="0"/>
+              <a:t>(mots, images, sons, capteurs, …) de </a:t>
+            </a:r>
+            <a:r>
+              <a:rPr lang="fr-FR" dirty="0"/>
+              <a:t>manière similaire à un être humain. </a:t>
             </a:r>
             <a:endParaRPr lang="fr-FR" dirty="0" smtClean="0"/>
           </a:p>
@@ -13573,7 +13869,7 @@
               <a:t>: Reconnaissance vocale, traduction automatique, </a:t>
             </a:r>
             <a:r>
-              <a:rPr lang="fr-FR" dirty="0" err="1"/>
+              <a:rPr lang="fr-FR" i="1" dirty="0" err="1"/>
               <a:t>chatbots</a:t>
             </a:r>
             <a:r>
